--- a/CH4. Simulation de l'effet Morton/figures/Schema ME.pptx
+++ b/CH4. Simulation de l'effet Morton/figures/Schema ME.pptx
@@ -8,6 +8,9 @@
     <p:sldId id="256" r:id="rId2"/>
     <p:sldId id="257" r:id="rId3"/>
     <p:sldId id="258" r:id="rId4"/>
+    <p:sldId id="259" r:id="rId5"/>
+    <p:sldId id="260" r:id="rId6"/>
+    <p:sldId id="261" r:id="rId7"/>
   </p:sldIdLst>
   <p:sldSz cx="9601200" cy="12801600" type="A3"/>
   <p:notesSz cx="6858000" cy="9144000"/>
@@ -245,7 +248,7 @@
           <a:p>
             <a:fld id="{E539D68F-847C-43B4-A4D9-4D2EB012A227}" type="datetimeFigureOut">
               <a:rPr lang="fr-FR" smtClean="0"/>
-              <a:t>22/12/2018</a:t>
+              <a:t>18/01/2019</a:t>
             </a:fld>
             <a:endParaRPr lang="fr-FR"/>
           </a:p>
@@ -415,7 +418,7 @@
           <a:p>
             <a:fld id="{E539D68F-847C-43B4-A4D9-4D2EB012A227}" type="datetimeFigureOut">
               <a:rPr lang="fr-FR" smtClean="0"/>
-              <a:t>22/12/2018</a:t>
+              <a:t>18/01/2019</a:t>
             </a:fld>
             <a:endParaRPr lang="fr-FR"/>
           </a:p>
@@ -595,7 +598,7 @@
           <a:p>
             <a:fld id="{E539D68F-847C-43B4-A4D9-4D2EB012A227}" type="datetimeFigureOut">
               <a:rPr lang="fr-FR" smtClean="0"/>
-              <a:t>22/12/2018</a:t>
+              <a:t>18/01/2019</a:t>
             </a:fld>
             <a:endParaRPr lang="fr-FR"/>
           </a:p>
@@ -765,7 +768,7 @@
           <a:p>
             <a:fld id="{E539D68F-847C-43B4-A4D9-4D2EB012A227}" type="datetimeFigureOut">
               <a:rPr lang="fr-FR" smtClean="0"/>
-              <a:t>22/12/2018</a:t>
+              <a:t>18/01/2019</a:t>
             </a:fld>
             <a:endParaRPr lang="fr-FR"/>
           </a:p>
@@ -1009,7 +1012,7 @@
           <a:p>
             <a:fld id="{E539D68F-847C-43B4-A4D9-4D2EB012A227}" type="datetimeFigureOut">
               <a:rPr lang="fr-FR" smtClean="0"/>
-              <a:t>22/12/2018</a:t>
+              <a:t>18/01/2019</a:t>
             </a:fld>
             <a:endParaRPr lang="fr-FR"/>
           </a:p>
@@ -1241,7 +1244,7 @@
           <a:p>
             <a:fld id="{E539D68F-847C-43B4-A4D9-4D2EB012A227}" type="datetimeFigureOut">
               <a:rPr lang="fr-FR" smtClean="0"/>
-              <a:t>22/12/2018</a:t>
+              <a:t>18/01/2019</a:t>
             </a:fld>
             <a:endParaRPr lang="fr-FR"/>
           </a:p>
@@ -1608,7 +1611,7 @@
           <a:p>
             <a:fld id="{E539D68F-847C-43B4-A4D9-4D2EB012A227}" type="datetimeFigureOut">
               <a:rPr lang="fr-FR" smtClean="0"/>
-              <a:t>22/12/2018</a:t>
+              <a:t>18/01/2019</a:t>
             </a:fld>
             <a:endParaRPr lang="fr-FR"/>
           </a:p>
@@ -1726,7 +1729,7 @@
           <a:p>
             <a:fld id="{E539D68F-847C-43B4-A4D9-4D2EB012A227}" type="datetimeFigureOut">
               <a:rPr lang="fr-FR" smtClean="0"/>
-              <a:t>22/12/2018</a:t>
+              <a:t>18/01/2019</a:t>
             </a:fld>
             <a:endParaRPr lang="fr-FR"/>
           </a:p>
@@ -1821,7 +1824,7 @@
           <a:p>
             <a:fld id="{E539D68F-847C-43B4-A4D9-4D2EB012A227}" type="datetimeFigureOut">
               <a:rPr lang="fr-FR" smtClean="0"/>
-              <a:t>22/12/2018</a:t>
+              <a:t>18/01/2019</a:t>
             </a:fld>
             <a:endParaRPr lang="fr-FR"/>
           </a:p>
@@ -2098,7 +2101,7 @@
           <a:p>
             <a:fld id="{E539D68F-847C-43B4-A4D9-4D2EB012A227}" type="datetimeFigureOut">
               <a:rPr lang="fr-FR" smtClean="0"/>
-              <a:t>22/12/2018</a:t>
+              <a:t>18/01/2019</a:t>
             </a:fld>
             <a:endParaRPr lang="fr-FR"/>
           </a:p>
@@ -2355,7 +2358,7 @@
           <a:p>
             <a:fld id="{E539D68F-847C-43B4-A4D9-4D2EB012A227}" type="datetimeFigureOut">
               <a:rPr lang="fr-FR" smtClean="0"/>
-              <a:t>22/12/2018</a:t>
+              <a:t>18/01/2019</a:t>
             </a:fld>
             <a:endParaRPr lang="fr-FR"/>
           </a:p>
@@ -2568,7 +2571,7 @@
           <a:p>
             <a:fld id="{E539D68F-847C-43B4-A4D9-4D2EB012A227}" type="datetimeFigureOut">
               <a:rPr lang="fr-FR" smtClean="0"/>
-              <a:t>22/12/2018</a:t>
+              <a:t>18/01/2019</a:t>
             </a:fld>
             <a:endParaRPr lang="fr-FR"/>
           </a:p>
@@ -7395,6 +7398,8341 @@
 </p:sld>
 </file>
 
+<file path=ppt/slides/slide4.xml><?xml version="1.0" encoding="utf-8"?>
+<p:sld xmlns:a="http://schemas.openxmlformats.org/drawingml/2006/main" xmlns:r="http://schemas.openxmlformats.org/officeDocument/2006/relationships" xmlns:p="http://schemas.openxmlformats.org/presentationml/2006/main">
+  <p:cSld>
+    <p:spTree>
+      <p:nvGrpSpPr>
+        <p:cNvPr id="1" name=""/>
+        <p:cNvGrpSpPr/>
+        <p:nvPr/>
+      </p:nvGrpSpPr>
+      <p:grpSpPr>
+        <a:xfrm>
+          <a:off x="0" y="0"/>
+          <a:ext cx="0" cy="0"/>
+          <a:chOff x="0" y="0"/>
+          <a:chExt cx="0" cy="0"/>
+        </a:xfrm>
+      </p:grpSpPr>
+      <p:pic>
+        <p:nvPicPr>
+          <p:cNvPr id="4" name="Image 3"/>
+          <p:cNvPicPr>
+            <a:picLocks noChangeAspect="1"/>
+          </p:cNvPicPr>
+          <p:nvPr/>
+        </p:nvPicPr>
+        <p:blipFill>
+          <a:blip r:embed="rId2"/>
+          <a:stretch>
+            <a:fillRect/>
+          </a:stretch>
+        </p:blipFill>
+        <p:spPr>
+          <a:xfrm>
+            <a:off x="0" y="0"/>
+            <a:ext cx="9601200" cy="2596243"/>
+          </a:xfrm>
+          <a:prstGeom prst="rect">
+            <a:avLst/>
+          </a:prstGeom>
+        </p:spPr>
+      </p:pic>
+      <p:grpSp>
+        <p:nvGrpSpPr>
+          <p:cNvPr id="28" name="Groupe 27"/>
+          <p:cNvGrpSpPr/>
+          <p:nvPr/>
+        </p:nvGrpSpPr>
+        <p:grpSpPr>
+          <a:xfrm>
+            <a:off x="1092198" y="2894920"/>
+            <a:ext cx="7681829" cy="7179451"/>
+            <a:chOff x="1022348" y="2844120"/>
+            <a:chExt cx="7681829" cy="7179451"/>
+          </a:xfrm>
+        </p:grpSpPr>
+        <p:grpSp>
+          <p:nvGrpSpPr>
+            <p:cNvPr id="174" name="Groupe 173"/>
+            <p:cNvGrpSpPr/>
+            <p:nvPr/>
+          </p:nvGrpSpPr>
+          <p:grpSpPr>
+            <a:xfrm>
+              <a:off x="1022348" y="2844120"/>
+              <a:ext cx="7681829" cy="7179451"/>
+              <a:chOff x="527048" y="2663145"/>
+              <a:chExt cx="7681829" cy="7179451"/>
+            </a:xfrm>
+          </p:grpSpPr>
+          <p:cxnSp>
+            <p:nvCxnSpPr>
+              <p:cNvPr id="11" name="Connecteur droit avec flèche 10"/>
+              <p:cNvCxnSpPr/>
+              <p:nvPr/>
+            </p:nvCxnSpPr>
+            <p:spPr>
+              <a:xfrm flipV="1">
+                <a:off x="4025900" y="4266430"/>
+                <a:ext cx="352425" cy="4041"/>
+              </a:xfrm>
+              <a:prstGeom prst="straightConnector1">
+                <a:avLst/>
+              </a:prstGeom>
+              <a:ln>
+                <a:headEnd type="triangle"/>
+                <a:tailEnd type="triangle"/>
+              </a:ln>
+            </p:spPr>
+            <p:style>
+              <a:lnRef idx="1">
+                <a:schemeClr val="dk1"/>
+              </a:lnRef>
+              <a:fillRef idx="0">
+                <a:schemeClr val="dk1"/>
+              </a:fillRef>
+              <a:effectRef idx="0">
+                <a:schemeClr val="dk1"/>
+              </a:effectRef>
+              <a:fontRef idx="minor">
+                <a:schemeClr val="tx1"/>
+              </a:fontRef>
+            </p:style>
+          </p:cxnSp>
+          <p:sp>
+            <p:nvSpPr>
+              <p:cNvPr id="43" name="Losange 42"/>
+              <p:cNvSpPr/>
+              <p:nvPr/>
+            </p:nvSpPr>
+            <p:spPr>
+              <a:xfrm>
+                <a:off x="1257300" y="5325890"/>
+                <a:ext cx="2247900" cy="831069"/>
+              </a:xfrm>
+              <a:prstGeom prst="diamond">
+                <a:avLst/>
+              </a:prstGeom>
+              <a:solidFill>
+                <a:schemeClr val="bg1"/>
+              </a:solidFill>
+              <a:ln>
+                <a:solidFill>
+                  <a:schemeClr val="tx1"/>
+                </a:solidFill>
+              </a:ln>
+            </p:spPr>
+            <p:style>
+              <a:lnRef idx="2">
+                <a:schemeClr val="accent1">
+                  <a:shade val="50000"/>
+                </a:schemeClr>
+              </a:lnRef>
+              <a:fillRef idx="1">
+                <a:schemeClr val="accent1"/>
+              </a:fillRef>
+              <a:effectRef idx="0">
+                <a:schemeClr val="accent1"/>
+              </a:effectRef>
+              <a:fontRef idx="minor">
+                <a:schemeClr val="lt1"/>
+              </a:fontRef>
+            </p:style>
+            <p:txBody>
+              <a:bodyPr rtlCol="0" anchor="ctr"/>
+              <a:lstStyle/>
+              <a:p>
+                <a:pPr algn="ctr"/>
+                <a:endParaRPr lang="fr-FR" sz="1100" dirty="0">
+                  <a:solidFill>
+                    <a:schemeClr val="tx1"/>
+                  </a:solidFill>
+                </a:endParaRPr>
+              </a:p>
+            </p:txBody>
+          </p:sp>
+          <p:sp>
+            <p:nvSpPr>
+              <p:cNvPr id="44" name="Rectangle 43"/>
+              <p:cNvSpPr/>
+              <p:nvPr/>
+            </p:nvSpPr>
+            <p:spPr>
+              <a:xfrm>
+                <a:off x="1556516" y="5496816"/>
+                <a:ext cx="1618521" cy="461665"/>
+              </a:xfrm>
+              <a:prstGeom prst="rect">
+                <a:avLst/>
+              </a:prstGeom>
+            </p:spPr>
+            <p:txBody>
+              <a:bodyPr wrap="none">
+                <a:spAutoFit/>
+              </a:bodyPr>
+              <a:lstStyle/>
+              <a:p>
+                <a:pPr algn="ctr"/>
+                <a:r>
+                  <a:rPr lang="fr-FR" sz="1200" dirty="0" smtClean="0">
+                    <a:solidFill>
+                      <a:schemeClr val="tx1"/>
+                    </a:solidFill>
+                  </a:rPr>
+                  <a:t>Orbite périodique </a:t>
+                </a:r>
+                <a:br>
+                  <a:rPr lang="fr-FR" sz="1200" dirty="0" smtClean="0">
+                    <a:solidFill>
+                      <a:schemeClr val="tx1"/>
+                    </a:solidFill>
+                  </a:rPr>
+                </a:br>
+                <a:r>
+                  <a:rPr lang="fr-FR" sz="1200" dirty="0" smtClean="0">
+                    <a:solidFill>
+                      <a:schemeClr val="tx1"/>
+                    </a:solidFill>
+                  </a:rPr>
+                  <a:t>(méthode de shooting)</a:t>
+                </a:r>
+                <a:endParaRPr lang="fr-FR" sz="1200" dirty="0">
+                  <a:solidFill>
+                    <a:schemeClr val="tx1"/>
+                  </a:solidFill>
+                </a:endParaRPr>
+              </a:p>
+            </p:txBody>
+          </p:sp>
+          <mc:AlternateContent xmlns:mc="http://schemas.openxmlformats.org/markup-compatibility/2006">
+            <mc:Choice xmlns:a14="http://schemas.microsoft.com/office/drawing/2010/main" Requires="a14">
+              <p:sp>
+                <p:nvSpPr>
+                  <p:cNvPr id="47" name="ZoneTexte 46"/>
+                  <p:cNvSpPr txBox="1"/>
+                  <p:nvPr/>
+                </p:nvSpPr>
+                <p:spPr>
+                  <a:xfrm>
+                    <a:off x="861361" y="2663145"/>
+                    <a:ext cx="6044263" cy="286104"/>
+                  </a:xfrm>
+                  <a:prstGeom prst="rect">
+                    <a:avLst/>
+                  </a:prstGeom>
+                </p:spPr>
+                <p:style>
+                  <a:lnRef idx="2">
+                    <a:schemeClr val="dk1"/>
+                  </a:lnRef>
+                  <a:fillRef idx="1">
+                    <a:schemeClr val="lt1"/>
+                  </a:fillRef>
+                  <a:effectRef idx="0">
+                    <a:schemeClr val="dk1"/>
+                  </a:effectRef>
+                  <a:fontRef idx="minor">
+                    <a:schemeClr val="dk1"/>
+                  </a:fontRef>
+                </p:style>
+                <p:txBody>
+                  <a:bodyPr wrap="square" rtlCol="0">
+                    <a:spAutoFit/>
+                  </a:bodyPr>
+                  <a:lstStyle/>
+                  <a:p>
+                    <a:pPr/>
+                    <a14:m>
+                      <m:oMathPara xmlns:m="http://schemas.openxmlformats.org/officeDocument/2006/math">
+                        <m:oMathParaPr>
+                          <m:jc m:val="centerGroup"/>
+                        </m:oMathParaPr>
+                        <m:oMath xmlns:m="http://schemas.openxmlformats.org/officeDocument/2006/math">
+                          <m:sSub>
+                            <m:sSubPr>
+                              <m:ctrlPr>
+                                <a:rPr lang="fr-FR" sz="1050" b="1" i="1" smtClean="0">
+                                  <a:latin typeface="Cambria Math" panose="02040503050406030204" pitchFamily="18" charset="0"/>
+                                </a:rPr>
+                              </m:ctrlPr>
+                            </m:sSubPr>
+                            <m:e>
+                              <m:r>
+                                <a:rPr lang="fr-FR" sz="1050" b="1" i="1" smtClean="0">
+                                  <a:latin typeface="Cambria Math" panose="02040503050406030204" pitchFamily="18" charset="0"/>
+                                </a:rPr>
+                                <m:t>𝑼</m:t>
+                              </m:r>
+                            </m:e>
+                            <m:sub>
+                              <m:r>
+                                <a:rPr lang="fr-FR" sz="1050" b="1" i="1" smtClean="0">
+                                  <a:latin typeface="Cambria Math" panose="02040503050406030204" pitchFamily="18" charset="0"/>
+                                </a:rPr>
+                                <m:t>𝒎</m:t>
+                              </m:r>
+                            </m:sub>
+                          </m:sSub>
+                          <m:r>
+                            <a:rPr lang="fr-FR" sz="1050" b="1" i="1" smtClean="0">
+                              <a:latin typeface="Cambria Math" panose="02040503050406030204" pitchFamily="18" charset="0"/>
+                            </a:rPr>
+                            <m:t>, </m:t>
+                          </m:r>
+                          <m:sSup>
+                            <m:sSupPr>
+                              <m:ctrlPr>
+                                <a:rPr lang="fr-FR" sz="1050" b="1" i="1" smtClean="0">
+                                  <a:latin typeface="Cambria Math" panose="02040503050406030204" pitchFamily="18" charset="0"/>
+                                </a:rPr>
+                              </m:ctrlPr>
+                            </m:sSupPr>
+                            <m:e>
+                              <m:r>
+                                <a:rPr lang="fr-FR" sz="1050" b="1" i="1" smtClean="0">
+                                  <a:latin typeface="Cambria Math" panose="02040503050406030204" pitchFamily="18" charset="0"/>
+                                </a:rPr>
+                                <m:t>𝒒</m:t>
+                              </m:r>
+                            </m:e>
+                            <m:sup>
+                              <m:r>
+                                <a:rPr lang="fr-FR" sz="1050" b="1" i="1" smtClean="0">
+                                  <a:latin typeface="Cambria Math" panose="02040503050406030204" pitchFamily="18" charset="0"/>
+                                </a:rPr>
+                                <m:t>𝟎</m:t>
+                              </m:r>
+                            </m:sup>
+                          </m:sSup>
+                          <m:r>
+                            <a:rPr lang="fr-FR" sz="1050" b="1" i="1" smtClean="0">
+                              <a:latin typeface="Cambria Math" panose="02040503050406030204" pitchFamily="18" charset="0"/>
+                            </a:rPr>
+                            <m:t>, </m:t>
+                          </m:r>
+                          <m:sSup>
+                            <m:sSupPr>
+                              <m:ctrlPr>
+                                <a:rPr lang="fr-FR" sz="1050" b="1" i="1" smtClean="0">
+                                  <a:latin typeface="Cambria Math" panose="02040503050406030204" pitchFamily="18" charset="0"/>
+                                </a:rPr>
+                              </m:ctrlPr>
+                            </m:sSupPr>
+                            <m:e>
+                              <m:acc>
+                                <m:accPr>
+                                  <m:chr m:val="̇"/>
+                                  <m:ctrlPr>
+                                    <a:rPr lang="fr-FR" sz="1050" b="1" i="1" smtClean="0">
+                                      <a:latin typeface="Cambria Math" panose="02040503050406030204" pitchFamily="18" charset="0"/>
+                                    </a:rPr>
+                                  </m:ctrlPr>
+                                </m:accPr>
+                                <m:e>
+                                  <m:r>
+                                    <a:rPr lang="fr-FR" sz="1050" b="1" i="1" smtClean="0">
+                                      <a:latin typeface="Cambria Math" panose="02040503050406030204" pitchFamily="18" charset="0"/>
+                                    </a:rPr>
+                                    <m:t>𝒒</m:t>
+                                  </m:r>
+                                </m:e>
+                              </m:acc>
+                            </m:e>
+                            <m:sup>
+                              <m:r>
+                                <a:rPr lang="fr-FR" sz="1050" b="1" i="1" smtClean="0">
+                                  <a:latin typeface="Cambria Math" panose="02040503050406030204" pitchFamily="18" charset="0"/>
+                                </a:rPr>
+                                <m:t>𝟎</m:t>
+                              </m:r>
+                            </m:sup>
+                          </m:sSup>
+                          <m:r>
+                            <a:rPr lang="fr-FR" sz="1050" b="0" i="1" smtClean="0">
+                              <a:latin typeface="Cambria Math" panose="02040503050406030204" pitchFamily="18" charset="0"/>
+                            </a:rPr>
+                            <m:t> ,</m:t>
+                          </m:r>
+                          <m:sSubSup>
+                            <m:sSubSupPr>
+                              <m:ctrlPr>
+                                <a:rPr lang="fr-FR" sz="1100" b="0" i="1" smtClean="0">
+                                  <a:latin typeface="Cambria Math" panose="02040503050406030204" pitchFamily="18" charset="0"/>
+                                </a:rPr>
+                              </m:ctrlPr>
+                            </m:sSubSupPr>
+                            <m:e>
+                              <m:r>
+                                <a:rPr lang="fr-FR" sz="1100" b="0" i="1" smtClean="0">
+                                  <a:latin typeface="Cambria Math" panose="02040503050406030204" pitchFamily="18" charset="0"/>
+                                </a:rPr>
+                                <m:t>𝑇</m:t>
+                              </m:r>
+                            </m:e>
+                            <m:sub>
+                              <m:r>
+                                <a:rPr lang="fr-FR" sz="1100" b="0" i="1" smtClean="0">
+                                  <a:latin typeface="Cambria Math" panose="02040503050406030204" pitchFamily="18" charset="0"/>
+                                </a:rPr>
+                                <m:t>𝑟𝑜𝑡𝑜𝑟</m:t>
+                              </m:r>
+                            </m:sub>
+                            <m:sup>
+                              <m:r>
+                                <a:rPr lang="fr-FR" sz="1100" b="0" i="1" smtClean="0">
+                                  <a:latin typeface="Cambria Math" panose="02040503050406030204" pitchFamily="18" charset="0"/>
+                                </a:rPr>
+                                <m:t>0</m:t>
+                              </m:r>
+                            </m:sup>
+                          </m:sSubSup>
+                          <m:r>
+                            <a:rPr lang="fr-FR" sz="1100" b="0" i="1" smtClean="0">
+                              <a:latin typeface="Cambria Math" panose="02040503050406030204" pitchFamily="18" charset="0"/>
+                            </a:rPr>
+                            <m:t>,</m:t>
+                          </m:r>
+                          <m:sSubSup>
+                            <m:sSubSupPr>
+                              <m:ctrlPr>
+                                <a:rPr lang="fr-FR" sz="1100" b="0" i="1" smtClean="0">
+                                  <a:latin typeface="Cambria Math" panose="02040503050406030204" pitchFamily="18" charset="0"/>
+                                </a:rPr>
+                              </m:ctrlPr>
+                            </m:sSubSupPr>
+                            <m:e>
+                              <m:r>
+                                <a:rPr lang="fr-FR" sz="1100" b="0" i="1" smtClean="0">
+                                  <a:latin typeface="Cambria Math" panose="02040503050406030204" pitchFamily="18" charset="0"/>
+                                </a:rPr>
+                                <m:t>𝑇</m:t>
+                              </m:r>
+                            </m:e>
+                            <m:sub>
+                              <m:r>
+                                <a:rPr lang="fr-FR" sz="1100" b="0" i="1" smtClean="0">
+                                  <a:latin typeface="Cambria Math" panose="02040503050406030204" pitchFamily="18" charset="0"/>
+                                </a:rPr>
+                                <m:t>𝑝𝑎𝑑</m:t>
+                              </m:r>
+                            </m:sub>
+                            <m:sup>
+                              <m:r>
+                                <a:rPr lang="fr-FR" sz="1100" b="0" i="1" smtClean="0">
+                                  <a:latin typeface="Cambria Math" panose="02040503050406030204" pitchFamily="18" charset="0"/>
+                                </a:rPr>
+                                <m:t>0</m:t>
+                              </m:r>
+                            </m:sup>
+                          </m:sSubSup>
+                        </m:oMath>
+                      </m:oMathPara>
+                    </a14:m>
+                    <a:endParaRPr lang="fr-FR" sz="1100" dirty="0"/>
+                  </a:p>
+                </p:txBody>
+              </p:sp>
+            </mc:Choice>
+            <mc:Fallback>
+              <p:sp>
+                <p:nvSpPr>
+                  <p:cNvPr id="47" name="ZoneTexte 46"/>
+                  <p:cNvSpPr txBox="1">
+                    <a:spLocks noRot="1" noChangeAspect="1" noMove="1" noResize="1" noEditPoints="1" noAdjustHandles="1" noChangeArrowheads="1" noChangeShapeType="1" noTextEdit="1"/>
+                  </p:cNvSpPr>
+                  <p:nvPr/>
+                </p:nvSpPr>
+                <p:spPr>
+                  <a:xfrm>
+                    <a:off x="861361" y="2663145"/>
+                    <a:ext cx="6044263" cy="286104"/>
+                  </a:xfrm>
+                  <a:prstGeom prst="rect">
+                    <a:avLst/>
+                  </a:prstGeom>
+                  <a:blipFill>
+                    <a:blip r:embed="rId3"/>
+                    <a:stretch>
+                      <a:fillRect/>
+                    </a:stretch>
+                  </a:blipFill>
+                </p:spPr>
+                <p:txBody>
+                  <a:bodyPr/>
+                  <a:lstStyle/>
+                  <a:p>
+                    <a:r>
+                      <a:rPr lang="en-US">
+                        <a:noFill/>
+                      </a:rPr>
+                      <a:t> </a:t>
+                    </a:r>
+                  </a:p>
+                </p:txBody>
+              </p:sp>
+            </mc:Fallback>
+          </mc:AlternateContent>
+          <p:grpSp>
+            <p:nvGrpSpPr>
+              <p:cNvPr id="71" name="Groupe 70"/>
+              <p:cNvGrpSpPr/>
+              <p:nvPr/>
+            </p:nvGrpSpPr>
+            <p:grpSpPr>
+              <a:xfrm>
+                <a:off x="527048" y="3463916"/>
+                <a:ext cx="1857376" cy="2277508"/>
+                <a:chOff x="352424" y="3488518"/>
+                <a:chExt cx="2032001" cy="2114981"/>
+              </a:xfrm>
+            </p:grpSpPr>
+            <p:cxnSp>
+              <p:nvCxnSpPr>
+                <p:cNvPr id="61" name="Connecteur droit 60"/>
+                <p:cNvCxnSpPr>
+                  <a:stCxn id="43" idx="1"/>
+                </p:cNvCxnSpPr>
+                <p:nvPr/>
+              </p:nvCxnSpPr>
+              <p:spPr>
+                <a:xfrm flipH="1" flipV="1">
+                  <a:off x="352424" y="5600188"/>
+                  <a:ext cx="798908" cy="3311"/>
+                </a:xfrm>
+                <a:prstGeom prst="line">
+                  <a:avLst/>
+                </a:prstGeom>
+                <a:ln w="19050"/>
+              </p:spPr>
+              <p:style>
+                <a:lnRef idx="1">
+                  <a:schemeClr val="dk1"/>
+                </a:lnRef>
+                <a:fillRef idx="0">
+                  <a:schemeClr val="dk1"/>
+                </a:fillRef>
+                <a:effectRef idx="0">
+                  <a:schemeClr val="dk1"/>
+                </a:effectRef>
+                <a:fontRef idx="minor">
+                  <a:schemeClr val="tx1"/>
+                </a:fontRef>
+              </p:style>
+            </p:cxnSp>
+            <p:cxnSp>
+              <p:nvCxnSpPr>
+                <p:cNvPr id="62" name="Connecteur droit 61"/>
+                <p:cNvCxnSpPr/>
+                <p:nvPr/>
+              </p:nvCxnSpPr>
+              <p:spPr>
+                <a:xfrm>
+                  <a:off x="352425" y="3488518"/>
+                  <a:ext cx="0" cy="2111670"/>
+                </a:xfrm>
+                <a:prstGeom prst="line">
+                  <a:avLst/>
+                </a:prstGeom>
+                <a:ln w="19050"/>
+              </p:spPr>
+              <p:style>
+                <a:lnRef idx="1">
+                  <a:schemeClr val="dk1"/>
+                </a:lnRef>
+                <a:fillRef idx="0">
+                  <a:schemeClr val="dk1"/>
+                </a:fillRef>
+                <a:effectRef idx="0">
+                  <a:schemeClr val="dk1"/>
+                </a:effectRef>
+                <a:fontRef idx="minor">
+                  <a:schemeClr val="tx1"/>
+                </a:fontRef>
+              </p:style>
+            </p:cxnSp>
+            <p:cxnSp>
+              <p:nvCxnSpPr>
+                <p:cNvPr id="65" name="Connecteur droit avec flèche 64"/>
+                <p:cNvCxnSpPr/>
+                <p:nvPr/>
+              </p:nvCxnSpPr>
+              <p:spPr>
+                <a:xfrm>
+                  <a:off x="352425" y="3488518"/>
+                  <a:ext cx="2032000" cy="0"/>
+                </a:xfrm>
+                <a:prstGeom prst="straightConnector1">
+                  <a:avLst/>
+                </a:prstGeom>
+                <a:ln w="19050">
+                  <a:tailEnd type="triangle"/>
+                </a:ln>
+              </p:spPr>
+              <p:style>
+                <a:lnRef idx="1">
+                  <a:schemeClr val="dk1"/>
+                </a:lnRef>
+                <a:fillRef idx="0">
+                  <a:schemeClr val="dk1"/>
+                </a:fillRef>
+                <a:effectRef idx="0">
+                  <a:schemeClr val="dk1"/>
+                </a:effectRef>
+                <a:fontRef idx="minor">
+                  <a:schemeClr val="tx1"/>
+                </a:fontRef>
+              </p:style>
+            </p:cxnSp>
+          </p:grpSp>
+          <p:sp>
+            <p:nvSpPr>
+              <p:cNvPr id="74" name="ZoneTexte 73"/>
+              <p:cNvSpPr txBox="1"/>
+              <p:nvPr/>
+            </p:nvSpPr>
+            <p:spPr>
+              <a:xfrm>
+                <a:off x="999444" y="5485995"/>
+                <a:ext cx="445956" cy="276999"/>
+              </a:xfrm>
+              <a:prstGeom prst="rect">
+                <a:avLst/>
+              </a:prstGeom>
+              <a:noFill/>
+            </p:spPr>
+            <p:txBody>
+              <a:bodyPr wrap="none" rtlCol="0">
+                <a:spAutoFit/>
+              </a:bodyPr>
+              <a:lstStyle/>
+              <a:p>
+                <a:r>
+                  <a:rPr lang="fr-FR" sz="1200" dirty="0" smtClean="0"/>
+                  <a:t>Non</a:t>
+                </a:r>
+                <a:endParaRPr lang="fr-FR" sz="1200" dirty="0"/>
+              </a:p>
+            </p:txBody>
+          </p:sp>
+          <p:grpSp>
+            <p:nvGrpSpPr>
+              <p:cNvPr id="154" name="Groupe 153"/>
+              <p:cNvGrpSpPr/>
+              <p:nvPr/>
+            </p:nvGrpSpPr>
+            <p:grpSpPr>
+              <a:xfrm>
+                <a:off x="742948" y="3576130"/>
+                <a:ext cx="7113504" cy="1513796"/>
+                <a:chOff x="742948" y="3576130"/>
+                <a:chExt cx="7113504" cy="1513796"/>
+              </a:xfrm>
+            </p:grpSpPr>
+            <mc:AlternateContent xmlns:mc="http://schemas.openxmlformats.org/markup-compatibility/2006">
+              <mc:Choice xmlns:a14="http://schemas.microsoft.com/office/drawing/2010/main" Requires="a14">
+                <p:sp>
+                  <p:nvSpPr>
+                    <p:cNvPr id="6" name="ZoneTexte 5"/>
+                    <p:cNvSpPr txBox="1"/>
+                    <p:nvPr/>
+                  </p:nvSpPr>
+                  <p:spPr>
+                    <a:xfrm>
+                      <a:off x="742950" y="4129918"/>
+                      <a:ext cx="3282950" cy="274947"/>
+                    </a:xfrm>
+                    <a:prstGeom prst="rect">
+                      <a:avLst/>
+                    </a:prstGeom>
+                  </p:spPr>
+                  <p:style>
+                    <a:lnRef idx="2">
+                      <a:schemeClr val="dk1"/>
+                    </a:lnRef>
+                    <a:fillRef idx="1">
+                      <a:schemeClr val="lt1"/>
+                    </a:fillRef>
+                    <a:effectRef idx="0">
+                      <a:schemeClr val="dk1"/>
+                    </a:effectRef>
+                    <a:fontRef idx="minor">
+                      <a:schemeClr val="dk1"/>
+                    </a:fontRef>
+                  </p:style>
+                  <p:txBody>
+                    <a:bodyPr wrap="square" rtlCol="0">
+                      <a:spAutoFit/>
+                    </a:bodyPr>
+                    <a:lstStyle/>
+                    <a:p>
+                      <a14:m>
+                        <m:oMath xmlns:m="http://schemas.openxmlformats.org/officeDocument/2006/math">
+                          <m:sSub>
+                            <m:sSubPr>
+                              <m:ctrlPr>
+                                <a:rPr lang="en-US" sz="1100" i="1" dirty="0" smtClean="0">
+                                  <a:latin typeface="Cambria Math" panose="02040503050406030204" pitchFamily="18" charset="0"/>
+                                </a:rPr>
+                              </m:ctrlPr>
+                            </m:sSubPr>
+                            <m:e>
+                              <m:r>
+                                <a:rPr lang="en-US" sz="1100" i="1" dirty="0" smtClean="0">
+                                  <a:latin typeface="Cambria Math" panose="02040503050406030204" pitchFamily="18" charset="0"/>
+                                </a:rPr>
+                                <m:t>𝐹</m:t>
+                              </m:r>
+                            </m:e>
+                            <m:sub>
+                              <m:r>
+                                <a:rPr lang="fr-FR" sz="1100" b="0" i="1" dirty="0" smtClean="0">
+                                  <a:latin typeface="Cambria Math" panose="02040503050406030204" pitchFamily="18" charset="0"/>
+                                </a:rPr>
+                                <m:t>𝑝𝑎𝑙𝑖𝑒𝑟</m:t>
+                              </m:r>
+                            </m:sub>
+                          </m:sSub>
+                        </m:oMath>
+                      </a14:m>
+                      <a:r>
+                        <a:rPr lang="en-US" sz="1100" dirty="0" smtClean="0"/>
+                        <a:t> = </a:t>
+                      </a:r>
+                      <a:r>
+                        <a:rPr lang="fr-FR" sz="1100" dirty="0"/>
+                        <a:t>é</a:t>
+                      </a:r>
+                      <a:r>
+                        <a:rPr lang="fr-FR" sz="1100" dirty="0" smtClean="0"/>
+                        <a:t>quation de Reynolds </a:t>
+                      </a:r>
+                      <a:r>
+                        <a:rPr lang="fr-FR" sz="1100" b="1" dirty="0" smtClean="0"/>
+                        <a:t>(</a:t>
+                      </a:r>
+                      <a14:m>
+                        <m:oMath xmlns:m="http://schemas.openxmlformats.org/officeDocument/2006/math">
+                          <m:r>
+                            <a:rPr lang="fr-FR" sz="1100" b="1" i="1" smtClean="0">
+                              <a:latin typeface="Cambria Math" panose="02040503050406030204" pitchFamily="18" charset="0"/>
+                            </a:rPr>
+                            <m:t>𝒒</m:t>
+                          </m:r>
+                          <m:r>
+                            <a:rPr lang="fr-FR" sz="1100" b="1" i="1" smtClean="0">
+                              <a:latin typeface="Cambria Math" panose="02040503050406030204" pitchFamily="18" charset="0"/>
+                            </a:rPr>
+                            <m:t>, </m:t>
+                          </m:r>
+                          <m:acc>
+                            <m:accPr>
+                              <m:chr m:val="̇"/>
+                              <m:ctrlPr>
+                                <a:rPr lang="fr-FR" sz="1100" b="1" i="1" smtClean="0">
+                                  <a:latin typeface="Cambria Math" panose="02040503050406030204" pitchFamily="18" charset="0"/>
+                                </a:rPr>
+                              </m:ctrlPr>
+                            </m:accPr>
+                            <m:e>
+                              <m:r>
+                                <a:rPr lang="fr-FR" sz="1100" b="1" i="1" smtClean="0">
+                                  <a:latin typeface="Cambria Math" panose="02040503050406030204" pitchFamily="18" charset="0"/>
+                                </a:rPr>
+                                <m:t>𝒒</m:t>
+                              </m:r>
+                            </m:e>
+                          </m:acc>
+                          <m:r>
+                            <a:rPr lang="fr-FR" sz="1100" b="1" i="1" smtClean="0">
+                              <a:latin typeface="Cambria Math" panose="02040503050406030204" pitchFamily="18" charset="0"/>
+                            </a:rPr>
+                            <m:t>,</m:t>
+                          </m:r>
+                          <m:sSub>
+                            <m:sSubPr>
+                              <m:ctrlPr>
+                                <a:rPr lang="fr-FR" sz="1100" b="1" i="1" smtClean="0">
+                                  <a:latin typeface="Cambria Math" panose="02040503050406030204" pitchFamily="18" charset="0"/>
+                                </a:rPr>
+                              </m:ctrlPr>
+                            </m:sSubPr>
+                            <m:e>
+                              <m:r>
+                                <a:rPr lang="fr-FR" sz="1100" b="0" i="1" smtClean="0">
+                                  <a:latin typeface="Cambria Math" panose="02040503050406030204" pitchFamily="18" charset="0"/>
+                                </a:rPr>
+                                <m:t>𝑡</m:t>
+                              </m:r>
+                            </m:e>
+                            <m:sub>
+                              <m:r>
+                                <a:rPr lang="fr-FR" sz="1100" b="0" i="1" smtClean="0">
+                                  <a:latin typeface="Cambria Math" panose="02040503050406030204" pitchFamily="18" charset="0"/>
+                                </a:rPr>
+                                <m:t>𝑑𝑦𝑛𝑎𝑚𝑖𝑐</m:t>
+                              </m:r>
+                            </m:sub>
+                          </m:sSub>
+                        </m:oMath>
+                      </a14:m>
+                      <a:r>
+                        <a:rPr lang="fr-FR" sz="1100" b="1" dirty="0" smtClean="0"/>
+                        <a:t>)</a:t>
+                      </a:r>
+                      <a:endParaRPr lang="fr-FR" sz="1100" b="1" dirty="0"/>
+                    </a:p>
+                  </p:txBody>
+                </p:sp>
+              </mc:Choice>
+              <mc:Fallback>
+                <p:sp>
+                  <p:nvSpPr>
+                    <p:cNvPr id="6" name="ZoneTexte 5"/>
+                    <p:cNvSpPr txBox="1">
+                      <a:spLocks noRot="1" noChangeAspect="1" noMove="1" noResize="1" noEditPoints="1" noAdjustHandles="1" noChangeArrowheads="1" noChangeShapeType="1" noTextEdit="1"/>
+                    </p:cNvSpPr>
+                    <p:nvPr/>
+                  </p:nvSpPr>
+                  <p:spPr>
+                    <a:xfrm>
+                      <a:off x="742950" y="4129918"/>
+                      <a:ext cx="3282950" cy="274947"/>
+                    </a:xfrm>
+                    <a:prstGeom prst="rect">
+                      <a:avLst/>
+                    </a:prstGeom>
+                    <a:blipFill>
+                      <a:blip r:embed="rId4"/>
+                      <a:stretch>
+                        <a:fillRect b="-6383"/>
+                      </a:stretch>
+                    </a:blipFill>
+                  </p:spPr>
+                  <p:txBody>
+                    <a:bodyPr/>
+                    <a:lstStyle/>
+                    <a:p>
+                      <a:r>
+                        <a:rPr lang="en-US">
+                          <a:noFill/>
+                        </a:rPr>
+                        <a:t> </a:t>
+                      </a:r>
+                    </a:p>
+                  </p:txBody>
+                </p:sp>
+              </mc:Fallback>
+            </mc:AlternateContent>
+            <mc:AlternateContent xmlns:mc="http://schemas.openxmlformats.org/markup-compatibility/2006">
+              <mc:Choice xmlns:a14="http://schemas.microsoft.com/office/drawing/2010/main" Requires="a14">
+                <p:sp>
+                  <p:nvSpPr>
+                    <p:cNvPr id="7" name="ZoneTexte 6"/>
+                    <p:cNvSpPr txBox="1"/>
+                    <p:nvPr/>
+                  </p:nvSpPr>
+                  <p:spPr>
+                    <a:xfrm>
+                      <a:off x="742950" y="3576130"/>
+                      <a:ext cx="3417338" cy="274947"/>
+                    </a:xfrm>
+                    <a:prstGeom prst="rect">
+                      <a:avLst/>
+                    </a:prstGeom>
+                  </p:spPr>
+                  <p:style>
+                    <a:lnRef idx="2">
+                      <a:schemeClr val="dk1"/>
+                    </a:lnRef>
+                    <a:fillRef idx="1">
+                      <a:schemeClr val="lt1"/>
+                    </a:fillRef>
+                    <a:effectRef idx="0">
+                      <a:schemeClr val="dk1"/>
+                    </a:effectRef>
+                    <a:fontRef idx="minor">
+                      <a:schemeClr val="dk1"/>
+                    </a:fontRef>
+                  </p:style>
+                  <p:txBody>
+                    <a:bodyPr wrap="square" rtlCol="0">
+                      <a:spAutoFit/>
+                    </a:bodyPr>
+                    <a:lstStyle/>
+                    <a:p>
+                      <a14:m>
+                        <m:oMath xmlns:m="http://schemas.openxmlformats.org/officeDocument/2006/math">
+                          <m:sSub>
+                            <m:sSubPr>
+                              <m:ctrlPr>
+                                <a:rPr lang="en-US" sz="1100" i="1" dirty="0" smtClean="0">
+                                  <a:latin typeface="Cambria Math" panose="02040503050406030204" pitchFamily="18" charset="0"/>
+                                </a:rPr>
+                              </m:ctrlPr>
+                            </m:sSubPr>
+                            <m:e>
+                              <m:r>
+                                <a:rPr lang="en-US" sz="1100" i="1" dirty="0" smtClean="0">
+                                  <a:latin typeface="Cambria Math" panose="02040503050406030204" pitchFamily="18" charset="0"/>
+                                </a:rPr>
+                                <m:t>𝐹</m:t>
+                              </m:r>
+                            </m:e>
+                            <m:sub>
+                              <m:r>
+                                <a:rPr lang="fr-FR" sz="1100" b="0" i="1" dirty="0" smtClean="0">
+                                  <a:latin typeface="Cambria Math" panose="02040503050406030204" pitchFamily="18" charset="0"/>
+                                </a:rPr>
+                                <m:t>𝑏𝑎𝑙𝑜𝑢𝑟𝑑</m:t>
+                              </m:r>
+                            </m:sub>
+                          </m:sSub>
+                        </m:oMath>
+                      </a14:m>
+                      <a:r>
+                        <a:rPr lang="en-US" sz="1100" dirty="0" smtClean="0"/>
+                        <a:t> = </a:t>
+                      </a:r>
+                      <a:r>
+                        <a:rPr lang="fr-FR" sz="1100" dirty="0" smtClean="0"/>
+                        <a:t>force centrifuge</a:t>
+                      </a:r>
+                      <a:r>
+                        <a:rPr lang="fr-FR" sz="1100" dirty="0" smtClean="0"/>
+                        <a:t> </a:t>
+                      </a:r>
+                      <a:r>
+                        <a:rPr lang="fr-FR" sz="1100" b="1" dirty="0" smtClean="0"/>
+                        <a:t>(</a:t>
+                      </a:r>
+                      <a14:m>
+                        <m:oMath xmlns:m="http://schemas.openxmlformats.org/officeDocument/2006/math">
+                          <m:sSub>
+                            <m:sSubPr>
+                              <m:ctrlPr>
+                                <a:rPr lang="fr-FR" sz="1100" i="1" dirty="0" smtClean="0">
+                                  <a:latin typeface="Cambria Math" panose="02040503050406030204" pitchFamily="18" charset="0"/>
+                                </a:rPr>
+                              </m:ctrlPr>
+                            </m:sSubPr>
+                            <m:e>
+                              <m:r>
+                                <a:rPr lang="fr-FR" sz="1100" b="0" i="1" dirty="0" smtClean="0">
+                                  <a:latin typeface="Cambria Math" panose="02040503050406030204" pitchFamily="18" charset="0"/>
+                                </a:rPr>
+                                <m:t>𝑈</m:t>
+                              </m:r>
+                            </m:e>
+                            <m:sub>
+                              <m:r>
+                                <a:rPr lang="fr-FR" sz="1100" b="0" i="1" dirty="0" smtClean="0">
+                                  <a:latin typeface="Cambria Math" panose="02040503050406030204" pitchFamily="18" charset="0"/>
+                                </a:rPr>
+                                <m:t>𝑚</m:t>
+                              </m:r>
+                            </m:sub>
+                          </m:sSub>
+                          <m:r>
+                            <a:rPr lang="fr-FR" sz="1100" b="1" i="1" dirty="0" smtClean="0">
+                              <a:latin typeface="Cambria Math" panose="02040503050406030204" pitchFamily="18" charset="0"/>
+                            </a:rPr>
+                            <m:t>, </m:t>
+                          </m:r>
+                          <m:sSub>
+                            <m:sSubPr>
+                              <m:ctrlPr>
+                                <a:rPr lang="fr-FR" sz="1100" i="1" dirty="0" smtClean="0">
+                                  <a:latin typeface="Cambria Math" panose="02040503050406030204" pitchFamily="18" charset="0"/>
+                                </a:rPr>
+                              </m:ctrlPr>
+                            </m:sSubPr>
+                            <m:e>
+                              <m:r>
+                                <a:rPr lang="fr-FR" sz="1100" b="0" i="1" dirty="0" smtClean="0">
+                                  <a:latin typeface="Cambria Math" panose="02040503050406030204" pitchFamily="18" charset="0"/>
+                                </a:rPr>
+                                <m:t>𝑈</m:t>
+                              </m:r>
+                            </m:e>
+                            <m:sub>
+                              <m:r>
+                                <a:rPr lang="fr-FR" sz="1100" b="0" i="1" dirty="0" smtClean="0">
+                                  <a:latin typeface="Cambria Math" panose="02040503050406030204" pitchFamily="18" charset="0"/>
+                                </a:rPr>
+                                <m:t>𝑡h𝑒𝑟</m:t>
+                              </m:r>
+                            </m:sub>
+                          </m:sSub>
+                          <m:r>
+                            <a:rPr lang="fr-FR" sz="1100" b="1" i="1" dirty="0" smtClean="0">
+                              <a:latin typeface="Cambria Math" panose="02040503050406030204" pitchFamily="18" charset="0"/>
+                            </a:rPr>
+                            <m:t>, </m:t>
+                          </m:r>
+                          <m:sSub>
+                            <m:sSubPr>
+                              <m:ctrlPr>
+                                <a:rPr lang="fr-FR" sz="1100" i="1" dirty="0" smtClean="0">
+                                  <a:latin typeface="Cambria Math" panose="02040503050406030204" pitchFamily="18" charset="0"/>
+                                </a:rPr>
+                              </m:ctrlPr>
+                            </m:sSubPr>
+                            <m:e>
+                              <m:r>
+                                <a:rPr lang="fr-FR" sz="1100" b="0" i="1" dirty="0" smtClean="0">
+                                  <a:latin typeface="Cambria Math" panose="02040503050406030204" pitchFamily="18" charset="0"/>
+                                </a:rPr>
+                                <m:t>𝑡</m:t>
+                              </m:r>
+                            </m:e>
+                            <m:sub>
+                              <m:r>
+                                <a:rPr lang="fr-FR" sz="1100" b="0" i="1" dirty="0" smtClean="0">
+                                  <a:latin typeface="Cambria Math" panose="02040503050406030204" pitchFamily="18" charset="0"/>
+                                </a:rPr>
+                                <m:t>𝑑𝑦𝑛𝑎𝑚𝑖𝑞𝑢𝑒</m:t>
+                              </m:r>
+                            </m:sub>
+                          </m:sSub>
+                          <m:r>
+                            <a:rPr lang="fr-FR" sz="1100" b="1" i="1" dirty="0" smtClean="0">
+                              <a:latin typeface="Cambria Math" panose="02040503050406030204" pitchFamily="18" charset="0"/>
+                            </a:rPr>
+                            <m:t>)</m:t>
+                          </m:r>
+                        </m:oMath>
+                      </a14:m>
+                      <a:endParaRPr lang="fr-FR" sz="1100" b="1" dirty="0"/>
+                    </a:p>
+                  </p:txBody>
+                </p:sp>
+              </mc:Choice>
+              <mc:Fallback>
+                <p:sp>
+                  <p:nvSpPr>
+                    <p:cNvPr id="7" name="ZoneTexte 6"/>
+                    <p:cNvSpPr txBox="1">
+                      <a:spLocks noRot="1" noChangeAspect="1" noMove="1" noResize="1" noEditPoints="1" noAdjustHandles="1" noChangeArrowheads="1" noChangeShapeType="1" noTextEdit="1"/>
+                    </p:cNvSpPr>
+                    <p:nvPr/>
+                  </p:nvSpPr>
+                  <p:spPr>
+                    <a:xfrm>
+                      <a:off x="742950" y="3576130"/>
+                      <a:ext cx="3417338" cy="274947"/>
+                    </a:xfrm>
+                    <a:prstGeom prst="rect">
+                      <a:avLst/>
+                    </a:prstGeom>
+                    <a:blipFill>
+                      <a:blip r:embed="rId5"/>
+                      <a:stretch>
+                        <a:fillRect b="-8511"/>
+                      </a:stretch>
+                    </a:blipFill>
+                  </p:spPr>
+                  <p:txBody>
+                    <a:bodyPr/>
+                    <a:lstStyle/>
+                    <a:p>
+                      <a:r>
+                        <a:rPr lang="en-US">
+                          <a:noFill/>
+                        </a:rPr>
+                        <a:t> </a:t>
+                      </a:r>
+                    </a:p>
+                  </p:txBody>
+                </p:sp>
+              </mc:Fallback>
+            </mc:AlternateContent>
+            <mc:AlternateContent xmlns:mc="http://schemas.openxmlformats.org/markup-compatibility/2006">
+              <mc:Choice xmlns:a14="http://schemas.microsoft.com/office/drawing/2010/main" Requires="a14">
+                <p:sp>
+                  <p:nvSpPr>
+                    <p:cNvPr id="9" name="ZoneTexte 8"/>
+                    <p:cNvSpPr txBox="1"/>
+                    <p:nvPr/>
+                  </p:nvSpPr>
+                  <p:spPr>
+                    <a:xfrm>
+                      <a:off x="4378324" y="4121903"/>
+                      <a:ext cx="3478128" cy="298030"/>
+                    </a:xfrm>
+                    <a:prstGeom prst="rect">
+                      <a:avLst/>
+                    </a:prstGeom>
+                  </p:spPr>
+                  <p:style>
+                    <a:lnRef idx="2">
+                      <a:schemeClr val="dk1"/>
+                    </a:lnRef>
+                    <a:fillRef idx="1">
+                      <a:schemeClr val="lt1"/>
+                    </a:fillRef>
+                    <a:effectRef idx="0">
+                      <a:schemeClr val="dk1"/>
+                    </a:effectRef>
+                    <a:fontRef idx="minor">
+                      <a:schemeClr val="dk1"/>
+                    </a:fontRef>
+                  </p:style>
+                  <p:txBody>
+                    <a:bodyPr wrap="square" rtlCol="0">
+                      <a:spAutoFit/>
+                    </a:bodyPr>
+                    <a:lstStyle/>
+                    <a:p>
+                      <a14:m>
+                        <m:oMath xmlns:m="http://schemas.openxmlformats.org/officeDocument/2006/math">
+                          <m:sSubSup>
+                            <m:sSubSupPr>
+                              <m:ctrlPr>
+                                <a:rPr lang="fr-FR" sz="1100" b="1" i="1" dirty="0" smtClean="0">
+                                  <a:latin typeface="Cambria Math" panose="02040503050406030204" pitchFamily="18" charset="0"/>
+                                </a:rPr>
+                              </m:ctrlPr>
+                            </m:sSubSupPr>
+                            <m:e>
+                              <m:r>
+                                <a:rPr lang="fr-FR" sz="1100" b="1" i="1" dirty="0" smtClean="0">
+                                  <a:latin typeface="Cambria Math" panose="02040503050406030204" pitchFamily="18" charset="0"/>
+                                </a:rPr>
+                                <m:t>𝑸</m:t>
+                              </m:r>
+                            </m:e>
+                            <m:sub>
+                              <m:r>
+                                <a:rPr lang="fr-FR" sz="1100" b="1" i="1" dirty="0" smtClean="0">
+                                  <a:latin typeface="Cambria Math" panose="02040503050406030204" pitchFamily="18" charset="0"/>
+                                </a:rPr>
+                                <m:t>𝒓𝒐𝒕𝒐𝒓</m:t>
+                              </m:r>
+                            </m:sub>
+                            <m:sup>
+                              <m:r>
+                                <a:rPr lang="fr-FR" sz="1100" b="1" i="1" dirty="0" smtClean="0">
+                                  <a:latin typeface="Cambria Math" panose="02040503050406030204" pitchFamily="18" charset="0"/>
+                                </a:rPr>
+                                <m:t>𝒊</m:t>
+                              </m:r>
+                            </m:sup>
+                          </m:sSubSup>
+                          <m:r>
+                            <a:rPr lang="fr-FR" sz="1100" b="1" i="1" dirty="0" smtClean="0">
+                              <a:latin typeface="Cambria Math" panose="02040503050406030204" pitchFamily="18" charset="0"/>
+                            </a:rPr>
+                            <m:t>(</m:t>
+                          </m:r>
+                          <m:sSub>
+                            <m:sSubPr>
+                              <m:ctrlPr>
+                                <a:rPr lang="fr-FR" sz="1100" b="0" i="1" dirty="0" smtClean="0">
+                                  <a:latin typeface="Cambria Math" panose="02040503050406030204" pitchFamily="18" charset="0"/>
+                                </a:rPr>
+                              </m:ctrlPr>
+                            </m:sSubPr>
+                            <m:e>
+                              <m:r>
+                                <a:rPr lang="fr-FR" sz="1100" b="0" i="1" dirty="0" smtClean="0">
+                                  <a:latin typeface="Cambria Math" panose="02040503050406030204" pitchFamily="18" charset="0"/>
+                                </a:rPr>
+                                <m:t>𝜃</m:t>
+                              </m:r>
+                            </m:e>
+                            <m:sub>
+                              <m:r>
+                                <a:rPr lang="fr-FR" sz="1100" b="0" i="1" dirty="0" smtClean="0">
+                                  <a:latin typeface="Cambria Math" panose="02040503050406030204" pitchFamily="18" charset="0"/>
+                                </a:rPr>
+                                <m:t>𝑟</m:t>
+                              </m:r>
+                            </m:sub>
+                          </m:sSub>
+                          <m:r>
+                            <a:rPr lang="fr-FR" sz="1100" b="0" i="1" dirty="0" smtClean="0">
+                              <a:latin typeface="Cambria Math" panose="02040503050406030204" pitchFamily="18" charset="0"/>
+                            </a:rPr>
+                            <m:t>)</m:t>
+                          </m:r>
+                        </m:oMath>
+                      </a14:m>
+                      <a:r>
+                        <a:rPr lang="en-US" sz="1100" dirty="0" smtClean="0"/>
+                        <a:t>,</a:t>
+                      </a:r>
+                      <a:r>
+                        <a:rPr lang="fr-FR" sz="1100" b="1" dirty="0"/>
+                        <a:t> </a:t>
+                      </a:r>
+                      <a14:m>
+                        <m:oMath xmlns:m="http://schemas.openxmlformats.org/officeDocument/2006/math">
+                          <m:sSubSup>
+                            <m:sSubSupPr>
+                              <m:ctrlPr>
+                                <a:rPr lang="fr-FR" sz="1100" b="1" i="1" dirty="0">
+                                  <a:latin typeface="Cambria Math" panose="02040503050406030204" pitchFamily="18" charset="0"/>
+                                </a:rPr>
+                              </m:ctrlPr>
+                            </m:sSubSupPr>
+                            <m:e>
+                              <m:r>
+                                <a:rPr lang="fr-FR" sz="1100" b="1" i="1" dirty="0">
+                                  <a:latin typeface="Cambria Math" panose="02040503050406030204" pitchFamily="18" charset="0"/>
+                                </a:rPr>
+                                <m:t>𝑸</m:t>
+                              </m:r>
+                            </m:e>
+                            <m:sub>
+                              <m:r>
+                                <a:rPr lang="fr-FR" sz="1100" b="1" i="1" dirty="0" smtClean="0">
+                                  <a:latin typeface="Cambria Math" panose="02040503050406030204" pitchFamily="18" charset="0"/>
+                                </a:rPr>
+                                <m:t>𝒑𝒂𝒅</m:t>
+                              </m:r>
+                            </m:sub>
+                            <m:sup>
+                              <m:r>
+                                <a:rPr lang="fr-FR" sz="1100" b="1" i="1" dirty="0">
+                                  <a:latin typeface="Cambria Math" panose="02040503050406030204" pitchFamily="18" charset="0"/>
+                                </a:rPr>
+                                <m:t>𝒊</m:t>
+                              </m:r>
+                            </m:sup>
+                          </m:sSubSup>
+                        </m:oMath>
+                      </a14:m>
+                      <a:r>
+                        <a:rPr lang="en-US" sz="1100" dirty="0"/>
+                        <a:t>  = </a:t>
+                      </a:r>
+                      <a:r>
+                        <a:rPr lang="fr-FR" sz="1100" dirty="0" smtClean="0"/>
+                        <a:t>équation de l’énergie </a:t>
+                      </a:r>
+                      <a:r>
+                        <a:rPr lang="fr-FR" sz="1100" b="1" dirty="0" smtClean="0"/>
+                        <a:t>(</a:t>
+                      </a:r>
+                      <a14:m>
+                        <m:oMath xmlns:m="http://schemas.openxmlformats.org/officeDocument/2006/math">
+                          <m:sSubSup>
+                            <m:sSubSupPr>
+                              <m:ctrlPr>
+                                <a:rPr lang="fr-FR" sz="1100" b="1" i="1" smtClean="0">
+                                  <a:latin typeface="Cambria Math" panose="02040503050406030204" pitchFamily="18" charset="0"/>
+                                </a:rPr>
+                              </m:ctrlPr>
+                            </m:sSubSupPr>
+                            <m:e>
+                              <m:r>
+                                <a:rPr lang="fr-FR" sz="1100" b="1" i="1" smtClean="0">
+                                  <a:latin typeface="Cambria Math" panose="02040503050406030204" pitchFamily="18" charset="0"/>
+                                </a:rPr>
+                                <m:t>𝑻</m:t>
+                              </m:r>
+                            </m:e>
+                            <m:sub>
+                              <m:r>
+                                <a:rPr lang="fr-FR" sz="1100" b="1" i="1" smtClean="0">
+                                  <a:latin typeface="Cambria Math" panose="02040503050406030204" pitchFamily="18" charset="0"/>
+                                </a:rPr>
+                                <m:t>𝒓𝒐𝒕𝒐𝒓</m:t>
+                              </m:r>
+                            </m:sub>
+                            <m:sup>
+                              <m:r>
+                                <a:rPr lang="fr-FR" sz="1100" b="1" i="1" smtClean="0">
+                                  <a:latin typeface="Cambria Math" panose="02040503050406030204" pitchFamily="18" charset="0"/>
+                                </a:rPr>
+                                <m:t>𝒊</m:t>
+                              </m:r>
+                            </m:sup>
+                          </m:sSubSup>
+                          <m:r>
+                            <a:rPr lang="fr-FR" sz="1100" b="1" i="1" smtClean="0">
+                              <a:latin typeface="Cambria Math" panose="02040503050406030204" pitchFamily="18" charset="0"/>
+                            </a:rPr>
+                            <m:t>,</m:t>
+                          </m:r>
+                          <m:sSubSup>
+                            <m:sSubSupPr>
+                              <m:ctrlPr>
+                                <a:rPr lang="fr-FR" sz="1100" b="1" i="1" smtClean="0">
+                                  <a:latin typeface="Cambria Math" panose="02040503050406030204" pitchFamily="18" charset="0"/>
+                                </a:rPr>
+                              </m:ctrlPr>
+                            </m:sSubSupPr>
+                            <m:e>
+                              <m:r>
+                                <a:rPr lang="fr-FR" sz="1100" b="1" i="1" smtClean="0">
+                                  <a:latin typeface="Cambria Math" panose="02040503050406030204" pitchFamily="18" charset="0"/>
+                                </a:rPr>
+                                <m:t>𝑻</m:t>
+                              </m:r>
+                            </m:e>
+                            <m:sub>
+                              <m:r>
+                                <a:rPr lang="fr-FR" sz="1100" b="1" i="1" smtClean="0">
+                                  <a:latin typeface="Cambria Math" panose="02040503050406030204" pitchFamily="18" charset="0"/>
+                                </a:rPr>
+                                <m:t>𝒑𝒂𝒅</m:t>
+                              </m:r>
+                            </m:sub>
+                            <m:sup>
+                              <m:r>
+                                <a:rPr lang="fr-FR" sz="1100" b="1" i="1" smtClean="0">
+                                  <a:latin typeface="Cambria Math" panose="02040503050406030204" pitchFamily="18" charset="0"/>
+                                </a:rPr>
+                                <m:t>𝒏</m:t>
+                              </m:r>
+                            </m:sup>
+                          </m:sSubSup>
+                          <m:r>
+                            <a:rPr lang="fr-FR" sz="1100" b="1" i="1" smtClean="0">
+                              <a:latin typeface="Cambria Math" panose="02040503050406030204" pitchFamily="18" charset="0"/>
+                            </a:rPr>
+                            <m:t>)</m:t>
+                          </m:r>
+                        </m:oMath>
+                      </a14:m>
+                      <a:endParaRPr lang="fr-FR" sz="1100" b="1" dirty="0"/>
+                    </a:p>
+                  </p:txBody>
+                </p:sp>
+              </mc:Choice>
+              <mc:Fallback>
+                <p:sp>
+                  <p:nvSpPr>
+                    <p:cNvPr id="9" name="ZoneTexte 8"/>
+                    <p:cNvSpPr txBox="1">
+                      <a:spLocks noRot="1" noChangeAspect="1" noMove="1" noResize="1" noEditPoints="1" noAdjustHandles="1" noChangeArrowheads="1" noChangeShapeType="1" noTextEdit="1"/>
+                    </p:cNvSpPr>
+                    <p:nvPr/>
+                  </p:nvSpPr>
+                  <p:spPr>
+                    <a:xfrm>
+                      <a:off x="4378324" y="4121903"/>
+                      <a:ext cx="3478128" cy="298030"/>
+                    </a:xfrm>
+                    <a:prstGeom prst="rect">
+                      <a:avLst/>
+                    </a:prstGeom>
+                    <a:blipFill>
+                      <a:blip r:embed="rId6"/>
+                      <a:stretch>
+                        <a:fillRect b="-3922"/>
+                      </a:stretch>
+                    </a:blipFill>
+                  </p:spPr>
+                  <p:txBody>
+                    <a:bodyPr/>
+                    <a:lstStyle/>
+                    <a:p>
+                      <a:r>
+                        <a:rPr lang="en-US">
+                          <a:noFill/>
+                        </a:rPr>
+                        <a:t> </a:t>
+                      </a:r>
+                    </a:p>
+                  </p:txBody>
+                </p:sp>
+              </mc:Fallback>
+            </mc:AlternateContent>
+            <p:cxnSp>
+              <p:nvCxnSpPr>
+                <p:cNvPr id="53" name="Connecteur droit avec flèche 52"/>
+                <p:cNvCxnSpPr/>
+                <p:nvPr/>
+              </p:nvCxnSpPr>
+              <p:spPr>
+                <a:xfrm>
+                  <a:off x="2401233" y="3845242"/>
+                  <a:ext cx="0" cy="276661"/>
+                </a:xfrm>
+                <a:prstGeom prst="straightConnector1">
+                  <a:avLst/>
+                </a:prstGeom>
+                <a:ln w="19050">
+                  <a:tailEnd type="triangle"/>
+                </a:ln>
+              </p:spPr>
+              <p:style>
+                <a:lnRef idx="1">
+                  <a:schemeClr val="dk1"/>
+                </a:lnRef>
+                <a:fillRef idx="0">
+                  <a:schemeClr val="dk1"/>
+                </a:fillRef>
+                <a:effectRef idx="0">
+                  <a:schemeClr val="dk1"/>
+                </a:effectRef>
+                <a:fontRef idx="minor">
+                  <a:schemeClr val="tx1"/>
+                </a:fontRef>
+              </p:style>
+            </p:cxnSp>
+            <p:cxnSp>
+              <p:nvCxnSpPr>
+                <p:cNvPr id="56" name="Connecteur droit avec flèche 55"/>
+                <p:cNvCxnSpPr/>
+                <p:nvPr/>
+              </p:nvCxnSpPr>
+              <p:spPr>
+                <a:xfrm flipH="1">
+                  <a:off x="2424630" y="4416277"/>
+                  <a:ext cx="1" cy="226731"/>
+                </a:xfrm>
+                <a:prstGeom prst="straightConnector1">
+                  <a:avLst/>
+                </a:prstGeom>
+                <a:ln w="19050">
+                  <a:tailEnd type="triangle"/>
+                </a:ln>
+              </p:spPr>
+              <p:style>
+                <a:lnRef idx="1">
+                  <a:schemeClr val="dk1"/>
+                </a:lnRef>
+                <a:fillRef idx="0">
+                  <a:schemeClr val="dk1"/>
+                </a:fillRef>
+                <a:effectRef idx="0">
+                  <a:schemeClr val="dk1"/>
+                </a:effectRef>
+                <a:fontRef idx="minor">
+                  <a:schemeClr val="tx1"/>
+                </a:fontRef>
+              </p:style>
+            </p:cxnSp>
+            <mc:AlternateContent xmlns:mc="http://schemas.openxmlformats.org/markup-compatibility/2006">
+              <mc:Choice xmlns:a14="http://schemas.microsoft.com/office/drawing/2010/main" Requires="a14">
+                <p:sp>
+                  <p:nvSpPr>
+                    <p:cNvPr id="76" name="ZoneTexte 75"/>
+                    <p:cNvSpPr txBox="1"/>
+                    <p:nvPr/>
+                  </p:nvSpPr>
+                  <p:spPr>
+                    <a:xfrm>
+                      <a:off x="742948" y="4643009"/>
+                      <a:ext cx="4187192" cy="446917"/>
+                    </a:xfrm>
+                    <a:prstGeom prst="rect">
+                      <a:avLst/>
+                    </a:prstGeom>
+                  </p:spPr>
+                  <p:style>
+                    <a:lnRef idx="2">
+                      <a:schemeClr val="dk1"/>
+                    </a:lnRef>
+                    <a:fillRef idx="1">
+                      <a:schemeClr val="lt1"/>
+                    </a:fillRef>
+                    <a:effectRef idx="0">
+                      <a:schemeClr val="dk1"/>
+                    </a:effectRef>
+                    <a:fontRef idx="minor">
+                      <a:schemeClr val="dk1"/>
+                    </a:fontRef>
+                  </p:style>
+                  <p:txBody>
+                    <a:bodyPr wrap="square" rtlCol="0">
+                      <a:spAutoFit/>
+                    </a:bodyPr>
+                    <a:lstStyle/>
+                    <a:p>
+                      <a:pPr algn="ctr"/>
+                      <a14:m>
+                        <m:oMathPara xmlns:m="http://schemas.openxmlformats.org/officeDocument/2006/math">
+                          <m:oMathParaPr>
+                            <m:jc m:val="center"/>
+                          </m:oMathParaPr>
+                          <m:oMath xmlns:m="http://schemas.openxmlformats.org/officeDocument/2006/math">
+                            <m:r>
+                              <a:rPr lang="fr-FR" sz="1100" b="1" i="1" dirty="0" smtClean="0">
+                                <a:latin typeface="Cambria Math" panose="02040503050406030204" pitchFamily="18" charset="0"/>
+                              </a:rPr>
+                              <m:t>𝑴</m:t>
+                            </m:r>
+                            <m:acc>
+                              <m:accPr>
+                                <m:chr m:val="̈"/>
+                                <m:ctrlPr>
+                                  <a:rPr lang="fr-FR" sz="1100" b="1" i="1" dirty="0" smtClean="0">
+                                    <a:latin typeface="Cambria Math" panose="02040503050406030204" pitchFamily="18" charset="0"/>
+                                  </a:rPr>
+                                </m:ctrlPr>
+                              </m:accPr>
+                              <m:e>
+                                <m:r>
+                                  <a:rPr lang="fr-FR" sz="1100" b="1" i="1" dirty="0" smtClean="0">
+                                    <a:latin typeface="Cambria Math" panose="02040503050406030204" pitchFamily="18" charset="0"/>
+                                  </a:rPr>
+                                  <m:t>𝒒</m:t>
+                                </m:r>
+                              </m:e>
+                            </m:acc>
+                            <m:r>
+                              <a:rPr lang="fr-FR" sz="1100" b="1" i="1" dirty="0" smtClean="0">
+                                <a:latin typeface="Cambria Math" panose="02040503050406030204" pitchFamily="18" charset="0"/>
+                              </a:rPr>
+                              <m:t>=</m:t>
+                            </m:r>
+                            <m:sSub>
+                              <m:sSubPr>
+                                <m:ctrlPr>
+                                  <a:rPr lang="fr-FR" sz="1100" b="1" i="1" dirty="0" smtClean="0">
+                                    <a:latin typeface="Cambria Math" panose="02040503050406030204" pitchFamily="18" charset="0"/>
+                                  </a:rPr>
+                                </m:ctrlPr>
+                              </m:sSubPr>
+                              <m:e>
+                                <m:r>
+                                  <a:rPr lang="fr-FR" sz="1100" b="1" i="1" dirty="0" smtClean="0">
+                                    <a:latin typeface="Cambria Math" panose="02040503050406030204" pitchFamily="18" charset="0"/>
+                                  </a:rPr>
+                                  <m:t>𝑭</m:t>
+                                </m:r>
+                              </m:e>
+                              <m:sub>
+                                <m:r>
+                                  <a:rPr lang="fr-FR" sz="1100" b="1" i="1" dirty="0" smtClean="0">
+                                    <a:latin typeface="Cambria Math" panose="02040503050406030204" pitchFamily="18" charset="0"/>
+                                  </a:rPr>
+                                  <m:t>𝒑𝒂𝒍𝒊𝒆𝒓</m:t>
+                                </m:r>
+                              </m:sub>
+                            </m:sSub>
+                            <m:r>
+                              <a:rPr lang="fr-FR" sz="1100" b="1" i="1" dirty="0" smtClean="0">
+                                <a:latin typeface="Cambria Math" panose="02040503050406030204" pitchFamily="18" charset="0"/>
+                              </a:rPr>
+                              <m:t>+</m:t>
+                            </m:r>
+                            <m:sSub>
+                              <m:sSubPr>
+                                <m:ctrlPr>
+                                  <a:rPr lang="fr-FR" sz="1100" b="1" i="1" dirty="0" smtClean="0">
+                                    <a:latin typeface="Cambria Math" panose="02040503050406030204" pitchFamily="18" charset="0"/>
+                                  </a:rPr>
+                                </m:ctrlPr>
+                              </m:sSubPr>
+                              <m:e>
+                                <m:r>
+                                  <a:rPr lang="fr-FR" sz="1100" b="1" i="1" dirty="0" smtClean="0">
+                                    <a:latin typeface="Cambria Math" panose="02040503050406030204" pitchFamily="18" charset="0"/>
+                                  </a:rPr>
+                                  <m:t>𝑭</m:t>
+                                </m:r>
+                              </m:e>
+                              <m:sub>
+                                <m:r>
+                                  <a:rPr lang="fr-FR" sz="1100" b="1" i="1" dirty="0" smtClean="0">
+                                    <a:latin typeface="Cambria Math" panose="02040503050406030204" pitchFamily="18" charset="0"/>
+                                  </a:rPr>
+                                  <m:t>𝒃𝒂𝒍𝒐𝒖𝒓𝒅</m:t>
+                                </m:r>
+                              </m:sub>
+                            </m:sSub>
+                            <m:r>
+                              <a:rPr lang="fr-FR" sz="1100" b="1" i="1" dirty="0" smtClean="0">
+                                <a:latin typeface="Cambria Math" panose="02040503050406030204" pitchFamily="18" charset="0"/>
+                              </a:rPr>
+                              <m:t>+</m:t>
+                            </m:r>
+                            <m:sSub>
+                              <m:sSubPr>
+                                <m:ctrlPr>
+                                  <a:rPr lang="fr-FR" sz="1100" b="1" i="1" dirty="0" smtClean="0">
+                                    <a:latin typeface="Cambria Math" panose="02040503050406030204" pitchFamily="18" charset="0"/>
+                                  </a:rPr>
+                                </m:ctrlPr>
+                              </m:sSubPr>
+                              <m:e>
+                                <m:r>
+                                  <a:rPr lang="fr-FR" sz="1100" b="1" i="1" dirty="0" smtClean="0">
+                                    <a:latin typeface="Cambria Math" panose="02040503050406030204" pitchFamily="18" charset="0"/>
+                                  </a:rPr>
+                                  <m:t>𝑭</m:t>
+                                </m:r>
+                              </m:e>
+                              <m:sub>
+                                <m:r>
+                                  <a:rPr lang="fr-FR" sz="1100" b="1" i="1" dirty="0" smtClean="0">
+                                    <a:latin typeface="Cambria Math" panose="02040503050406030204" pitchFamily="18" charset="0"/>
+                                  </a:rPr>
+                                  <m:t>𝒈𝒓𝒂𝒗𝒊𝒕</m:t>
+                                </m:r>
+                                <m:r>
+                                  <a:rPr lang="fr-FR" sz="1100" b="1" i="1" dirty="0" smtClean="0">
+                                    <a:latin typeface="Cambria Math" panose="02040503050406030204" pitchFamily="18" charset="0"/>
+                                  </a:rPr>
+                                  <m:t>é</m:t>
+                                </m:r>
+                              </m:sub>
+                            </m:sSub>
+                          </m:oMath>
+                        </m:oMathPara>
+                      </a14:m>
+                      <a:r>
+                        <a:rPr lang="fr-FR" sz="1100" b="1" dirty="0" smtClean="0"/>
+                        <a:t/>
+                      </a:r>
+                      <a:br>
+                        <a:rPr lang="fr-FR" sz="1100" b="1" dirty="0" smtClean="0"/>
+                      </a:br>
+                      <a:r>
+                        <a:rPr lang="fr-FR" sz="1100" dirty="0"/>
+                        <a:t>schéma </a:t>
+                      </a:r>
+                      <a:r>
+                        <a:rPr lang="fr-FR" sz="1100" dirty="0" smtClean="0"/>
+                        <a:t>de </a:t>
+                      </a:r>
+                      <a:r>
+                        <a:rPr lang="fr-FR" sz="1100" i="0" dirty="0" err="1" smtClean="0"/>
+                        <a:t>Newmark</a:t>
+                      </a:r>
+                      <a:r>
+                        <a:rPr lang="fr-FR" sz="1100" i="0" dirty="0" smtClean="0"/>
+                        <a:t> combiné avec la méthode de Newton-Raphson</a:t>
+                      </a:r>
+                      <a:endParaRPr lang="fr-FR" sz="1100" dirty="0"/>
+                    </a:p>
+                  </p:txBody>
+                </p:sp>
+              </mc:Choice>
+              <mc:Fallback>
+                <p:sp>
+                  <p:nvSpPr>
+                    <p:cNvPr id="76" name="ZoneTexte 75"/>
+                    <p:cNvSpPr txBox="1">
+                      <a:spLocks noRot="1" noChangeAspect="1" noMove="1" noResize="1" noEditPoints="1" noAdjustHandles="1" noChangeArrowheads="1" noChangeShapeType="1" noTextEdit="1"/>
+                    </p:cNvSpPr>
+                    <p:nvPr/>
+                  </p:nvSpPr>
+                  <p:spPr>
+                    <a:xfrm>
+                      <a:off x="742948" y="4643009"/>
+                      <a:ext cx="4187192" cy="446917"/>
+                    </a:xfrm>
+                    <a:prstGeom prst="rect">
+                      <a:avLst/>
+                    </a:prstGeom>
+                    <a:blipFill>
+                      <a:blip r:embed="rId7"/>
+                      <a:stretch>
+                        <a:fillRect b="-8000"/>
+                      </a:stretch>
+                    </a:blipFill>
+                  </p:spPr>
+                  <p:txBody>
+                    <a:bodyPr/>
+                    <a:lstStyle/>
+                    <a:p>
+                      <a:r>
+                        <a:rPr lang="en-US">
+                          <a:noFill/>
+                        </a:rPr>
+                        <a:t> </a:t>
+                      </a:r>
+                    </a:p>
+                  </p:txBody>
+                </p:sp>
+              </mc:Fallback>
+            </mc:AlternateContent>
+          </p:grpSp>
+          <p:cxnSp>
+            <p:nvCxnSpPr>
+              <p:cNvPr id="81" name="Connecteur droit avec flèche 80"/>
+              <p:cNvCxnSpPr>
+                <a:stCxn id="76" idx="2"/>
+                <a:endCxn id="43" idx="0"/>
+              </p:cNvCxnSpPr>
+              <p:nvPr/>
+            </p:nvCxnSpPr>
+            <p:spPr>
+              <a:xfrm flipH="1">
+                <a:off x="2381250" y="5099160"/>
+                <a:ext cx="3174" cy="226730"/>
+              </a:xfrm>
+              <a:prstGeom prst="straightConnector1">
+                <a:avLst/>
+              </a:prstGeom>
+              <a:ln w="19050">
+                <a:tailEnd type="triangle"/>
+              </a:ln>
+            </p:spPr>
+            <p:style>
+              <a:lnRef idx="1">
+                <a:schemeClr val="dk1"/>
+              </a:lnRef>
+              <a:fillRef idx="0">
+                <a:schemeClr val="dk1"/>
+              </a:fillRef>
+              <a:effectRef idx="0">
+                <a:schemeClr val="dk1"/>
+              </a:effectRef>
+              <a:fontRef idx="minor">
+                <a:schemeClr val="tx1"/>
+              </a:fontRef>
+            </p:style>
+          </p:cxnSp>
+          <p:sp>
+            <p:nvSpPr>
+              <p:cNvPr id="94" name="ZoneTexte 93"/>
+              <p:cNvSpPr txBox="1"/>
+              <p:nvPr/>
+            </p:nvSpPr>
+            <p:spPr>
+              <a:xfrm>
+                <a:off x="1978940" y="6064661"/>
+                <a:ext cx="402674" cy="276999"/>
+              </a:xfrm>
+              <a:prstGeom prst="rect">
+                <a:avLst/>
+              </a:prstGeom>
+              <a:noFill/>
+            </p:spPr>
+            <p:txBody>
+              <a:bodyPr wrap="none" rtlCol="0">
+                <a:spAutoFit/>
+              </a:bodyPr>
+              <a:lstStyle/>
+              <a:p>
+                <a:r>
+                  <a:rPr lang="fr-FR" sz="1200" dirty="0" smtClean="0"/>
+                  <a:t>Oui</a:t>
+                </a:r>
+                <a:endParaRPr lang="fr-FR" sz="1200" dirty="0"/>
+              </a:p>
+            </p:txBody>
+          </p:sp>
+          <p:grpSp>
+            <p:nvGrpSpPr>
+              <p:cNvPr id="111" name="Groupe 110"/>
+              <p:cNvGrpSpPr/>
+              <p:nvPr/>
+            </p:nvGrpSpPr>
+            <p:grpSpPr>
+              <a:xfrm>
+                <a:off x="2388934" y="4405252"/>
+                <a:ext cx="3531786" cy="2334762"/>
+                <a:chOff x="2368951" y="4074573"/>
+                <a:chExt cx="3531786" cy="2797329"/>
+              </a:xfrm>
+            </p:grpSpPr>
+            <p:cxnSp>
+              <p:nvCxnSpPr>
+                <p:cNvPr id="93" name="Connecteur droit avec flèche 92"/>
+                <p:cNvCxnSpPr/>
+                <p:nvPr/>
+              </p:nvCxnSpPr>
+              <p:spPr>
+                <a:xfrm>
+                  <a:off x="2368951" y="6164887"/>
+                  <a:ext cx="0" cy="403553"/>
+                </a:xfrm>
+                <a:prstGeom prst="straightConnector1">
+                  <a:avLst/>
+                </a:prstGeom>
+                <a:ln w="19050">
+                  <a:tailEnd type="none"/>
+                </a:ln>
+              </p:spPr>
+              <p:style>
+                <a:lnRef idx="1">
+                  <a:schemeClr val="dk1"/>
+                </a:lnRef>
+                <a:fillRef idx="0">
+                  <a:schemeClr val="dk1"/>
+                </a:fillRef>
+                <a:effectRef idx="0">
+                  <a:schemeClr val="dk1"/>
+                </a:effectRef>
+                <a:fontRef idx="minor">
+                  <a:schemeClr val="tx1"/>
+                </a:fontRef>
+              </p:style>
+            </p:cxnSp>
+            <p:cxnSp>
+              <p:nvCxnSpPr>
+                <p:cNvPr id="97" name="Connecteur droit 96"/>
+                <p:cNvCxnSpPr>
+                  <a:stCxn id="9" idx="2"/>
+                </p:cNvCxnSpPr>
+                <p:nvPr/>
+              </p:nvCxnSpPr>
+              <p:spPr>
+                <a:xfrm>
+                  <a:off x="5871230" y="4074573"/>
+                  <a:ext cx="29507" cy="2482839"/>
+                </a:xfrm>
+                <a:prstGeom prst="line">
+                  <a:avLst/>
+                </a:prstGeom>
+                <a:ln w="19050"/>
+              </p:spPr>
+              <p:style>
+                <a:lnRef idx="1">
+                  <a:schemeClr val="dk1"/>
+                </a:lnRef>
+                <a:fillRef idx="0">
+                  <a:schemeClr val="dk1"/>
+                </a:fillRef>
+                <a:effectRef idx="0">
+                  <a:schemeClr val="dk1"/>
+                </a:effectRef>
+                <a:fontRef idx="minor">
+                  <a:schemeClr val="tx1"/>
+                </a:fontRef>
+              </p:style>
+            </p:cxnSp>
+            <p:cxnSp>
+              <p:nvCxnSpPr>
+                <p:cNvPr id="103" name="Connecteur droit avec flèche 102"/>
+                <p:cNvCxnSpPr/>
+                <p:nvPr/>
+              </p:nvCxnSpPr>
+              <p:spPr>
+                <a:xfrm>
+                  <a:off x="2381250" y="6568440"/>
+                  <a:ext cx="3519487" cy="0"/>
+                </a:xfrm>
+                <a:prstGeom prst="straightConnector1">
+                  <a:avLst/>
+                </a:prstGeom>
+                <a:ln w="19050">
+                  <a:tailEnd type="none"/>
+                </a:ln>
+              </p:spPr>
+              <p:style>
+                <a:lnRef idx="1">
+                  <a:schemeClr val="dk1"/>
+                </a:lnRef>
+                <a:fillRef idx="0">
+                  <a:schemeClr val="dk1"/>
+                </a:fillRef>
+                <a:effectRef idx="0">
+                  <a:schemeClr val="dk1"/>
+                </a:effectRef>
+                <a:fontRef idx="minor">
+                  <a:schemeClr val="tx1"/>
+                </a:fontRef>
+              </p:style>
+            </p:cxnSp>
+            <p:cxnSp>
+              <p:nvCxnSpPr>
+                <p:cNvPr id="107" name="Connecteur droit avec flèche 106"/>
+                <p:cNvCxnSpPr>
+                  <a:endCxn id="95" idx="0"/>
+                </p:cNvCxnSpPr>
+                <p:nvPr/>
+              </p:nvCxnSpPr>
+              <p:spPr>
+                <a:xfrm flipH="1">
+                  <a:off x="4272834" y="6568439"/>
+                  <a:ext cx="1052" cy="303463"/>
+                </a:xfrm>
+                <a:prstGeom prst="straightConnector1">
+                  <a:avLst/>
+                </a:prstGeom>
+                <a:ln w="19050">
+                  <a:tailEnd type="triangle"/>
+                </a:ln>
+              </p:spPr>
+              <p:style>
+                <a:lnRef idx="1">
+                  <a:schemeClr val="dk1"/>
+                </a:lnRef>
+                <a:fillRef idx="0">
+                  <a:schemeClr val="dk1"/>
+                </a:fillRef>
+                <a:effectRef idx="0">
+                  <a:schemeClr val="dk1"/>
+                </a:effectRef>
+                <a:fontRef idx="minor">
+                  <a:schemeClr val="tx1"/>
+                </a:fontRef>
+              </p:style>
+            </p:cxnSp>
+          </p:grpSp>
+          <p:grpSp>
+            <p:nvGrpSpPr>
+              <p:cNvPr id="155" name="Groupe 154"/>
+              <p:cNvGrpSpPr/>
+              <p:nvPr/>
+            </p:nvGrpSpPr>
+            <p:grpSpPr>
+              <a:xfrm>
+                <a:off x="1855274" y="6740012"/>
+                <a:ext cx="4875086" cy="2203922"/>
+                <a:chOff x="1855274" y="6740012"/>
+                <a:chExt cx="4875086" cy="2203922"/>
+              </a:xfrm>
+            </p:grpSpPr>
+            <mc:AlternateContent xmlns:mc="http://schemas.openxmlformats.org/markup-compatibility/2006">
+              <mc:Choice xmlns:a14="http://schemas.microsoft.com/office/drawing/2010/main" Requires="a14">
+                <p:sp>
+                  <p:nvSpPr>
+                    <p:cNvPr id="95" name="ZoneTexte 94"/>
+                    <p:cNvSpPr txBox="1"/>
+                    <p:nvPr/>
+                  </p:nvSpPr>
+                  <p:spPr>
+                    <a:xfrm>
+                      <a:off x="3167818" y="6740012"/>
+                      <a:ext cx="2249998" cy="308290"/>
+                    </a:xfrm>
+                    <a:prstGeom prst="rect">
+                      <a:avLst/>
+                    </a:prstGeom>
+                  </p:spPr>
+                  <p:style>
+                    <a:lnRef idx="2">
+                      <a:schemeClr val="dk1"/>
+                    </a:lnRef>
+                    <a:fillRef idx="1">
+                      <a:schemeClr val="lt1"/>
+                    </a:fillRef>
+                    <a:effectRef idx="0">
+                      <a:schemeClr val="dk1"/>
+                    </a:effectRef>
+                    <a:fontRef idx="minor">
+                      <a:schemeClr val="dk1"/>
+                    </a:fontRef>
+                  </p:style>
+                  <p:txBody>
+                    <a:bodyPr wrap="square" rtlCol="0">
+                      <a:spAutoFit/>
+                    </a:bodyPr>
+                    <a:lstStyle/>
+                    <a:p>
+                      <a14:m>
+                        <m:oMath xmlns:m="http://schemas.openxmlformats.org/officeDocument/2006/math">
+                          <m:sSub>
+                            <m:sSubPr>
+                              <m:ctrlPr>
+                                <a:rPr lang="fr-FR" sz="1100" b="1" i="1" dirty="0" smtClean="0">
+                                  <a:latin typeface="Cambria Math" panose="02040503050406030204" pitchFamily="18" charset="0"/>
+                                </a:rPr>
+                              </m:ctrlPr>
+                            </m:sSubPr>
+                            <m:e>
+                              <m:sSubSup>
+                                <m:sSubSupPr>
+                                  <m:ctrlPr>
+                                    <a:rPr lang="fr-FR" sz="1100" b="1" i="1" dirty="0" smtClean="0">
+                                      <a:latin typeface="Cambria Math" panose="02040503050406030204" pitchFamily="18" charset="0"/>
+                                    </a:rPr>
+                                  </m:ctrlPr>
+                                </m:sSubSupPr>
+                                <m:e>
+                                  <m:r>
+                                    <a:rPr lang="fr-FR" sz="1100" b="1" i="1" dirty="0" smtClean="0">
+                                      <a:latin typeface="Cambria Math" panose="02040503050406030204" pitchFamily="18" charset="0"/>
+                                    </a:rPr>
+                                    <m:t>𝑸</m:t>
+                                  </m:r>
+                                </m:e>
+                                <m:sub>
+                                  <m:r>
+                                    <a:rPr lang="fr-FR" sz="1100" b="1" i="1" dirty="0" smtClean="0">
+                                      <a:latin typeface="Cambria Math" panose="02040503050406030204" pitchFamily="18" charset="0"/>
+                                    </a:rPr>
+                                    <m:t>𝒎𝒐𝒚</m:t>
+                                  </m:r>
+                                </m:sub>
+                                <m:sup>
+                                  <m:r>
+                                    <a:rPr lang="fr-FR" sz="1100" b="1" i="1" dirty="0" smtClean="0">
+                                      <a:latin typeface="Cambria Math" panose="02040503050406030204" pitchFamily="18" charset="0"/>
+                                    </a:rPr>
+                                    <m:t>𝒊</m:t>
+                                  </m:r>
+                                </m:sup>
+                              </m:sSubSup>
+                            </m:e>
+                            <m:sub>
+                              <m:r>
+                                <a:rPr lang="fr-FR" sz="1100" b="1" i="1" dirty="0" smtClean="0">
+                                  <a:latin typeface="Cambria Math" panose="02040503050406030204" pitchFamily="18" charset="0"/>
+                                </a:rPr>
+                                <m:t>𝒓𝒐𝒕𝒐𝒓</m:t>
+                              </m:r>
+                            </m:sub>
+                          </m:sSub>
+                        </m:oMath>
+                      </a14:m>
+                      <a:r>
+                        <a:rPr lang="fr-FR" sz="1100" dirty="0"/>
+                        <a:t>=  flux thermique </a:t>
+                      </a:r>
+                      <a:r>
+                        <a:rPr lang="fr-FR" sz="1100" dirty="0" smtClean="0"/>
+                        <a:t>moyen</a:t>
+                      </a:r>
+                      <a:endParaRPr lang="fr-FR" sz="1100" dirty="0"/>
+                    </a:p>
+                  </p:txBody>
+                </p:sp>
+              </mc:Choice>
+              <mc:Fallback>
+                <p:sp>
+                  <p:nvSpPr>
+                    <p:cNvPr id="95" name="ZoneTexte 94"/>
+                    <p:cNvSpPr txBox="1">
+                      <a:spLocks noRot="1" noChangeAspect="1" noMove="1" noResize="1" noEditPoints="1" noAdjustHandles="1" noChangeArrowheads="1" noChangeShapeType="1" noTextEdit="1"/>
+                    </p:cNvSpPr>
+                    <p:nvPr/>
+                  </p:nvSpPr>
+                  <p:spPr>
+                    <a:xfrm>
+                      <a:off x="3167818" y="6740012"/>
+                      <a:ext cx="2249998" cy="308290"/>
+                    </a:xfrm>
+                    <a:prstGeom prst="rect">
+                      <a:avLst/>
+                    </a:prstGeom>
+                    <a:blipFill>
+                      <a:blip r:embed="rId8"/>
+                      <a:stretch>
+                        <a:fillRect/>
+                      </a:stretch>
+                    </a:blipFill>
+                  </p:spPr>
+                  <p:txBody>
+                    <a:bodyPr/>
+                    <a:lstStyle/>
+                    <a:p>
+                      <a:r>
+                        <a:rPr lang="en-US">
+                          <a:noFill/>
+                        </a:rPr>
+                        <a:t> </a:t>
+                      </a:r>
+                    </a:p>
+                  </p:txBody>
+                </p:sp>
+              </mc:Fallback>
+            </mc:AlternateContent>
+            <p:cxnSp>
+              <p:nvCxnSpPr>
+                <p:cNvPr id="110" name="Connecteur droit avec flèche 109"/>
+                <p:cNvCxnSpPr>
+                  <a:stCxn id="95" idx="2"/>
+                  <a:endCxn id="118" idx="0"/>
+                </p:cNvCxnSpPr>
+                <p:nvPr/>
+              </p:nvCxnSpPr>
+              <p:spPr>
+                <a:xfrm>
+                  <a:off x="4292817" y="7048302"/>
+                  <a:ext cx="0" cy="121515"/>
+                </a:xfrm>
+                <a:prstGeom prst="straightConnector1">
+                  <a:avLst/>
+                </a:prstGeom>
+                <a:ln w="19050">
+                  <a:tailEnd type="triangle"/>
+                </a:ln>
+              </p:spPr>
+              <p:style>
+                <a:lnRef idx="1">
+                  <a:schemeClr val="dk1"/>
+                </a:lnRef>
+                <a:fillRef idx="0">
+                  <a:schemeClr val="dk1"/>
+                </a:fillRef>
+                <a:effectRef idx="0">
+                  <a:schemeClr val="dk1"/>
+                </a:effectRef>
+                <a:fontRef idx="minor">
+                  <a:schemeClr val="tx1"/>
+                </a:fontRef>
+              </p:style>
+            </p:cxnSp>
+            <mc:AlternateContent xmlns:mc="http://schemas.openxmlformats.org/markup-compatibility/2006">
+              <mc:Choice xmlns:a14="http://schemas.microsoft.com/office/drawing/2010/main" Requires="a14">
+                <p:sp>
+                  <p:nvSpPr>
+                    <p:cNvPr id="118" name="ZoneTexte 117"/>
+                    <p:cNvSpPr txBox="1"/>
+                    <p:nvPr/>
+                  </p:nvSpPr>
+                  <p:spPr>
+                    <a:xfrm>
+                      <a:off x="1855274" y="7169817"/>
+                      <a:ext cx="4875086" cy="580865"/>
+                    </a:xfrm>
+                    <a:prstGeom prst="rect">
+                      <a:avLst/>
+                    </a:prstGeom>
+                  </p:spPr>
+                  <p:style>
+                    <a:lnRef idx="2">
+                      <a:schemeClr val="dk1"/>
+                    </a:lnRef>
+                    <a:fillRef idx="1">
+                      <a:schemeClr val="lt1"/>
+                    </a:fillRef>
+                    <a:effectRef idx="0">
+                      <a:schemeClr val="dk1"/>
+                    </a:effectRef>
+                    <a:fontRef idx="minor">
+                      <a:schemeClr val="dk1"/>
+                    </a:fontRef>
+                  </p:style>
+                  <p:txBody>
+                    <a:bodyPr wrap="square" rtlCol="0">
+                      <a:spAutoFit/>
+                    </a:bodyPr>
+                    <a:lstStyle/>
+                    <a:p>
+                      <a:pPr>
+                        <a:spcAft>
+                          <a:spcPts val="600"/>
+                        </a:spcAft>
+                      </a:pPr>
+                      <a14:m>
+                        <m:oMathPara xmlns:m="http://schemas.openxmlformats.org/officeDocument/2006/math">
+                          <m:oMathParaPr>
+                            <m:jc m:val="center"/>
+                          </m:oMathParaPr>
+                          <m:oMath xmlns:m="http://schemas.openxmlformats.org/officeDocument/2006/math">
+                            <m:sSup>
+                              <m:sSupPr>
+                                <m:ctrlPr>
+                                  <a:rPr lang="fr-FR" sz="1100" b="0" i="1" smtClean="0">
+                                    <a:latin typeface="Cambria Math" panose="02040503050406030204" pitchFamily="18" charset="0"/>
+                                  </a:rPr>
+                                </m:ctrlPr>
+                              </m:sSupPr>
+                              <m:e>
+                                <m:r>
+                                  <a:rPr lang="fr-FR" sz="1100" b="0" i="1" smtClean="0">
+                                    <a:latin typeface="Cambria Math" panose="02040503050406030204" pitchFamily="18" charset="0"/>
+                                  </a:rPr>
+                                  <m:t>𝑡</m:t>
+                                </m:r>
+                              </m:e>
+                              <m:sup>
+                                <m:r>
+                                  <a:rPr lang="fr-FR" sz="1100" b="0" i="1" smtClean="0">
+                                    <a:latin typeface="Cambria Math" panose="02040503050406030204" pitchFamily="18" charset="0"/>
+                                  </a:rPr>
+                                  <m:t>𝑖</m:t>
+                                </m:r>
+                                <m:r>
+                                  <a:rPr lang="fr-FR" sz="1100" b="0" i="1" smtClean="0">
+                                    <a:latin typeface="Cambria Math" panose="02040503050406030204" pitchFamily="18" charset="0"/>
+                                  </a:rPr>
+                                  <m:t>+1</m:t>
+                                </m:r>
+                              </m:sup>
+                            </m:sSup>
+                            <m:r>
+                              <a:rPr lang="fr-FR" sz="1100" b="0" i="1" smtClean="0">
+                                <a:latin typeface="Cambria Math" panose="02040503050406030204" pitchFamily="18" charset="0"/>
+                              </a:rPr>
+                              <m:t>=</m:t>
+                            </m:r>
+                            <m:sSup>
+                              <m:sSupPr>
+                                <m:ctrlPr>
+                                  <a:rPr lang="fr-FR" sz="1100" b="0" i="1" smtClean="0">
+                                    <a:latin typeface="Cambria Math" panose="02040503050406030204" pitchFamily="18" charset="0"/>
+                                  </a:rPr>
+                                </m:ctrlPr>
+                              </m:sSupPr>
+                              <m:e>
+                                <m:r>
+                                  <a:rPr lang="fr-FR" sz="1100" b="0" i="1" smtClean="0">
+                                    <a:latin typeface="Cambria Math" panose="02040503050406030204" pitchFamily="18" charset="0"/>
+                                  </a:rPr>
+                                  <m:t>𝑡</m:t>
+                                </m:r>
+                              </m:e>
+                              <m:sup>
+                                <m:r>
+                                  <a:rPr lang="fr-FR" sz="1100" b="0" i="1" smtClean="0">
+                                    <a:latin typeface="Cambria Math" panose="02040503050406030204" pitchFamily="18" charset="0"/>
+                                  </a:rPr>
+                                  <m:t>𝑖</m:t>
+                                </m:r>
+                              </m:sup>
+                            </m:sSup>
+                            <m:r>
+                              <a:rPr lang="fr-FR" sz="1100" b="1" i="1" smtClean="0">
+                                <a:latin typeface="Cambria Math" panose="02040503050406030204" pitchFamily="18" charset="0"/>
+                              </a:rPr>
+                              <m:t>+</m:t>
+                            </m:r>
+                            <m:r>
+                              <a:rPr lang="fr-FR" sz="1100" b="0" i="1" smtClean="0">
+                                <a:latin typeface="Cambria Math" panose="02040503050406030204" pitchFamily="18" charset="0"/>
+                              </a:rPr>
+                              <m:t>𝑑</m:t>
+                            </m:r>
+                            <m:sSub>
+                              <m:sSubPr>
+                                <m:ctrlPr>
+                                  <a:rPr lang="fr-FR" sz="1100" i="1" smtClean="0">
+                                    <a:latin typeface="Cambria Math" panose="02040503050406030204" pitchFamily="18" charset="0"/>
+                                    <a:ea typeface="Cambria Math" panose="02040503050406030204" pitchFamily="18" charset="0"/>
+                                  </a:rPr>
+                                </m:ctrlPr>
+                              </m:sSubPr>
+                              <m:e>
+                                <m:r>
+                                  <a:rPr lang="fr-FR" sz="1100" b="0" i="1" smtClean="0">
+                                    <a:latin typeface="Cambria Math" panose="02040503050406030204" pitchFamily="18" charset="0"/>
+                                    <a:ea typeface="Cambria Math" panose="02040503050406030204" pitchFamily="18" charset="0"/>
+                                  </a:rPr>
+                                  <m:t>𝑡</m:t>
+                                </m:r>
+                              </m:e>
+                              <m:sub>
+                                <m:r>
+                                  <a:rPr lang="fr-FR" sz="1100" b="0" i="1" smtClean="0">
+                                    <a:latin typeface="Cambria Math" panose="02040503050406030204" pitchFamily="18" charset="0"/>
+                                    <a:ea typeface="Cambria Math" panose="02040503050406030204" pitchFamily="18" charset="0"/>
+                                  </a:rPr>
+                                  <m:t>𝐸𝑀</m:t>
+                                </m:r>
+                              </m:sub>
+                            </m:sSub>
+                            <m:r>
+                              <a:rPr lang="fr-FR" sz="1100" b="1" i="1" smtClean="0">
+                                <a:latin typeface="Cambria Math" panose="02040503050406030204" pitchFamily="18" charset="0"/>
+                                <a:ea typeface="Cambria Math" panose="02040503050406030204" pitchFamily="18" charset="0"/>
+                              </a:rPr>
+                              <m:t>  </m:t>
+                            </m:r>
+                            <m:d>
+                              <m:dPr>
+                                <m:ctrlPr>
+                                  <a:rPr lang="fr-FR" sz="1100" b="1" i="1" smtClean="0">
+                                    <a:latin typeface="Cambria Math" panose="02040503050406030204" pitchFamily="18" charset="0"/>
+                                    <a:ea typeface="Cambria Math" panose="02040503050406030204" pitchFamily="18" charset="0"/>
+                                  </a:rPr>
+                                </m:ctrlPr>
+                              </m:dPr>
+                              <m:e>
+                                <m:r>
+                                  <a:rPr lang="fr-FR" sz="1100" b="0" i="1" smtClean="0">
+                                    <a:latin typeface="Cambria Math" panose="02040503050406030204" pitchFamily="18" charset="0"/>
+                                    <a:ea typeface="Cambria Math" panose="02040503050406030204" pitchFamily="18" charset="0"/>
+                                  </a:rPr>
+                                  <m:t>𝑑</m:t>
+                                </m:r>
+                                <m:sSub>
+                                  <m:sSubPr>
+                                    <m:ctrlPr>
+                                      <a:rPr lang="fr-FR" sz="1100" i="1" smtClean="0">
+                                        <a:latin typeface="Cambria Math" panose="02040503050406030204" pitchFamily="18" charset="0"/>
+                                        <a:ea typeface="Cambria Math" panose="02040503050406030204" pitchFamily="18" charset="0"/>
+                                      </a:rPr>
+                                    </m:ctrlPr>
+                                  </m:sSubPr>
+                                  <m:e>
+                                    <m:r>
+                                      <a:rPr lang="fr-FR" sz="1100" b="0" i="1" smtClean="0">
+                                        <a:latin typeface="Cambria Math" panose="02040503050406030204" pitchFamily="18" charset="0"/>
+                                        <a:ea typeface="Cambria Math" panose="02040503050406030204" pitchFamily="18" charset="0"/>
+                                      </a:rPr>
+                                      <m:t>𝑡</m:t>
+                                    </m:r>
+                                  </m:e>
+                                  <m:sub>
+                                    <m:r>
+                                      <a:rPr lang="fr-FR" sz="1100" b="0" i="1" smtClean="0">
+                                        <a:latin typeface="Cambria Math" panose="02040503050406030204" pitchFamily="18" charset="0"/>
+                                        <a:ea typeface="Cambria Math" panose="02040503050406030204" pitchFamily="18" charset="0"/>
+                                      </a:rPr>
+                                      <m:t>𝐸𝑀</m:t>
+                                    </m:r>
+                                  </m:sub>
+                                </m:sSub>
+                                <m:r>
+                                  <a:rPr lang="fr-FR" sz="1100" b="1" i="1" smtClean="0">
+                                    <a:latin typeface="Cambria Math" panose="02040503050406030204" pitchFamily="18" charset="0"/>
+                                    <a:ea typeface="Cambria Math" panose="02040503050406030204" pitchFamily="18" charset="0"/>
+                                  </a:rPr>
+                                  <m:t>=</m:t>
+                                </m:r>
+                                <m:r>
+                                  <a:rPr lang="fr-FR" sz="1100" b="0" i="1" smtClean="0">
+                                    <a:latin typeface="Cambria Math" panose="02040503050406030204" pitchFamily="18" charset="0"/>
+                                    <a:ea typeface="Cambria Math" panose="02040503050406030204" pitchFamily="18" charset="0"/>
+                                  </a:rPr>
+                                  <m:t>100</m:t>
+                                </m:r>
+                                <m:sSub>
+                                  <m:sSubPr>
+                                    <m:ctrlPr>
+                                      <a:rPr lang="fr-FR" sz="1100" i="1" smtClean="0">
+                                        <a:latin typeface="Cambria Math" panose="02040503050406030204" pitchFamily="18" charset="0"/>
+                                        <a:ea typeface="Cambria Math" panose="02040503050406030204" pitchFamily="18" charset="0"/>
+                                      </a:rPr>
+                                    </m:ctrlPr>
+                                  </m:sSubPr>
+                                  <m:e>
+                                    <m:r>
+                                      <a:rPr lang="fr-FR" sz="1100" b="0" i="1" smtClean="0">
+                                        <a:latin typeface="Cambria Math" panose="02040503050406030204" pitchFamily="18" charset="0"/>
+                                        <a:ea typeface="Cambria Math" panose="02040503050406030204" pitchFamily="18" charset="0"/>
+                                      </a:rPr>
+                                      <m:t>𝑇</m:t>
+                                    </m:r>
+                                  </m:e>
+                                  <m:sub>
+                                    <m:r>
+                                      <a:rPr lang="fr-FR" sz="1100" b="0" i="1" smtClean="0">
+                                        <a:latin typeface="Cambria Math" panose="02040503050406030204" pitchFamily="18" charset="0"/>
+                                        <a:ea typeface="Cambria Math" panose="02040503050406030204" pitchFamily="18" charset="0"/>
+                                      </a:rPr>
+                                      <m:t>𝑟𝑜𝑡𝑎𝑡𝑖𝑜𝑛</m:t>
+                                    </m:r>
+                                  </m:sub>
+                                </m:sSub>
+                              </m:e>
+                            </m:d>
+                          </m:oMath>
+                        </m:oMathPara>
+                      </a14:m>
+                      <a:endParaRPr lang="fr-FR" sz="1100" b="1" i="1" dirty="0" smtClean="0">
+                        <a:latin typeface="Cambria Math" panose="02040503050406030204" pitchFamily="18" charset="0"/>
+                      </a:endParaRPr>
+                    </a:p>
+                    <a:p>
+                      <a:pPr algn="ctr"/>
+                      <a14:m>
+                        <m:oMath xmlns:m="http://schemas.openxmlformats.org/officeDocument/2006/math">
+                          <m:sSubSup>
+                            <m:sSubSupPr>
+                              <m:ctrlPr>
+                                <a:rPr lang="fr-FR" sz="1100" b="1" i="1" smtClean="0">
+                                  <a:latin typeface="Cambria Math" panose="02040503050406030204" pitchFamily="18" charset="0"/>
+                                </a:rPr>
+                              </m:ctrlPr>
+                            </m:sSubSupPr>
+                            <m:e>
+                              <m:r>
+                                <a:rPr lang="fr-FR" sz="1100" b="1" i="1" smtClean="0">
+                                  <a:latin typeface="Cambria Math" panose="02040503050406030204" pitchFamily="18" charset="0"/>
+                                </a:rPr>
+                                <m:t>𝑻</m:t>
+                              </m:r>
+                            </m:e>
+                            <m:sub>
+                              <m:r>
+                                <a:rPr lang="fr-FR" sz="1100" b="1" i="1" smtClean="0">
+                                  <a:latin typeface="Cambria Math" panose="02040503050406030204" pitchFamily="18" charset="0"/>
+                                </a:rPr>
+                                <m:t>𝒓𝒐𝒕𝒐𝒓</m:t>
+                              </m:r>
+                            </m:sub>
+                            <m:sup>
+                              <m:r>
+                                <a:rPr lang="fr-FR" sz="1100" b="1" i="1" smtClean="0">
+                                  <a:latin typeface="Cambria Math" panose="02040503050406030204" pitchFamily="18" charset="0"/>
+                                </a:rPr>
+                                <m:t>𝒊</m:t>
+                              </m:r>
+                              <m:r>
+                                <a:rPr lang="fr-FR" sz="1100" b="1" i="1" smtClean="0">
+                                  <a:latin typeface="Cambria Math" panose="02040503050406030204" pitchFamily="18" charset="0"/>
+                                </a:rPr>
+                                <m:t>+</m:t>
+                              </m:r>
+                              <m:r>
+                                <a:rPr lang="fr-FR" sz="1100" b="1" i="1" smtClean="0">
+                                  <a:latin typeface="Cambria Math" panose="02040503050406030204" pitchFamily="18" charset="0"/>
+                                </a:rPr>
+                                <m:t>𝟏</m:t>
+                              </m:r>
+                            </m:sup>
+                          </m:sSubSup>
+                          <m:r>
+                            <a:rPr lang="fr-FR" sz="1100" b="1" i="1" smtClean="0">
+                              <a:latin typeface="Cambria Math" panose="02040503050406030204" pitchFamily="18" charset="0"/>
+                            </a:rPr>
+                            <m:t>, </m:t>
+                          </m:r>
+                          <m:sSubSup>
+                            <m:sSubSupPr>
+                              <m:ctrlPr>
+                                <a:rPr lang="fr-FR" sz="1100" b="1" i="1" smtClean="0">
+                                  <a:latin typeface="Cambria Math" panose="02040503050406030204" pitchFamily="18" charset="0"/>
+                                </a:rPr>
+                              </m:ctrlPr>
+                            </m:sSubSupPr>
+                            <m:e>
+                              <m:r>
+                                <a:rPr lang="fr-FR" sz="1100" b="1" i="1" smtClean="0">
+                                  <a:latin typeface="Cambria Math" panose="02040503050406030204" pitchFamily="18" charset="0"/>
+                                </a:rPr>
+                                <m:t>𝑻</m:t>
+                              </m:r>
+                            </m:e>
+                            <m:sub>
+                              <m:r>
+                                <a:rPr lang="fr-FR" sz="1100" b="1" i="1" smtClean="0">
+                                  <a:latin typeface="Cambria Math" panose="02040503050406030204" pitchFamily="18" charset="0"/>
+                                </a:rPr>
+                                <m:t>𝒑𝒂𝒅</m:t>
+                              </m:r>
+                            </m:sub>
+                            <m:sup>
+                              <m:r>
+                                <a:rPr lang="fr-FR" sz="1100" b="1" i="1" smtClean="0">
+                                  <a:latin typeface="Cambria Math" panose="02040503050406030204" pitchFamily="18" charset="0"/>
+                                </a:rPr>
+                                <m:t>𝒊</m:t>
+                              </m:r>
+                              <m:r>
+                                <a:rPr lang="fr-FR" sz="1100" b="1" i="1" smtClean="0">
+                                  <a:latin typeface="Cambria Math" panose="02040503050406030204" pitchFamily="18" charset="0"/>
+                                </a:rPr>
+                                <m:t>+</m:t>
+                              </m:r>
+                              <m:r>
+                                <a:rPr lang="fr-FR" sz="1100" b="1" i="1" smtClean="0">
+                                  <a:latin typeface="Cambria Math" panose="02040503050406030204" pitchFamily="18" charset="0"/>
+                                </a:rPr>
+                                <m:t>𝟏</m:t>
+                              </m:r>
+                            </m:sup>
+                          </m:sSubSup>
+                        </m:oMath>
+                      </a14:m>
+                      <a:r>
+                        <a:rPr lang="fr-FR" sz="1100" dirty="0" smtClean="0"/>
+                        <a:t> = </a:t>
+                      </a:r>
+                      <a:r>
+                        <a:rPr lang="fr-FR" sz="1100" dirty="0" smtClean="0"/>
+                        <a:t>modèles thermiques  (</a:t>
+                      </a:r>
+                      <a14:m>
+                        <m:oMath xmlns:m="http://schemas.openxmlformats.org/officeDocument/2006/math">
+                          <m:sSub>
+                            <m:sSubPr>
+                              <m:ctrlPr>
+                                <a:rPr lang="fr-FR" sz="1100" b="1" i="1" dirty="0">
+                                  <a:latin typeface="Cambria Math" panose="02040503050406030204" pitchFamily="18" charset="0"/>
+                                </a:rPr>
+                              </m:ctrlPr>
+                            </m:sSubPr>
+                            <m:e>
+                              <m:sSubSup>
+                                <m:sSubSupPr>
+                                  <m:ctrlPr>
+                                    <a:rPr lang="fr-FR" sz="1100" b="1" i="1" dirty="0">
+                                      <a:latin typeface="Cambria Math" panose="02040503050406030204" pitchFamily="18" charset="0"/>
+                                    </a:rPr>
+                                  </m:ctrlPr>
+                                </m:sSubSupPr>
+                                <m:e>
+                                  <m:r>
+                                    <a:rPr lang="fr-FR" sz="1100" b="1" i="1" dirty="0">
+                                      <a:latin typeface="Cambria Math" panose="02040503050406030204" pitchFamily="18" charset="0"/>
+                                    </a:rPr>
+                                    <m:t>𝑸</m:t>
+                                  </m:r>
+                                </m:e>
+                                <m:sub>
+                                  <m:r>
+                                    <a:rPr lang="fr-FR" sz="1100" b="1" i="1" dirty="0">
+                                      <a:latin typeface="Cambria Math" panose="02040503050406030204" pitchFamily="18" charset="0"/>
+                                    </a:rPr>
+                                    <m:t>𝒎𝒐𝒚</m:t>
+                                  </m:r>
+                                </m:sub>
+                                <m:sup>
+                                  <m:r>
+                                    <a:rPr lang="fr-FR" sz="1100" b="1" i="1" dirty="0">
+                                      <a:latin typeface="Cambria Math" panose="02040503050406030204" pitchFamily="18" charset="0"/>
+                                    </a:rPr>
+                                    <m:t>𝒊</m:t>
+                                  </m:r>
+                                </m:sup>
+                              </m:sSubSup>
+                            </m:e>
+                            <m:sub>
+                              <m:r>
+                                <a:rPr lang="fr-FR" sz="1100" b="1" i="1" dirty="0">
+                                  <a:latin typeface="Cambria Math" panose="02040503050406030204" pitchFamily="18" charset="0"/>
+                                </a:rPr>
+                                <m:t>𝒓𝒐𝒕𝒐𝒓</m:t>
+                              </m:r>
+                            </m:sub>
+                          </m:sSub>
+                        </m:oMath>
+                      </a14:m>
+                      <a:r>
+                        <a:rPr lang="fr-FR" sz="1100" dirty="0" smtClean="0"/>
+                        <a:t>,</a:t>
+                      </a:r>
+                      <a14:m>
+                        <m:oMath xmlns:m="http://schemas.openxmlformats.org/officeDocument/2006/math">
+                          <m:sSub>
+                            <m:sSubPr>
+                              <m:ctrlPr>
+                                <a:rPr lang="fr-FR" sz="1100" b="1" i="1" dirty="0">
+                                  <a:latin typeface="Cambria Math" panose="02040503050406030204" pitchFamily="18" charset="0"/>
+                                </a:rPr>
+                              </m:ctrlPr>
+                            </m:sSubPr>
+                            <m:e>
+                              <m:sSubSup>
+                                <m:sSubSupPr>
+                                  <m:ctrlPr>
+                                    <a:rPr lang="fr-FR" sz="1100" b="1" i="1" dirty="0">
+                                      <a:latin typeface="Cambria Math" panose="02040503050406030204" pitchFamily="18" charset="0"/>
+                                    </a:rPr>
+                                  </m:ctrlPr>
+                                </m:sSubSupPr>
+                                <m:e>
+                                  <m:r>
+                                    <a:rPr lang="fr-FR" sz="1100" b="1" i="1" dirty="0">
+                                      <a:latin typeface="Cambria Math" panose="02040503050406030204" pitchFamily="18" charset="0"/>
+                                    </a:rPr>
+                                    <m:t>𝑸</m:t>
+                                  </m:r>
+                                </m:e>
+                                <m:sub>
+                                  <m:r>
+                                    <a:rPr lang="fr-FR" sz="1100" b="1" i="1" dirty="0">
+                                      <a:latin typeface="Cambria Math" panose="02040503050406030204" pitchFamily="18" charset="0"/>
+                                    </a:rPr>
+                                    <m:t>𝒎𝒐𝒚</m:t>
+                                  </m:r>
+                                </m:sub>
+                                <m:sup>
+                                  <m:r>
+                                    <a:rPr lang="fr-FR" sz="1100" b="1" i="1" dirty="0">
+                                      <a:latin typeface="Cambria Math" panose="02040503050406030204" pitchFamily="18" charset="0"/>
+                                    </a:rPr>
+                                    <m:t>𝒊</m:t>
+                                  </m:r>
+                                </m:sup>
+                              </m:sSubSup>
+                            </m:e>
+                            <m:sub>
+                              <m:r>
+                                <a:rPr lang="fr-FR" sz="1100" b="1" i="1" dirty="0" smtClean="0">
+                                  <a:latin typeface="Cambria Math" panose="02040503050406030204" pitchFamily="18" charset="0"/>
+                                </a:rPr>
+                                <m:t>𝒑𝒂𝒅</m:t>
+                              </m:r>
+                            </m:sub>
+                          </m:sSub>
+                        </m:oMath>
+                      </a14:m>
+                      <a:r>
+                        <a:rPr lang="fr-FR" sz="1100" dirty="0" smtClean="0"/>
+                        <a:t>, </a:t>
+                      </a:r>
+                      <a14:m>
+                        <m:oMath xmlns:m="http://schemas.openxmlformats.org/officeDocument/2006/math">
+                          <m:sSup>
+                            <m:sSupPr>
+                              <m:ctrlPr>
+                                <a:rPr lang="fr-FR" sz="1100" i="1">
+                                  <a:latin typeface="Cambria Math" panose="02040503050406030204" pitchFamily="18" charset="0"/>
+                                </a:rPr>
+                              </m:ctrlPr>
+                            </m:sSupPr>
+                            <m:e>
+                              <m:r>
+                                <a:rPr lang="fr-FR" sz="1100" i="1">
+                                  <a:latin typeface="Cambria Math" panose="02040503050406030204" pitchFamily="18" charset="0"/>
+                                </a:rPr>
+                                <m:t>𝑡</m:t>
+                              </m:r>
+                            </m:e>
+                            <m:sup>
+                              <m:r>
+                                <a:rPr lang="fr-FR" sz="1100" i="1">
+                                  <a:latin typeface="Cambria Math" panose="02040503050406030204" pitchFamily="18" charset="0"/>
+                                </a:rPr>
+                                <m:t>𝑖</m:t>
+                              </m:r>
+                            </m:sup>
+                          </m:sSup>
+                        </m:oMath>
+                      </a14:m>
+                      <a:r>
+                        <a:rPr lang="fr-FR" sz="1100" dirty="0" smtClean="0"/>
+                        <a:t>) </a:t>
+                      </a:r>
+                      <a:endParaRPr lang="fr-FR" sz="1100" dirty="0" smtClean="0"/>
+                    </a:p>
+                  </p:txBody>
+                </p:sp>
+              </mc:Choice>
+              <mc:Fallback>
+                <p:sp>
+                  <p:nvSpPr>
+                    <p:cNvPr id="118" name="ZoneTexte 117"/>
+                    <p:cNvSpPr txBox="1">
+                      <a:spLocks noRot="1" noChangeAspect="1" noMove="1" noResize="1" noEditPoints="1" noAdjustHandles="1" noChangeArrowheads="1" noChangeShapeType="1" noTextEdit="1"/>
+                    </p:cNvSpPr>
+                    <p:nvPr/>
+                  </p:nvSpPr>
+                  <p:spPr>
+                    <a:xfrm>
+                      <a:off x="1855274" y="7169817"/>
+                      <a:ext cx="4875086" cy="580865"/>
+                    </a:xfrm>
+                    <a:prstGeom prst="rect">
+                      <a:avLst/>
+                    </a:prstGeom>
+                    <a:blipFill>
+                      <a:blip r:embed="rId9"/>
+                      <a:stretch>
+                        <a:fillRect b="-2062"/>
+                      </a:stretch>
+                    </a:blipFill>
+                  </p:spPr>
+                  <p:txBody>
+                    <a:bodyPr/>
+                    <a:lstStyle/>
+                    <a:p>
+                      <a:r>
+                        <a:rPr lang="en-US">
+                          <a:noFill/>
+                        </a:rPr>
+                        <a:t> </a:t>
+                      </a:r>
+                    </a:p>
+                  </p:txBody>
+                </p:sp>
+              </mc:Fallback>
+            </mc:AlternateContent>
+            <mc:AlternateContent xmlns:mc="http://schemas.openxmlformats.org/markup-compatibility/2006">
+              <mc:Choice xmlns:a14="http://schemas.microsoft.com/office/drawing/2010/main" Requires="a14">
+                <p:sp>
+                  <p:nvSpPr>
+                    <p:cNvPr id="119" name="ZoneTexte 118"/>
+                    <p:cNvSpPr txBox="1"/>
+                    <p:nvPr/>
+                  </p:nvSpPr>
+                  <p:spPr>
+                    <a:xfrm>
+                      <a:off x="2089544" y="7911774"/>
+                      <a:ext cx="4408648" cy="275204"/>
+                    </a:xfrm>
+                    <a:prstGeom prst="rect">
+                      <a:avLst/>
+                    </a:prstGeom>
+                  </p:spPr>
+                  <p:style>
+                    <a:lnRef idx="2">
+                      <a:schemeClr val="dk1"/>
+                    </a:lnRef>
+                    <a:fillRef idx="1">
+                      <a:schemeClr val="lt1"/>
+                    </a:fillRef>
+                    <a:effectRef idx="0">
+                      <a:schemeClr val="dk1"/>
+                    </a:effectRef>
+                    <a:fontRef idx="minor">
+                      <a:schemeClr val="dk1"/>
+                    </a:fontRef>
+                  </p:style>
+                  <p:txBody>
+                    <a:bodyPr wrap="square" rtlCol="0">
+                      <a:spAutoFit/>
+                    </a:bodyPr>
+                    <a:lstStyle/>
+                    <a:p>
+                      <a:pPr algn="ctr"/>
+                      <a14:m>
+                        <m:oMath xmlns:m="http://schemas.openxmlformats.org/officeDocument/2006/math">
+                          <m:sSubSup>
+                            <m:sSubSupPr>
+                              <m:ctrlPr>
+                                <a:rPr lang="fr-FR" sz="1100" b="1" i="1" smtClean="0">
+                                  <a:latin typeface="Cambria Math" panose="02040503050406030204" pitchFamily="18" charset="0"/>
+                                </a:rPr>
+                              </m:ctrlPr>
+                            </m:sSubSupPr>
+                            <m:e>
+                              <m:r>
+                                <a:rPr lang="fr-FR" sz="1100" b="1" i="1" smtClean="0">
+                                  <a:latin typeface="Cambria Math" panose="02040503050406030204" pitchFamily="18" charset="0"/>
+                                </a:rPr>
+                                <m:t>𝒒</m:t>
+                              </m:r>
+                            </m:e>
+                            <m:sub>
+                              <m:r>
+                                <a:rPr lang="fr-FR" sz="1100" b="1" i="1" smtClean="0">
+                                  <a:latin typeface="Cambria Math" panose="02040503050406030204" pitchFamily="18" charset="0"/>
+                                </a:rPr>
+                                <m:t>𝒕𝒉</m:t>
+                              </m:r>
+                            </m:sub>
+                            <m:sup>
+                              <m:r>
+                                <a:rPr lang="fr-FR" sz="1100" b="1" i="1" smtClean="0">
+                                  <a:latin typeface="Cambria Math" panose="02040503050406030204" pitchFamily="18" charset="0"/>
+                                </a:rPr>
+                                <m:t>𝒊</m:t>
+                              </m:r>
+                              <m:r>
+                                <a:rPr lang="fr-FR" sz="1100" b="1" i="1" smtClean="0">
+                                  <a:latin typeface="Cambria Math" panose="02040503050406030204" pitchFamily="18" charset="0"/>
+                                </a:rPr>
+                                <m:t>+</m:t>
+                              </m:r>
+                              <m:r>
+                                <a:rPr lang="fr-FR" sz="1100" b="1" i="1" smtClean="0">
+                                  <a:latin typeface="Cambria Math" panose="02040503050406030204" pitchFamily="18" charset="0"/>
+                                </a:rPr>
+                                <m:t>𝟏</m:t>
+                              </m:r>
+                            </m:sup>
+                          </m:sSubSup>
+                        </m:oMath>
+                      </a14:m>
+                      <a:r>
+                        <a:rPr lang="fr-FR" sz="1100" dirty="0" smtClean="0"/>
+                        <a:t> = </a:t>
+                      </a:r>
+                      <a:r>
+                        <a:rPr lang="fr-FR" sz="1100" dirty="0" smtClean="0"/>
+                        <a:t>modèle mécanique (</a:t>
+                      </a:r>
+                      <a14:m>
+                        <m:oMath xmlns:m="http://schemas.openxmlformats.org/officeDocument/2006/math">
+                          <m:sSubSup>
+                            <m:sSubSupPr>
+                              <m:ctrlPr>
+                                <a:rPr lang="fr-FR" sz="1100" b="1" i="1">
+                                  <a:latin typeface="Cambria Math" panose="02040503050406030204" pitchFamily="18" charset="0"/>
+                                </a:rPr>
+                              </m:ctrlPr>
+                            </m:sSubSupPr>
+                            <m:e>
+                              <m:r>
+                                <a:rPr lang="fr-FR" sz="1100" b="1" i="1">
+                                  <a:latin typeface="Cambria Math" panose="02040503050406030204" pitchFamily="18" charset="0"/>
+                                </a:rPr>
+                                <m:t>𝑻</m:t>
+                              </m:r>
+                            </m:e>
+                            <m:sub>
+                              <m:r>
+                                <a:rPr lang="fr-FR" sz="1100" b="1" i="1">
+                                  <a:latin typeface="Cambria Math" panose="02040503050406030204" pitchFamily="18" charset="0"/>
+                                </a:rPr>
+                                <m:t>𝒓𝒐𝒕𝒐𝒓</m:t>
+                              </m:r>
+                            </m:sub>
+                            <m:sup>
+                              <m:r>
+                                <a:rPr lang="fr-FR" sz="1100" b="1" i="1">
+                                  <a:latin typeface="Cambria Math" panose="02040503050406030204" pitchFamily="18" charset="0"/>
+                                </a:rPr>
+                                <m:t>𝒊</m:t>
+                              </m:r>
+                              <m:r>
+                                <a:rPr lang="fr-FR" sz="1100" b="1" i="1">
+                                  <a:latin typeface="Cambria Math" panose="02040503050406030204" pitchFamily="18" charset="0"/>
+                                </a:rPr>
+                                <m:t>+</m:t>
+                              </m:r>
+                              <m:r>
+                                <a:rPr lang="fr-FR" sz="1100" b="1" i="1">
+                                  <a:latin typeface="Cambria Math" panose="02040503050406030204" pitchFamily="18" charset="0"/>
+                                </a:rPr>
+                                <m:t>𝟏</m:t>
+                              </m:r>
+                            </m:sup>
+                          </m:sSubSup>
+                        </m:oMath>
+                      </a14:m>
+                      <a:r>
+                        <a:rPr lang="fr-FR" sz="1100" dirty="0" smtClean="0"/>
+                        <a:t>)</a:t>
+                      </a:r>
+                      <a:endParaRPr lang="fr-FR" sz="1100" dirty="0" smtClean="0"/>
+                    </a:p>
+                  </p:txBody>
+                </p:sp>
+              </mc:Choice>
+              <mc:Fallback>
+                <p:sp>
+                  <p:nvSpPr>
+                    <p:cNvPr id="119" name="ZoneTexte 118"/>
+                    <p:cNvSpPr txBox="1">
+                      <a:spLocks noRot="1" noChangeAspect="1" noMove="1" noResize="1" noEditPoints="1" noAdjustHandles="1" noChangeArrowheads="1" noChangeShapeType="1" noTextEdit="1"/>
+                    </p:cNvSpPr>
+                    <p:nvPr/>
+                  </p:nvSpPr>
+                  <p:spPr>
+                    <a:xfrm>
+                      <a:off x="2089544" y="7911774"/>
+                      <a:ext cx="4408648" cy="275204"/>
+                    </a:xfrm>
+                    <a:prstGeom prst="rect">
+                      <a:avLst/>
+                    </a:prstGeom>
+                    <a:blipFill>
+                      <a:blip r:embed="rId10"/>
+                      <a:stretch>
+                        <a:fillRect b="-12766"/>
+                      </a:stretch>
+                    </a:blipFill>
+                  </p:spPr>
+                  <p:txBody>
+                    <a:bodyPr/>
+                    <a:lstStyle/>
+                    <a:p>
+                      <a:r>
+                        <a:rPr lang="en-US">
+                          <a:noFill/>
+                        </a:rPr>
+                        <a:t> </a:t>
+                      </a:r>
+                    </a:p>
+                  </p:txBody>
+                </p:sp>
+              </mc:Fallback>
+            </mc:AlternateContent>
+            <p:cxnSp>
+              <p:nvCxnSpPr>
+                <p:cNvPr id="120" name="Connecteur droit avec flèche 119"/>
+                <p:cNvCxnSpPr>
+                  <a:stCxn id="118" idx="2"/>
+                  <a:endCxn id="119" idx="0"/>
+                </p:cNvCxnSpPr>
+                <p:nvPr/>
+              </p:nvCxnSpPr>
+              <p:spPr>
+                <a:xfrm>
+                  <a:off x="4292817" y="7750682"/>
+                  <a:ext cx="1051" cy="161092"/>
+                </a:xfrm>
+                <a:prstGeom prst="straightConnector1">
+                  <a:avLst/>
+                </a:prstGeom>
+                <a:ln w="19050">
+                  <a:tailEnd type="triangle"/>
+                </a:ln>
+              </p:spPr>
+              <p:style>
+                <a:lnRef idx="1">
+                  <a:schemeClr val="dk1"/>
+                </a:lnRef>
+                <a:fillRef idx="0">
+                  <a:schemeClr val="dk1"/>
+                </a:fillRef>
+                <a:effectRef idx="0">
+                  <a:schemeClr val="dk1"/>
+                </a:effectRef>
+                <a:fontRef idx="minor">
+                  <a:schemeClr val="tx1"/>
+                </a:fontRef>
+              </p:style>
+            </p:cxnSp>
+            <p:cxnSp>
+              <p:nvCxnSpPr>
+                <p:cNvPr id="126" name="Connecteur droit avec flèche 125"/>
+                <p:cNvCxnSpPr/>
+                <p:nvPr/>
+              </p:nvCxnSpPr>
+              <p:spPr>
+                <a:xfrm>
+                  <a:off x="4293868" y="8729635"/>
+                  <a:ext cx="0" cy="214299"/>
+                </a:xfrm>
+                <a:prstGeom prst="straightConnector1">
+                  <a:avLst/>
+                </a:prstGeom>
+                <a:ln w="19050">
+                  <a:tailEnd type="triangle"/>
+                </a:ln>
+              </p:spPr>
+              <p:style>
+                <a:lnRef idx="1">
+                  <a:schemeClr val="dk1"/>
+                </a:lnRef>
+                <a:fillRef idx="0">
+                  <a:schemeClr val="dk1"/>
+                </a:fillRef>
+                <a:effectRef idx="0">
+                  <a:schemeClr val="dk1"/>
+                </a:effectRef>
+                <a:fontRef idx="minor">
+                  <a:schemeClr val="tx1"/>
+                </a:fontRef>
+              </p:style>
+            </p:cxnSp>
+          </p:grpSp>
+          <p:grpSp>
+            <p:nvGrpSpPr>
+              <p:cNvPr id="153" name="Groupe 152"/>
+              <p:cNvGrpSpPr/>
+              <p:nvPr/>
+            </p:nvGrpSpPr>
+            <p:grpSpPr>
+              <a:xfrm>
+                <a:off x="2401233" y="2949249"/>
+                <a:ext cx="3489980" cy="1172654"/>
+                <a:chOff x="2401233" y="2949249"/>
+                <a:chExt cx="3489980" cy="1172654"/>
+              </a:xfrm>
+            </p:grpSpPr>
+            <p:cxnSp>
+              <p:nvCxnSpPr>
+                <p:cNvPr id="48" name="Connecteur droit avec flèche 47"/>
+                <p:cNvCxnSpPr>
+                  <a:stCxn id="47" idx="2"/>
+                </p:cNvCxnSpPr>
+                <p:nvPr/>
+              </p:nvCxnSpPr>
+              <p:spPr>
+                <a:xfrm>
+                  <a:off x="3883493" y="2949249"/>
+                  <a:ext cx="0" cy="269678"/>
+                </a:xfrm>
+                <a:prstGeom prst="straightConnector1">
+                  <a:avLst/>
+                </a:prstGeom>
+                <a:ln w="19050">
+                  <a:tailEnd type="none"/>
+                </a:ln>
+              </p:spPr>
+              <p:style>
+                <a:lnRef idx="1">
+                  <a:schemeClr val="dk1"/>
+                </a:lnRef>
+                <a:fillRef idx="0">
+                  <a:schemeClr val="dk1"/>
+                </a:fillRef>
+                <a:effectRef idx="0">
+                  <a:schemeClr val="dk1"/>
+                </a:effectRef>
+                <a:fontRef idx="minor">
+                  <a:schemeClr val="tx1"/>
+                </a:fontRef>
+              </p:style>
+            </p:cxnSp>
+            <p:cxnSp>
+              <p:nvCxnSpPr>
+                <p:cNvPr id="138" name="Connecteur droit 137"/>
+                <p:cNvCxnSpPr/>
+                <p:nvPr/>
+              </p:nvCxnSpPr>
+              <p:spPr>
+                <a:xfrm>
+                  <a:off x="2401233" y="3218927"/>
+                  <a:ext cx="3489980" cy="0"/>
+                </a:xfrm>
+                <a:prstGeom prst="line">
+                  <a:avLst/>
+                </a:prstGeom>
+                <a:ln w="19050"/>
+              </p:spPr>
+              <p:style>
+                <a:lnRef idx="1">
+                  <a:schemeClr val="dk1"/>
+                </a:lnRef>
+                <a:fillRef idx="0">
+                  <a:schemeClr val="dk1"/>
+                </a:fillRef>
+                <a:effectRef idx="0">
+                  <a:schemeClr val="dk1"/>
+                </a:effectRef>
+                <a:fontRef idx="minor">
+                  <a:schemeClr val="tx1"/>
+                </a:fontRef>
+              </p:style>
+            </p:cxnSp>
+            <p:cxnSp>
+              <p:nvCxnSpPr>
+                <p:cNvPr id="141" name="Connecteur droit avec flèche 140"/>
+                <p:cNvCxnSpPr/>
+                <p:nvPr/>
+              </p:nvCxnSpPr>
+              <p:spPr>
+                <a:xfrm>
+                  <a:off x="2401233" y="3218927"/>
+                  <a:ext cx="0" cy="357203"/>
+                </a:xfrm>
+                <a:prstGeom prst="straightConnector1">
+                  <a:avLst/>
+                </a:prstGeom>
+                <a:ln w="19050">
+                  <a:tailEnd type="triangle"/>
+                </a:ln>
+              </p:spPr>
+              <p:style>
+                <a:lnRef idx="1">
+                  <a:schemeClr val="dk1"/>
+                </a:lnRef>
+                <a:fillRef idx="0">
+                  <a:schemeClr val="dk1"/>
+                </a:fillRef>
+                <a:effectRef idx="0">
+                  <a:schemeClr val="dk1"/>
+                </a:effectRef>
+                <a:fontRef idx="minor">
+                  <a:schemeClr val="tx1"/>
+                </a:fontRef>
+              </p:style>
+            </p:cxnSp>
+            <p:cxnSp>
+              <p:nvCxnSpPr>
+                <p:cNvPr id="143" name="Connecteur droit avec flèche 142"/>
+                <p:cNvCxnSpPr/>
+                <p:nvPr/>
+              </p:nvCxnSpPr>
+              <p:spPr>
+                <a:xfrm>
+                  <a:off x="5891213" y="3218927"/>
+                  <a:ext cx="0" cy="902976"/>
+                </a:xfrm>
+                <a:prstGeom prst="straightConnector1">
+                  <a:avLst/>
+                </a:prstGeom>
+                <a:ln w="19050">
+                  <a:tailEnd type="triangle"/>
+                </a:ln>
+              </p:spPr>
+              <p:style>
+                <a:lnRef idx="1">
+                  <a:schemeClr val="dk1"/>
+                </a:lnRef>
+                <a:fillRef idx="0">
+                  <a:schemeClr val="dk1"/>
+                </a:fillRef>
+                <a:effectRef idx="0">
+                  <a:schemeClr val="dk1"/>
+                </a:effectRef>
+                <a:fontRef idx="minor">
+                  <a:schemeClr val="tx1"/>
+                </a:fontRef>
+              </p:style>
+            </p:cxnSp>
+          </p:grpSp>
+          <p:grpSp>
+            <p:nvGrpSpPr>
+              <p:cNvPr id="156" name="Groupe 155"/>
+              <p:cNvGrpSpPr/>
+              <p:nvPr/>
+            </p:nvGrpSpPr>
+            <p:grpSpPr>
+              <a:xfrm flipH="1">
+                <a:off x="3883492" y="3105983"/>
+                <a:ext cx="4325385" cy="6083736"/>
+                <a:chOff x="158541" y="3485207"/>
+                <a:chExt cx="1429296" cy="2317440"/>
+              </a:xfrm>
+            </p:grpSpPr>
+            <p:cxnSp>
+              <p:nvCxnSpPr>
+                <p:cNvPr id="157" name="Connecteur droit 156"/>
+                <p:cNvCxnSpPr/>
+                <p:nvPr/>
+              </p:nvCxnSpPr>
+              <p:spPr>
+                <a:xfrm flipH="1">
+                  <a:off x="158541" y="5802647"/>
+                  <a:ext cx="992791" cy="0"/>
+                </a:xfrm>
+                <a:prstGeom prst="line">
+                  <a:avLst/>
+                </a:prstGeom>
+                <a:ln w="19050"/>
+              </p:spPr>
+              <p:style>
+                <a:lnRef idx="1">
+                  <a:schemeClr val="dk1"/>
+                </a:lnRef>
+                <a:fillRef idx="0">
+                  <a:schemeClr val="dk1"/>
+                </a:fillRef>
+                <a:effectRef idx="0">
+                  <a:schemeClr val="dk1"/>
+                </a:effectRef>
+                <a:fontRef idx="minor">
+                  <a:schemeClr val="tx1"/>
+                </a:fontRef>
+              </p:style>
+            </p:cxnSp>
+            <p:cxnSp>
+              <p:nvCxnSpPr>
+                <p:cNvPr id="158" name="Connecteur droit 157"/>
+                <p:cNvCxnSpPr/>
+                <p:nvPr/>
+              </p:nvCxnSpPr>
+              <p:spPr>
+                <a:xfrm flipH="1">
+                  <a:off x="158541" y="3485207"/>
+                  <a:ext cx="0" cy="2317440"/>
+                </a:xfrm>
+                <a:prstGeom prst="line">
+                  <a:avLst/>
+                </a:prstGeom>
+                <a:ln w="19050"/>
+              </p:spPr>
+              <p:style>
+                <a:lnRef idx="1">
+                  <a:schemeClr val="dk1"/>
+                </a:lnRef>
+                <a:fillRef idx="0">
+                  <a:schemeClr val="dk1"/>
+                </a:fillRef>
+                <a:effectRef idx="0">
+                  <a:schemeClr val="dk1"/>
+                </a:effectRef>
+                <a:fontRef idx="minor">
+                  <a:schemeClr val="tx1"/>
+                </a:fontRef>
+              </p:style>
+            </p:cxnSp>
+            <p:cxnSp>
+              <p:nvCxnSpPr>
+                <p:cNvPr id="159" name="Connecteur droit avec flèche 158"/>
+                <p:cNvCxnSpPr/>
+                <p:nvPr/>
+              </p:nvCxnSpPr>
+              <p:spPr>
+                <a:xfrm>
+                  <a:off x="158541" y="3488518"/>
+                  <a:ext cx="1429296" cy="0"/>
+                </a:xfrm>
+                <a:prstGeom prst="straightConnector1">
+                  <a:avLst/>
+                </a:prstGeom>
+                <a:ln w="19050">
+                  <a:tailEnd type="triangle"/>
+                </a:ln>
+              </p:spPr>
+              <p:style>
+                <a:lnRef idx="1">
+                  <a:schemeClr val="dk1"/>
+                </a:lnRef>
+                <a:fillRef idx="0">
+                  <a:schemeClr val="dk1"/>
+                </a:fillRef>
+                <a:effectRef idx="0">
+                  <a:schemeClr val="dk1"/>
+                </a:effectRef>
+                <a:fontRef idx="minor">
+                  <a:schemeClr val="tx1"/>
+                </a:fontRef>
+              </p:style>
+            </p:cxnSp>
+          </p:grpSp>
+          <p:grpSp>
+            <p:nvGrpSpPr>
+              <p:cNvPr id="171" name="Groupe 170"/>
+              <p:cNvGrpSpPr/>
+              <p:nvPr/>
+            </p:nvGrpSpPr>
+            <p:grpSpPr>
+              <a:xfrm>
+                <a:off x="3383277" y="8813722"/>
+                <a:ext cx="2022518" cy="1028874"/>
+                <a:chOff x="3383277" y="8813722"/>
+                <a:chExt cx="2022518" cy="1028874"/>
+              </a:xfrm>
+            </p:grpSpPr>
+            <p:grpSp>
+              <p:nvGrpSpPr>
+                <p:cNvPr id="129" name="Groupe 128"/>
+                <p:cNvGrpSpPr/>
+                <p:nvPr/>
+              </p:nvGrpSpPr>
+              <p:grpSpPr>
+                <a:xfrm>
+                  <a:off x="3383277" y="8952222"/>
+                  <a:ext cx="1821182" cy="466839"/>
+                  <a:chOff x="3383277" y="9284955"/>
+                  <a:chExt cx="1821182" cy="466839"/>
+                </a:xfrm>
+              </p:grpSpPr>
+              <p:sp>
+                <p:nvSpPr>
+                  <p:cNvPr id="124" name="Losange 123"/>
+                  <p:cNvSpPr/>
+                  <p:nvPr/>
+                </p:nvSpPr>
+                <p:spPr>
+                  <a:xfrm>
+                    <a:off x="3383277" y="9284955"/>
+                    <a:ext cx="1821182" cy="466839"/>
+                  </a:xfrm>
+                  <a:prstGeom prst="diamond">
+                    <a:avLst/>
+                  </a:prstGeom>
+                  <a:solidFill>
+                    <a:schemeClr val="bg1"/>
+                  </a:solidFill>
+                  <a:ln>
+                    <a:solidFill>
+                      <a:schemeClr val="tx1"/>
+                    </a:solidFill>
+                  </a:ln>
+                </p:spPr>
+                <p:style>
+                  <a:lnRef idx="2">
+                    <a:schemeClr val="accent1">
+                      <a:shade val="50000"/>
+                    </a:schemeClr>
+                  </a:lnRef>
+                  <a:fillRef idx="1">
+                    <a:schemeClr val="accent1"/>
+                  </a:fillRef>
+                  <a:effectRef idx="0">
+                    <a:schemeClr val="accent1"/>
+                  </a:effectRef>
+                  <a:fontRef idx="minor">
+                    <a:schemeClr val="lt1"/>
+                  </a:fontRef>
+                </p:style>
+                <p:txBody>
+                  <a:bodyPr rtlCol="0" anchor="ctr"/>
+                  <a:lstStyle/>
+                  <a:p>
+                    <a:pPr algn="ctr"/>
+                    <a:endParaRPr lang="fr-FR" sz="1100" dirty="0">
+                      <a:solidFill>
+                        <a:schemeClr val="tx1"/>
+                      </a:solidFill>
+                    </a:endParaRPr>
+                  </a:p>
+                </p:txBody>
+              </p:sp>
+              <mc:AlternateContent xmlns:mc="http://schemas.openxmlformats.org/markup-compatibility/2006">
+                <mc:Choice xmlns:a14="http://schemas.microsoft.com/office/drawing/2010/main" Requires="a14">
+                  <p:sp>
+                    <p:nvSpPr>
+                      <p:cNvPr id="125" name="Rectangle 124"/>
+                      <p:cNvSpPr/>
+                      <p:nvPr/>
+                    </p:nvSpPr>
+                    <p:spPr>
+                      <a:xfrm>
+                        <a:off x="3821206" y="9365130"/>
+                        <a:ext cx="945323" cy="283026"/>
+                      </a:xfrm>
+                      <a:prstGeom prst="rect">
+                        <a:avLst/>
+                      </a:prstGeom>
+                    </p:spPr>
+                    <p:txBody>
+                      <a:bodyPr wrap="none">
+                        <a:spAutoFit/>
+                      </a:bodyPr>
+                      <a:lstStyle/>
+                      <a:p>
+                        <a:pPr algn="ctr"/>
+                        <a14:m>
+                          <m:oMathPara xmlns:m="http://schemas.openxmlformats.org/officeDocument/2006/math">
+                            <m:oMathParaPr>
+                              <m:jc m:val="centerGroup"/>
+                            </m:oMathParaPr>
+                            <m:oMath xmlns:m="http://schemas.openxmlformats.org/officeDocument/2006/math">
+                              <m:sSup>
+                                <m:sSupPr>
+                                  <m:ctrlPr>
+                                    <a:rPr lang="fr-FR" sz="1200" i="1" smtClean="0">
+                                      <a:latin typeface="Cambria Math" panose="02040503050406030204" pitchFamily="18" charset="0"/>
+                                    </a:rPr>
+                                  </m:ctrlPr>
+                                </m:sSupPr>
+                                <m:e>
+                                  <m:r>
+                                    <a:rPr lang="fr-FR" sz="1200" i="1">
+                                      <a:latin typeface="Cambria Math" panose="02040503050406030204" pitchFamily="18" charset="0"/>
+                                    </a:rPr>
+                                    <m:t>𝑡</m:t>
+                                  </m:r>
+                                </m:e>
+                                <m:sup>
+                                  <m:r>
+                                    <a:rPr lang="fr-FR" sz="1200" i="1">
+                                      <a:latin typeface="Cambria Math" panose="02040503050406030204" pitchFamily="18" charset="0"/>
+                                    </a:rPr>
+                                    <m:t>𝑖</m:t>
+                                  </m:r>
+                                  <m:r>
+                                    <a:rPr lang="fr-FR" sz="1200" i="1">
+                                      <a:latin typeface="Cambria Math" panose="02040503050406030204" pitchFamily="18" charset="0"/>
+                                    </a:rPr>
+                                    <m:t>+1</m:t>
+                                  </m:r>
+                                </m:sup>
+                              </m:sSup>
+                              <m:r>
+                                <a:rPr lang="fr-FR" sz="1200" b="1" i="1" smtClean="0">
+                                  <a:solidFill>
+                                    <a:schemeClr val="tx1"/>
+                                  </a:solidFill>
+                                  <a:latin typeface="Cambria Math" panose="02040503050406030204" pitchFamily="18" charset="0"/>
+                                  <a:ea typeface="Cambria Math" panose="02040503050406030204" pitchFamily="18" charset="0"/>
+                                </a:rPr>
+                                <m:t>≤</m:t>
+                              </m:r>
+                              <m:sSup>
+                                <m:sSupPr>
+                                  <m:ctrlPr>
+                                    <a:rPr lang="fr-FR" sz="1200" i="1">
+                                      <a:latin typeface="Cambria Math" panose="02040503050406030204" pitchFamily="18" charset="0"/>
+                                    </a:rPr>
+                                  </m:ctrlPr>
+                                </m:sSupPr>
+                                <m:e>
+                                  <m:r>
+                                    <a:rPr lang="fr-FR" sz="1200" i="1">
+                                      <a:latin typeface="Cambria Math" panose="02040503050406030204" pitchFamily="18" charset="0"/>
+                                    </a:rPr>
+                                    <m:t>𝑡</m:t>
+                                  </m:r>
+                                </m:e>
+                                <m:sup>
+                                  <m:r>
+                                    <a:rPr lang="fr-FR" sz="1200" b="0" i="1" smtClean="0">
+                                      <a:latin typeface="Cambria Math" panose="02040503050406030204" pitchFamily="18" charset="0"/>
+                                    </a:rPr>
+                                    <m:t>𝑓𝑖𝑛</m:t>
+                                  </m:r>
+                                </m:sup>
+                              </m:sSup>
+                            </m:oMath>
+                          </m:oMathPara>
+                        </a14:m>
+                        <a:endParaRPr lang="fr-FR" sz="1200" b="1" dirty="0">
+                          <a:solidFill>
+                            <a:schemeClr val="tx1"/>
+                          </a:solidFill>
+                        </a:endParaRPr>
+                      </a:p>
+                    </p:txBody>
+                  </p:sp>
+                </mc:Choice>
+                <mc:Fallback>
+                  <p:sp>
+                    <p:nvSpPr>
+                      <p:cNvPr id="125" name="Rectangle 124"/>
+                      <p:cNvSpPr>
+                        <a:spLocks noRot="1" noChangeAspect="1" noMove="1" noResize="1" noEditPoints="1" noAdjustHandles="1" noChangeArrowheads="1" noChangeShapeType="1" noTextEdit="1"/>
+                      </p:cNvSpPr>
+                      <p:nvPr/>
+                    </p:nvSpPr>
+                    <p:spPr>
+                      <a:xfrm>
+                        <a:off x="3821206" y="9365130"/>
+                        <a:ext cx="945323" cy="283026"/>
+                      </a:xfrm>
+                      <a:prstGeom prst="rect">
+                        <a:avLst/>
+                      </a:prstGeom>
+                      <a:blipFill>
+                        <a:blip r:embed="rId11"/>
+                        <a:stretch>
+                          <a:fillRect/>
+                        </a:stretch>
+                      </a:blipFill>
+                    </p:spPr>
+                    <p:txBody>
+                      <a:bodyPr/>
+                      <a:lstStyle/>
+                      <a:p>
+                        <a:r>
+                          <a:rPr lang="en-US">
+                            <a:noFill/>
+                          </a:rPr>
+                          <a:t> </a:t>
+                        </a:r>
+                      </a:p>
+                    </p:txBody>
+                  </p:sp>
+                </mc:Fallback>
+              </mc:AlternateContent>
+            </p:grpSp>
+            <p:sp>
+              <p:nvSpPr>
+                <p:cNvPr id="162" name="ZoneTexte 161"/>
+                <p:cNvSpPr txBox="1"/>
+                <p:nvPr/>
+              </p:nvSpPr>
+              <p:spPr>
+                <a:xfrm>
+                  <a:off x="5003121" y="8813722"/>
+                  <a:ext cx="402674" cy="276999"/>
+                </a:xfrm>
+                <a:prstGeom prst="rect">
+                  <a:avLst/>
+                </a:prstGeom>
+                <a:noFill/>
+              </p:spPr>
+              <p:txBody>
+                <a:bodyPr wrap="none" rtlCol="0">
+                  <a:spAutoFit/>
+                </a:bodyPr>
+                <a:lstStyle/>
+                <a:p>
+                  <a:r>
+                    <a:rPr lang="fr-FR" sz="1200" dirty="0" smtClean="0"/>
+                    <a:t>Oui</a:t>
+                  </a:r>
+                  <a:endParaRPr lang="fr-FR" sz="1200" dirty="0"/>
+                </a:p>
+              </p:txBody>
+            </p:sp>
+            <p:cxnSp>
+              <p:nvCxnSpPr>
+                <p:cNvPr id="163" name="Connecteur droit avec flèche 162"/>
+                <p:cNvCxnSpPr/>
+                <p:nvPr/>
+              </p:nvCxnSpPr>
+              <p:spPr>
+                <a:xfrm>
+                  <a:off x="4311010" y="9419061"/>
+                  <a:ext cx="0" cy="161925"/>
+                </a:xfrm>
+                <a:prstGeom prst="straightConnector1">
+                  <a:avLst/>
+                </a:prstGeom>
+                <a:ln w="19050">
+                  <a:tailEnd type="triangle"/>
+                </a:ln>
+              </p:spPr>
+              <p:style>
+                <a:lnRef idx="1">
+                  <a:schemeClr val="dk1"/>
+                </a:lnRef>
+                <a:fillRef idx="0">
+                  <a:schemeClr val="dk1"/>
+                </a:fillRef>
+                <a:effectRef idx="0">
+                  <a:schemeClr val="dk1"/>
+                </a:effectRef>
+                <a:fontRef idx="minor">
+                  <a:schemeClr val="tx1"/>
+                </a:fontRef>
+              </p:style>
+            </p:cxnSp>
+            <p:sp>
+              <p:nvSpPr>
+                <p:cNvPr id="165" name="ZoneTexte 164"/>
+                <p:cNvSpPr txBox="1"/>
+                <p:nvPr/>
+              </p:nvSpPr>
+              <p:spPr>
+                <a:xfrm>
+                  <a:off x="4443776" y="9389571"/>
+                  <a:ext cx="445956" cy="276999"/>
+                </a:xfrm>
+                <a:prstGeom prst="rect">
+                  <a:avLst/>
+                </a:prstGeom>
+                <a:noFill/>
+              </p:spPr>
+              <p:txBody>
+                <a:bodyPr wrap="none" rtlCol="0">
+                  <a:spAutoFit/>
+                </a:bodyPr>
+                <a:lstStyle/>
+                <a:p>
+                  <a:r>
+                    <a:rPr lang="fr-FR" sz="1200" dirty="0" smtClean="0"/>
+                    <a:t>Non</a:t>
+                  </a:r>
+                  <a:endParaRPr lang="fr-FR" sz="1200" dirty="0"/>
+                </a:p>
+              </p:txBody>
+            </p:sp>
+            <mc:AlternateContent xmlns:mc="http://schemas.openxmlformats.org/markup-compatibility/2006">
+              <mc:Choice xmlns:a14="http://schemas.microsoft.com/office/drawing/2010/main" Requires="a14">
+                <p:sp>
+                  <p:nvSpPr>
+                    <p:cNvPr id="167" name="ZoneTexte 166"/>
+                    <p:cNvSpPr txBox="1"/>
+                    <p:nvPr/>
+                  </p:nvSpPr>
+                  <p:spPr>
+                    <a:xfrm>
+                      <a:off x="4101313" y="9580986"/>
+                      <a:ext cx="419394" cy="261610"/>
+                    </a:xfrm>
+                    <a:prstGeom prst="rect">
+                      <a:avLst/>
+                    </a:prstGeom>
+                  </p:spPr>
+                  <p:style>
+                    <a:lnRef idx="2">
+                      <a:schemeClr val="dk1"/>
+                    </a:lnRef>
+                    <a:fillRef idx="1">
+                      <a:schemeClr val="lt1"/>
+                    </a:fillRef>
+                    <a:effectRef idx="0">
+                      <a:schemeClr val="dk1"/>
+                    </a:effectRef>
+                    <a:fontRef idx="minor">
+                      <a:schemeClr val="dk1"/>
+                    </a:fontRef>
+                  </p:style>
+                  <p:txBody>
+                    <a:bodyPr wrap="square" rtlCol="0">
+                      <a:spAutoFit/>
+                    </a:bodyPr>
+                    <a:lstStyle/>
+                    <a:p>
+                      <a:pPr/>
+                      <a14:m>
+                        <m:oMathPara xmlns:m="http://schemas.openxmlformats.org/officeDocument/2006/math">
+                          <m:oMathParaPr>
+                            <m:jc m:val="centerGroup"/>
+                          </m:oMathParaPr>
+                          <m:oMath xmlns:m="http://schemas.openxmlformats.org/officeDocument/2006/math">
+                            <m:r>
+                              <a:rPr lang="fr-FR" sz="1100" b="1" i="1" dirty="0" smtClean="0">
+                                <a:latin typeface="Cambria Math" panose="02040503050406030204" pitchFamily="18" charset="0"/>
+                              </a:rPr>
+                              <m:t>𝑭𝒊𝒏</m:t>
+                            </m:r>
+                          </m:oMath>
+                        </m:oMathPara>
+                      </a14:m>
+                      <a:endParaRPr lang="fr-FR" sz="1100" b="1" dirty="0"/>
+                    </a:p>
+                  </p:txBody>
+                </p:sp>
+              </mc:Choice>
+              <mc:Fallback>
+                <p:sp>
+                  <p:nvSpPr>
+                    <p:cNvPr id="167" name="ZoneTexte 166"/>
+                    <p:cNvSpPr txBox="1">
+                      <a:spLocks noRot="1" noChangeAspect="1" noMove="1" noResize="1" noEditPoints="1" noAdjustHandles="1" noChangeArrowheads="1" noChangeShapeType="1" noTextEdit="1"/>
+                    </p:cNvSpPr>
+                    <p:nvPr/>
+                  </p:nvSpPr>
+                  <p:spPr>
+                    <a:xfrm>
+                      <a:off x="4101313" y="9580986"/>
+                      <a:ext cx="419394" cy="261610"/>
+                    </a:xfrm>
+                    <a:prstGeom prst="rect">
+                      <a:avLst/>
+                    </a:prstGeom>
+                    <a:blipFill>
+                      <a:blip r:embed="rId12"/>
+                      <a:stretch>
+                        <a:fillRect/>
+                      </a:stretch>
+                    </a:blipFill>
+                  </p:spPr>
+                  <p:txBody>
+                    <a:bodyPr/>
+                    <a:lstStyle/>
+                    <a:p>
+                      <a:r>
+                        <a:rPr lang="en-US">
+                          <a:noFill/>
+                        </a:rPr>
+                        <a:t> </a:t>
+                      </a:r>
+                    </a:p>
+                  </p:txBody>
+                </p:sp>
+              </mc:Fallback>
+            </mc:AlternateContent>
+          </p:grpSp>
+        </p:grpSp>
+        <mc:AlternateContent xmlns:mc="http://schemas.openxmlformats.org/markup-compatibility/2006">
+          <mc:Choice xmlns:a14="http://schemas.microsoft.com/office/drawing/2010/main" Requires="a14">
+            <p:sp>
+              <p:nvSpPr>
+                <p:cNvPr id="58" name="ZoneTexte 57"/>
+                <p:cNvSpPr txBox="1"/>
+                <p:nvPr/>
+              </p:nvSpPr>
+              <p:spPr>
+                <a:xfrm>
+                  <a:off x="2583793" y="8628971"/>
+                  <a:ext cx="4408648" cy="277192"/>
+                </a:xfrm>
+                <a:prstGeom prst="rect">
+                  <a:avLst/>
+                </a:prstGeom>
+              </p:spPr>
+              <p:style>
+                <a:lnRef idx="2">
+                  <a:schemeClr val="dk1"/>
+                </a:lnRef>
+                <a:fillRef idx="1">
+                  <a:schemeClr val="lt1"/>
+                </a:fillRef>
+                <a:effectRef idx="0">
+                  <a:schemeClr val="dk1"/>
+                </a:effectRef>
+                <a:fontRef idx="minor">
+                  <a:schemeClr val="dk1"/>
+                </a:fontRef>
+              </p:style>
+              <p:txBody>
+                <a:bodyPr wrap="square" rtlCol="0">
+                  <a:spAutoFit/>
+                </a:bodyPr>
+                <a:lstStyle/>
+                <a:p>
+                  <a:pPr algn="ctr"/>
+                  <a14:m>
+                    <m:oMath xmlns:m="http://schemas.openxmlformats.org/officeDocument/2006/math">
+                      <m:sSubSup>
+                        <m:sSubSupPr>
+                          <m:ctrlPr>
+                            <a:rPr lang="fr-FR" sz="1100" b="1" i="1" smtClean="0">
+                              <a:latin typeface="Cambria Math" panose="02040503050406030204" pitchFamily="18" charset="0"/>
+                            </a:rPr>
+                          </m:ctrlPr>
+                        </m:sSubSupPr>
+                        <m:e>
+                          <m:r>
+                            <a:rPr lang="fr-FR" sz="1100" b="1" i="1" smtClean="0">
+                              <a:latin typeface="Cambria Math" panose="02040503050406030204" pitchFamily="18" charset="0"/>
+                            </a:rPr>
+                            <m:t>𝑼</m:t>
+                          </m:r>
+                        </m:e>
+                        <m:sub>
+                          <m:r>
+                            <a:rPr lang="fr-FR" sz="1100" b="1" i="1" smtClean="0">
+                              <a:latin typeface="Cambria Math" panose="02040503050406030204" pitchFamily="18" charset="0"/>
+                            </a:rPr>
+                            <m:t>𝒕𝒉</m:t>
+                          </m:r>
+                          <m:r>
+                            <a:rPr lang="fr-FR" sz="1100" b="1" i="1" smtClean="0">
+                              <a:latin typeface="Cambria Math" panose="02040503050406030204" pitchFamily="18" charset="0"/>
+                            </a:rPr>
+                            <m:t>𝒆𝒓</m:t>
+                          </m:r>
+                        </m:sub>
+                        <m:sup>
+                          <m:r>
+                            <a:rPr lang="fr-FR" sz="1100" b="1" i="1" smtClean="0">
+                              <a:latin typeface="Cambria Math" panose="02040503050406030204" pitchFamily="18" charset="0"/>
+                            </a:rPr>
+                            <m:t>𝒊</m:t>
+                          </m:r>
+                          <m:r>
+                            <a:rPr lang="fr-FR" sz="1100" b="1" i="1" smtClean="0">
+                              <a:latin typeface="Cambria Math" panose="02040503050406030204" pitchFamily="18" charset="0"/>
+                            </a:rPr>
+                            <m:t>+</m:t>
+                          </m:r>
+                          <m:r>
+                            <a:rPr lang="fr-FR" sz="1100" b="1" i="1" smtClean="0">
+                              <a:latin typeface="Cambria Math" panose="02040503050406030204" pitchFamily="18" charset="0"/>
+                            </a:rPr>
+                            <m:t>𝟏</m:t>
+                          </m:r>
+                        </m:sup>
+                      </m:sSubSup>
+                    </m:oMath>
+                  </a14:m>
+                  <a:r>
+                    <a:rPr lang="fr-FR" sz="1100" dirty="0" smtClean="0"/>
+                    <a:t> = </a:t>
+                  </a:r>
+                  <a:r>
+                    <a:rPr lang="fr-FR" sz="1100" dirty="0" smtClean="0"/>
+                    <a:t>modèle du balourd thermique (</a:t>
+                  </a:r>
+                  <a14:m>
+                    <m:oMath xmlns:m="http://schemas.openxmlformats.org/officeDocument/2006/math">
+                      <m:sSubSup>
+                        <m:sSubSupPr>
+                          <m:ctrlPr>
+                            <a:rPr lang="fr-FR" sz="1100" b="1" i="1">
+                              <a:latin typeface="Cambria Math" panose="02040503050406030204" pitchFamily="18" charset="0"/>
+                            </a:rPr>
+                          </m:ctrlPr>
+                        </m:sSubSupPr>
+                        <m:e>
+                          <m:r>
+                            <a:rPr lang="fr-FR" sz="1100" b="1" i="1">
+                              <a:latin typeface="Cambria Math" panose="02040503050406030204" pitchFamily="18" charset="0"/>
+                            </a:rPr>
+                            <m:t>𝒒</m:t>
+                          </m:r>
+                        </m:e>
+                        <m:sub>
+                          <m:r>
+                            <a:rPr lang="fr-FR" sz="1100" b="1" i="1">
+                              <a:latin typeface="Cambria Math" panose="02040503050406030204" pitchFamily="18" charset="0"/>
+                            </a:rPr>
+                            <m:t>𝒕𝒉</m:t>
+                          </m:r>
+                        </m:sub>
+                        <m:sup>
+                          <m:r>
+                            <a:rPr lang="fr-FR" sz="1100" b="1" i="1">
+                              <a:latin typeface="Cambria Math" panose="02040503050406030204" pitchFamily="18" charset="0"/>
+                            </a:rPr>
+                            <m:t>𝒊</m:t>
+                          </m:r>
+                          <m:r>
+                            <a:rPr lang="fr-FR" sz="1100" b="1" i="1">
+                              <a:latin typeface="Cambria Math" panose="02040503050406030204" pitchFamily="18" charset="0"/>
+                            </a:rPr>
+                            <m:t>+</m:t>
+                          </m:r>
+                          <m:r>
+                            <a:rPr lang="fr-FR" sz="1100" b="1" i="1">
+                              <a:latin typeface="Cambria Math" panose="02040503050406030204" pitchFamily="18" charset="0"/>
+                            </a:rPr>
+                            <m:t>𝟏</m:t>
+                          </m:r>
+                        </m:sup>
+                      </m:sSubSup>
+                    </m:oMath>
+                  </a14:m>
+                  <a:r>
+                    <a:rPr lang="fr-FR" sz="1100" dirty="0" smtClean="0"/>
+                    <a:t>)</a:t>
+                  </a:r>
+                  <a:endParaRPr lang="fr-FR" sz="1100" dirty="0" smtClean="0"/>
+                </a:p>
+              </p:txBody>
+            </p:sp>
+          </mc:Choice>
+          <mc:Fallback>
+            <p:sp>
+              <p:nvSpPr>
+                <p:cNvPr id="58" name="ZoneTexte 57"/>
+                <p:cNvSpPr txBox="1">
+                  <a:spLocks noRot="1" noChangeAspect="1" noMove="1" noResize="1" noEditPoints="1" noAdjustHandles="1" noChangeArrowheads="1" noChangeShapeType="1" noTextEdit="1"/>
+                </p:cNvSpPr>
+                <p:nvPr/>
+              </p:nvSpPr>
+              <p:spPr>
+                <a:xfrm>
+                  <a:off x="2583793" y="8628971"/>
+                  <a:ext cx="4408648" cy="277192"/>
+                </a:xfrm>
+                <a:prstGeom prst="rect">
+                  <a:avLst/>
+                </a:prstGeom>
+                <a:blipFill>
+                  <a:blip r:embed="rId13"/>
+                  <a:stretch>
+                    <a:fillRect b="-12766"/>
+                  </a:stretch>
+                </a:blipFill>
+              </p:spPr>
+              <p:txBody>
+                <a:bodyPr/>
+                <a:lstStyle/>
+                <a:p>
+                  <a:r>
+                    <a:rPr lang="en-US">
+                      <a:noFill/>
+                    </a:rPr>
+                    <a:t> </a:t>
+                  </a:r>
+                </a:p>
+              </p:txBody>
+            </p:sp>
+          </mc:Fallback>
+        </mc:AlternateContent>
+        <p:cxnSp>
+          <p:nvCxnSpPr>
+            <p:cNvPr id="60" name="Connecteur droit avec flèche 59"/>
+            <p:cNvCxnSpPr>
+              <a:stCxn id="119" idx="2"/>
+              <a:endCxn id="58" idx="0"/>
+            </p:cNvCxnSpPr>
+            <p:nvPr/>
+          </p:nvCxnSpPr>
+          <p:spPr>
+            <a:xfrm flipH="1">
+              <a:off x="4788117" y="8367953"/>
+              <a:ext cx="1051" cy="261018"/>
+            </a:xfrm>
+            <a:prstGeom prst="straightConnector1">
+              <a:avLst/>
+            </a:prstGeom>
+            <a:ln w="19050">
+              <a:tailEnd type="triangle"/>
+            </a:ln>
+          </p:spPr>
+          <p:style>
+            <a:lnRef idx="1">
+              <a:schemeClr val="dk1"/>
+            </a:lnRef>
+            <a:fillRef idx="0">
+              <a:schemeClr val="dk1"/>
+            </a:fillRef>
+            <a:effectRef idx="0">
+              <a:schemeClr val="dk1"/>
+            </a:effectRef>
+            <a:fontRef idx="minor">
+              <a:schemeClr val="tx1"/>
+            </a:fontRef>
+          </p:style>
+        </p:cxnSp>
+      </p:grpSp>
+    </p:spTree>
+    <p:extLst>
+      <p:ext uri="{BB962C8B-B14F-4D97-AF65-F5344CB8AC3E}">
+        <p14:creationId xmlns:p14="http://schemas.microsoft.com/office/powerpoint/2010/main" val="450544841"/>
+      </p:ext>
+    </p:extLst>
+  </p:cSld>
+  <p:clrMapOvr>
+    <a:masterClrMapping/>
+  </p:clrMapOvr>
+  <p:timing>
+    <p:tnLst>
+      <p:par>
+        <p:cTn id="1" dur="indefinite" restart="never" nodeType="tmRoot"/>
+      </p:par>
+    </p:tnLst>
+  </p:timing>
+</p:sld>
+</file>
+
+<file path=ppt/slides/slide5.xml><?xml version="1.0" encoding="utf-8"?>
+<p:sld xmlns:a="http://schemas.openxmlformats.org/drawingml/2006/main" xmlns:r="http://schemas.openxmlformats.org/officeDocument/2006/relationships" xmlns:p="http://schemas.openxmlformats.org/presentationml/2006/main">
+  <p:cSld>
+    <p:spTree>
+      <p:nvGrpSpPr>
+        <p:cNvPr id="1" name=""/>
+        <p:cNvGrpSpPr/>
+        <p:nvPr/>
+      </p:nvGrpSpPr>
+      <p:grpSpPr>
+        <a:xfrm>
+          <a:off x="0" y="0"/>
+          <a:ext cx="0" cy="0"/>
+          <a:chOff x="0" y="0"/>
+          <a:chExt cx="0" cy="0"/>
+        </a:xfrm>
+      </p:grpSpPr>
+      <p:grpSp>
+        <p:nvGrpSpPr>
+          <p:cNvPr id="61" name="Groupe 60"/>
+          <p:cNvGrpSpPr/>
+          <p:nvPr/>
+        </p:nvGrpSpPr>
+        <p:grpSpPr>
+          <a:xfrm>
+            <a:off x="957943" y="2894920"/>
+            <a:ext cx="7953828" cy="7179451"/>
+            <a:chOff x="957943" y="2894920"/>
+            <a:chExt cx="7953828" cy="7179451"/>
+          </a:xfrm>
+        </p:grpSpPr>
+        <p:grpSp>
+          <p:nvGrpSpPr>
+            <p:cNvPr id="4" name="Groupe 3"/>
+            <p:cNvGrpSpPr/>
+            <p:nvPr/>
+          </p:nvGrpSpPr>
+          <p:grpSpPr>
+            <a:xfrm>
+              <a:off x="1092198" y="2894920"/>
+              <a:ext cx="7681829" cy="7179451"/>
+              <a:chOff x="1022348" y="2844120"/>
+              <a:chExt cx="7681829" cy="7179451"/>
+            </a:xfrm>
+          </p:grpSpPr>
+          <p:grpSp>
+            <p:nvGrpSpPr>
+              <p:cNvPr id="5" name="Groupe 4"/>
+              <p:cNvGrpSpPr/>
+              <p:nvPr/>
+            </p:nvGrpSpPr>
+            <p:grpSpPr>
+              <a:xfrm>
+                <a:off x="1022348" y="2844120"/>
+                <a:ext cx="7681829" cy="7179451"/>
+                <a:chOff x="527048" y="2663145"/>
+                <a:chExt cx="7681829" cy="7179451"/>
+              </a:xfrm>
+            </p:grpSpPr>
+            <p:cxnSp>
+              <p:nvCxnSpPr>
+                <p:cNvPr id="8" name="Connecteur droit avec flèche 7"/>
+                <p:cNvCxnSpPr/>
+                <p:nvPr/>
+              </p:nvCxnSpPr>
+              <p:spPr>
+                <a:xfrm flipV="1">
+                  <a:off x="4025900" y="4266430"/>
+                  <a:ext cx="352425" cy="4041"/>
+                </a:xfrm>
+                <a:prstGeom prst="straightConnector1">
+                  <a:avLst/>
+                </a:prstGeom>
+                <a:ln>
+                  <a:headEnd type="triangle"/>
+                  <a:tailEnd type="triangle"/>
+                </a:ln>
+              </p:spPr>
+              <p:style>
+                <a:lnRef idx="1">
+                  <a:schemeClr val="dk1"/>
+                </a:lnRef>
+                <a:fillRef idx="0">
+                  <a:schemeClr val="dk1"/>
+                </a:fillRef>
+                <a:effectRef idx="0">
+                  <a:schemeClr val="dk1"/>
+                </a:effectRef>
+                <a:fontRef idx="minor">
+                  <a:schemeClr val="tx1"/>
+                </a:fontRef>
+              </p:style>
+            </p:cxnSp>
+            <p:sp>
+              <p:nvSpPr>
+                <p:cNvPr id="9" name="Losange 8"/>
+                <p:cNvSpPr/>
+                <p:nvPr/>
+              </p:nvSpPr>
+              <p:spPr>
+                <a:xfrm>
+                  <a:off x="1257300" y="5325890"/>
+                  <a:ext cx="2247900" cy="831069"/>
+                </a:xfrm>
+                <a:prstGeom prst="diamond">
+                  <a:avLst/>
+                </a:prstGeom>
+                <a:solidFill>
+                  <a:schemeClr val="bg1"/>
+                </a:solidFill>
+                <a:ln>
+                  <a:solidFill>
+                    <a:schemeClr val="tx1"/>
+                  </a:solidFill>
+                </a:ln>
+              </p:spPr>
+              <p:style>
+                <a:lnRef idx="2">
+                  <a:schemeClr val="accent1">
+                    <a:shade val="50000"/>
+                  </a:schemeClr>
+                </a:lnRef>
+                <a:fillRef idx="1">
+                  <a:schemeClr val="accent1"/>
+                </a:fillRef>
+                <a:effectRef idx="0">
+                  <a:schemeClr val="accent1"/>
+                </a:effectRef>
+                <a:fontRef idx="minor">
+                  <a:schemeClr val="lt1"/>
+                </a:fontRef>
+              </p:style>
+              <p:txBody>
+                <a:bodyPr rtlCol="0" anchor="ctr"/>
+                <a:lstStyle/>
+                <a:p>
+                  <a:pPr algn="ctr"/>
+                  <a:endParaRPr lang="fr-FR" sz="1100" dirty="0">
+                    <a:solidFill>
+                      <a:schemeClr val="tx1"/>
+                    </a:solidFill>
+                  </a:endParaRPr>
+                </a:p>
+              </p:txBody>
+            </p:sp>
+            <p:sp>
+              <p:nvSpPr>
+                <p:cNvPr id="10" name="Rectangle 9"/>
+                <p:cNvSpPr/>
+                <p:nvPr/>
+              </p:nvSpPr>
+              <p:spPr>
+                <a:xfrm>
+                  <a:off x="1556516" y="5496816"/>
+                  <a:ext cx="1618521" cy="461665"/>
+                </a:xfrm>
+                <a:prstGeom prst="rect">
+                  <a:avLst/>
+                </a:prstGeom>
+              </p:spPr>
+              <p:txBody>
+                <a:bodyPr wrap="none">
+                  <a:spAutoFit/>
+                </a:bodyPr>
+                <a:lstStyle/>
+                <a:p>
+                  <a:pPr algn="ctr"/>
+                  <a:r>
+                    <a:rPr lang="fr-FR" sz="1200" dirty="0" smtClean="0">
+                      <a:solidFill>
+                        <a:schemeClr val="tx1"/>
+                      </a:solidFill>
+                    </a:rPr>
+                    <a:t>Orbite périodique </a:t>
+                  </a:r>
+                  <a:br>
+                    <a:rPr lang="fr-FR" sz="1200" dirty="0" smtClean="0">
+                      <a:solidFill>
+                        <a:schemeClr val="tx1"/>
+                      </a:solidFill>
+                    </a:rPr>
+                  </a:br>
+                  <a:r>
+                    <a:rPr lang="fr-FR" sz="1200" dirty="0" smtClean="0">
+                      <a:solidFill>
+                        <a:schemeClr val="tx1"/>
+                      </a:solidFill>
+                    </a:rPr>
+                    <a:t>(méthode de shooting)</a:t>
+                  </a:r>
+                  <a:endParaRPr lang="fr-FR" sz="1200" dirty="0">
+                    <a:solidFill>
+                      <a:schemeClr val="tx1"/>
+                    </a:solidFill>
+                  </a:endParaRPr>
+                </a:p>
+              </p:txBody>
+            </p:sp>
+            <mc:AlternateContent xmlns:mc="http://schemas.openxmlformats.org/markup-compatibility/2006">
+              <mc:Choice xmlns:a14="http://schemas.microsoft.com/office/drawing/2010/main" Requires="a14">
+                <p:sp>
+                  <p:nvSpPr>
+                    <p:cNvPr id="11" name="ZoneTexte 10"/>
+                    <p:cNvSpPr txBox="1"/>
+                    <p:nvPr/>
+                  </p:nvSpPr>
+                  <p:spPr>
+                    <a:xfrm>
+                      <a:off x="861361" y="2663145"/>
+                      <a:ext cx="6044263" cy="286104"/>
+                    </a:xfrm>
+                    <a:prstGeom prst="rect">
+                      <a:avLst/>
+                    </a:prstGeom>
+                  </p:spPr>
+                  <p:style>
+                    <a:lnRef idx="2">
+                      <a:schemeClr val="dk1"/>
+                    </a:lnRef>
+                    <a:fillRef idx="1">
+                      <a:schemeClr val="lt1"/>
+                    </a:fillRef>
+                    <a:effectRef idx="0">
+                      <a:schemeClr val="dk1"/>
+                    </a:effectRef>
+                    <a:fontRef idx="minor">
+                      <a:schemeClr val="dk1"/>
+                    </a:fontRef>
+                  </p:style>
+                  <p:txBody>
+                    <a:bodyPr wrap="square" rtlCol="0">
+                      <a:spAutoFit/>
+                    </a:bodyPr>
+                    <a:lstStyle/>
+                    <a:p>
+                      <a:pPr/>
+                      <a14:m>
+                        <m:oMathPara xmlns:m="http://schemas.openxmlformats.org/officeDocument/2006/math">
+                          <m:oMathParaPr>
+                            <m:jc m:val="centerGroup"/>
+                          </m:oMathParaPr>
+                          <m:oMath xmlns:m="http://schemas.openxmlformats.org/officeDocument/2006/math">
+                            <m:sSub>
+                              <m:sSubPr>
+                                <m:ctrlPr>
+                                  <a:rPr lang="fr-FR" sz="1050" b="1" i="1" smtClean="0">
+                                    <a:latin typeface="Cambria Math" panose="02040503050406030204" pitchFamily="18" charset="0"/>
+                                  </a:rPr>
+                                </m:ctrlPr>
+                              </m:sSubPr>
+                              <m:e>
+                                <m:r>
+                                  <a:rPr lang="fr-FR" sz="1050" b="1" i="1" smtClean="0">
+                                    <a:latin typeface="Cambria Math" panose="02040503050406030204" pitchFamily="18" charset="0"/>
+                                  </a:rPr>
+                                  <m:t>𝑼</m:t>
+                                </m:r>
+                              </m:e>
+                              <m:sub>
+                                <m:r>
+                                  <a:rPr lang="fr-FR" sz="1050" b="1" i="1" smtClean="0">
+                                    <a:latin typeface="Cambria Math" panose="02040503050406030204" pitchFamily="18" charset="0"/>
+                                  </a:rPr>
+                                  <m:t>𝒎</m:t>
+                                </m:r>
+                              </m:sub>
+                            </m:sSub>
+                            <m:r>
+                              <a:rPr lang="fr-FR" sz="1050" b="1" i="1" smtClean="0">
+                                <a:latin typeface="Cambria Math" panose="02040503050406030204" pitchFamily="18" charset="0"/>
+                              </a:rPr>
+                              <m:t>, </m:t>
+                            </m:r>
+                            <m:sSup>
+                              <m:sSupPr>
+                                <m:ctrlPr>
+                                  <a:rPr lang="fr-FR" sz="1050" b="1" i="1" smtClean="0">
+                                    <a:latin typeface="Cambria Math" panose="02040503050406030204" pitchFamily="18" charset="0"/>
+                                  </a:rPr>
+                                </m:ctrlPr>
+                              </m:sSupPr>
+                              <m:e>
+                                <m:r>
+                                  <a:rPr lang="fr-FR" sz="1050" b="1" i="1" smtClean="0">
+                                    <a:latin typeface="Cambria Math" panose="02040503050406030204" pitchFamily="18" charset="0"/>
+                                  </a:rPr>
+                                  <m:t>𝒒</m:t>
+                                </m:r>
+                              </m:e>
+                              <m:sup>
+                                <m:r>
+                                  <a:rPr lang="fr-FR" sz="1050" b="1" i="1" smtClean="0">
+                                    <a:latin typeface="Cambria Math" panose="02040503050406030204" pitchFamily="18" charset="0"/>
+                                  </a:rPr>
+                                  <m:t>𝟎</m:t>
+                                </m:r>
+                              </m:sup>
+                            </m:sSup>
+                            <m:r>
+                              <a:rPr lang="fr-FR" sz="1050" b="1" i="1" smtClean="0">
+                                <a:latin typeface="Cambria Math" panose="02040503050406030204" pitchFamily="18" charset="0"/>
+                              </a:rPr>
+                              <m:t>, </m:t>
+                            </m:r>
+                            <m:sSup>
+                              <m:sSupPr>
+                                <m:ctrlPr>
+                                  <a:rPr lang="fr-FR" sz="1050" b="1" i="1" smtClean="0">
+                                    <a:latin typeface="Cambria Math" panose="02040503050406030204" pitchFamily="18" charset="0"/>
+                                  </a:rPr>
+                                </m:ctrlPr>
+                              </m:sSupPr>
+                              <m:e>
+                                <m:acc>
+                                  <m:accPr>
+                                    <m:chr m:val="̇"/>
+                                    <m:ctrlPr>
+                                      <a:rPr lang="fr-FR" sz="1050" b="1" i="1" smtClean="0">
+                                        <a:latin typeface="Cambria Math" panose="02040503050406030204" pitchFamily="18" charset="0"/>
+                                      </a:rPr>
+                                    </m:ctrlPr>
+                                  </m:accPr>
+                                  <m:e>
+                                    <m:r>
+                                      <a:rPr lang="fr-FR" sz="1050" b="1" i="1" smtClean="0">
+                                        <a:latin typeface="Cambria Math" panose="02040503050406030204" pitchFamily="18" charset="0"/>
+                                      </a:rPr>
+                                      <m:t>𝒒</m:t>
+                                    </m:r>
+                                  </m:e>
+                                </m:acc>
+                              </m:e>
+                              <m:sup>
+                                <m:r>
+                                  <a:rPr lang="fr-FR" sz="1050" b="1" i="1" smtClean="0">
+                                    <a:latin typeface="Cambria Math" panose="02040503050406030204" pitchFamily="18" charset="0"/>
+                                  </a:rPr>
+                                  <m:t>𝟎</m:t>
+                                </m:r>
+                              </m:sup>
+                            </m:sSup>
+                            <m:r>
+                              <a:rPr lang="fr-FR" sz="1050" b="0" i="1" smtClean="0">
+                                <a:latin typeface="Cambria Math" panose="02040503050406030204" pitchFamily="18" charset="0"/>
+                              </a:rPr>
+                              <m:t> ,</m:t>
+                            </m:r>
+                            <m:sSubSup>
+                              <m:sSubSupPr>
+                                <m:ctrlPr>
+                                  <a:rPr lang="fr-FR" sz="1100" b="0" i="1" smtClean="0">
+                                    <a:latin typeface="Cambria Math" panose="02040503050406030204" pitchFamily="18" charset="0"/>
+                                  </a:rPr>
+                                </m:ctrlPr>
+                              </m:sSubSupPr>
+                              <m:e>
+                                <m:r>
+                                  <a:rPr lang="fr-FR" sz="1100" b="0" i="1" smtClean="0">
+                                    <a:latin typeface="Cambria Math" panose="02040503050406030204" pitchFamily="18" charset="0"/>
+                                  </a:rPr>
+                                  <m:t>𝑇</m:t>
+                                </m:r>
+                              </m:e>
+                              <m:sub>
+                                <m:r>
+                                  <a:rPr lang="fr-FR" sz="1100" b="0" i="1" smtClean="0">
+                                    <a:latin typeface="Cambria Math" panose="02040503050406030204" pitchFamily="18" charset="0"/>
+                                  </a:rPr>
+                                  <m:t>𝑟𝑜𝑡𝑜𝑟</m:t>
+                                </m:r>
+                              </m:sub>
+                              <m:sup>
+                                <m:r>
+                                  <a:rPr lang="fr-FR" sz="1100" b="0" i="1" smtClean="0">
+                                    <a:latin typeface="Cambria Math" panose="02040503050406030204" pitchFamily="18" charset="0"/>
+                                  </a:rPr>
+                                  <m:t>0</m:t>
+                                </m:r>
+                              </m:sup>
+                            </m:sSubSup>
+                            <m:r>
+                              <a:rPr lang="fr-FR" sz="1100" b="0" i="1" smtClean="0">
+                                <a:latin typeface="Cambria Math" panose="02040503050406030204" pitchFamily="18" charset="0"/>
+                              </a:rPr>
+                              <m:t>,</m:t>
+                            </m:r>
+                            <m:sSubSup>
+                              <m:sSubSupPr>
+                                <m:ctrlPr>
+                                  <a:rPr lang="fr-FR" sz="1100" b="0" i="1" smtClean="0">
+                                    <a:latin typeface="Cambria Math" panose="02040503050406030204" pitchFamily="18" charset="0"/>
+                                  </a:rPr>
+                                </m:ctrlPr>
+                              </m:sSubSupPr>
+                              <m:e>
+                                <m:r>
+                                  <a:rPr lang="fr-FR" sz="1100" b="0" i="1" smtClean="0">
+                                    <a:latin typeface="Cambria Math" panose="02040503050406030204" pitchFamily="18" charset="0"/>
+                                  </a:rPr>
+                                  <m:t>𝑇</m:t>
+                                </m:r>
+                              </m:e>
+                              <m:sub>
+                                <m:r>
+                                  <a:rPr lang="fr-FR" sz="1100" b="0" i="1" smtClean="0">
+                                    <a:latin typeface="Cambria Math" panose="02040503050406030204" pitchFamily="18" charset="0"/>
+                                  </a:rPr>
+                                  <m:t>𝑝𝑎𝑑</m:t>
+                                </m:r>
+                              </m:sub>
+                              <m:sup>
+                                <m:r>
+                                  <a:rPr lang="fr-FR" sz="1100" b="0" i="1" smtClean="0">
+                                    <a:latin typeface="Cambria Math" panose="02040503050406030204" pitchFamily="18" charset="0"/>
+                                  </a:rPr>
+                                  <m:t>0</m:t>
+                                </m:r>
+                              </m:sup>
+                            </m:sSubSup>
+                          </m:oMath>
+                        </m:oMathPara>
+                      </a14:m>
+                      <a:endParaRPr lang="fr-FR" sz="1100" dirty="0"/>
+                    </a:p>
+                  </p:txBody>
+                </p:sp>
+              </mc:Choice>
+              <mc:Fallback>
+                <p:sp>
+                  <p:nvSpPr>
+                    <p:cNvPr id="11" name="ZoneTexte 10"/>
+                    <p:cNvSpPr txBox="1">
+                      <a:spLocks noRot="1" noChangeAspect="1" noMove="1" noResize="1" noEditPoints="1" noAdjustHandles="1" noChangeArrowheads="1" noChangeShapeType="1" noTextEdit="1"/>
+                    </p:cNvSpPr>
+                    <p:nvPr/>
+                  </p:nvSpPr>
+                  <p:spPr>
+                    <a:xfrm>
+                      <a:off x="861361" y="2663145"/>
+                      <a:ext cx="6044263" cy="286104"/>
+                    </a:xfrm>
+                    <a:prstGeom prst="rect">
+                      <a:avLst/>
+                    </a:prstGeom>
+                    <a:blipFill>
+                      <a:blip r:embed="rId2"/>
+                      <a:stretch>
+                        <a:fillRect/>
+                      </a:stretch>
+                    </a:blipFill>
+                  </p:spPr>
+                  <p:txBody>
+                    <a:bodyPr/>
+                    <a:lstStyle/>
+                    <a:p>
+                      <a:r>
+                        <a:rPr lang="en-US">
+                          <a:noFill/>
+                        </a:rPr>
+                        <a:t> </a:t>
+                      </a:r>
+                    </a:p>
+                  </p:txBody>
+                </p:sp>
+              </mc:Fallback>
+            </mc:AlternateContent>
+            <p:grpSp>
+              <p:nvGrpSpPr>
+                <p:cNvPr id="12" name="Groupe 11"/>
+                <p:cNvGrpSpPr/>
+                <p:nvPr/>
+              </p:nvGrpSpPr>
+              <p:grpSpPr>
+                <a:xfrm>
+                  <a:off x="527048" y="3463916"/>
+                  <a:ext cx="1857376" cy="2277508"/>
+                  <a:chOff x="352424" y="3488518"/>
+                  <a:chExt cx="2032001" cy="2114981"/>
+                </a:xfrm>
+              </p:grpSpPr>
+              <p:cxnSp>
+                <p:nvCxnSpPr>
+                  <p:cNvPr id="52" name="Connecteur droit 51"/>
+                  <p:cNvCxnSpPr>
+                    <a:stCxn id="9" idx="1"/>
+                  </p:cNvCxnSpPr>
+                  <p:nvPr/>
+                </p:nvCxnSpPr>
+                <p:spPr>
+                  <a:xfrm flipH="1" flipV="1">
+                    <a:off x="352424" y="5600188"/>
+                    <a:ext cx="798908" cy="3311"/>
+                  </a:xfrm>
+                  <a:prstGeom prst="line">
+                    <a:avLst/>
+                  </a:prstGeom>
+                  <a:ln w="19050"/>
+                </p:spPr>
+                <p:style>
+                  <a:lnRef idx="1">
+                    <a:schemeClr val="dk1"/>
+                  </a:lnRef>
+                  <a:fillRef idx="0">
+                    <a:schemeClr val="dk1"/>
+                  </a:fillRef>
+                  <a:effectRef idx="0">
+                    <a:schemeClr val="dk1"/>
+                  </a:effectRef>
+                  <a:fontRef idx="minor">
+                    <a:schemeClr val="tx1"/>
+                  </a:fontRef>
+                </p:style>
+              </p:cxnSp>
+              <p:cxnSp>
+                <p:nvCxnSpPr>
+                  <p:cNvPr id="53" name="Connecteur droit 52"/>
+                  <p:cNvCxnSpPr/>
+                  <p:nvPr/>
+                </p:nvCxnSpPr>
+                <p:spPr>
+                  <a:xfrm>
+                    <a:off x="352425" y="3488518"/>
+                    <a:ext cx="0" cy="2111670"/>
+                  </a:xfrm>
+                  <a:prstGeom prst="line">
+                    <a:avLst/>
+                  </a:prstGeom>
+                  <a:ln w="19050"/>
+                </p:spPr>
+                <p:style>
+                  <a:lnRef idx="1">
+                    <a:schemeClr val="dk1"/>
+                  </a:lnRef>
+                  <a:fillRef idx="0">
+                    <a:schemeClr val="dk1"/>
+                  </a:fillRef>
+                  <a:effectRef idx="0">
+                    <a:schemeClr val="dk1"/>
+                  </a:effectRef>
+                  <a:fontRef idx="minor">
+                    <a:schemeClr val="tx1"/>
+                  </a:fontRef>
+                </p:style>
+              </p:cxnSp>
+              <p:cxnSp>
+                <p:nvCxnSpPr>
+                  <p:cNvPr id="54" name="Connecteur droit avec flèche 53"/>
+                  <p:cNvCxnSpPr/>
+                  <p:nvPr/>
+                </p:nvCxnSpPr>
+                <p:spPr>
+                  <a:xfrm>
+                    <a:off x="352425" y="3488518"/>
+                    <a:ext cx="2032000" cy="0"/>
+                  </a:xfrm>
+                  <a:prstGeom prst="straightConnector1">
+                    <a:avLst/>
+                  </a:prstGeom>
+                  <a:ln w="19050">
+                    <a:tailEnd type="triangle"/>
+                  </a:ln>
+                </p:spPr>
+                <p:style>
+                  <a:lnRef idx="1">
+                    <a:schemeClr val="dk1"/>
+                  </a:lnRef>
+                  <a:fillRef idx="0">
+                    <a:schemeClr val="dk1"/>
+                  </a:fillRef>
+                  <a:effectRef idx="0">
+                    <a:schemeClr val="dk1"/>
+                  </a:effectRef>
+                  <a:fontRef idx="minor">
+                    <a:schemeClr val="tx1"/>
+                  </a:fontRef>
+                </p:style>
+              </p:cxnSp>
+            </p:grpSp>
+            <p:sp>
+              <p:nvSpPr>
+                <p:cNvPr id="13" name="ZoneTexte 12"/>
+                <p:cNvSpPr txBox="1"/>
+                <p:nvPr/>
+              </p:nvSpPr>
+              <p:spPr>
+                <a:xfrm>
+                  <a:off x="999444" y="5485995"/>
+                  <a:ext cx="445956" cy="276999"/>
+                </a:xfrm>
+                <a:prstGeom prst="rect">
+                  <a:avLst/>
+                </a:prstGeom>
+                <a:noFill/>
+              </p:spPr>
+              <p:txBody>
+                <a:bodyPr wrap="none" rtlCol="0">
+                  <a:spAutoFit/>
+                </a:bodyPr>
+                <a:lstStyle/>
+                <a:p>
+                  <a:r>
+                    <a:rPr lang="fr-FR" sz="1200" dirty="0" smtClean="0"/>
+                    <a:t>Non</a:t>
+                  </a:r>
+                  <a:endParaRPr lang="fr-FR" sz="1200" dirty="0"/>
+                </a:p>
+              </p:txBody>
+            </p:sp>
+            <p:grpSp>
+              <p:nvGrpSpPr>
+                <p:cNvPr id="14" name="Groupe 13"/>
+                <p:cNvGrpSpPr/>
+                <p:nvPr/>
+              </p:nvGrpSpPr>
+              <p:grpSpPr>
+                <a:xfrm>
+                  <a:off x="742948" y="3576130"/>
+                  <a:ext cx="7113504" cy="1513796"/>
+                  <a:chOff x="742948" y="3576130"/>
+                  <a:chExt cx="7113504" cy="1513796"/>
+                </a:xfrm>
+              </p:grpSpPr>
+              <mc:AlternateContent xmlns:mc="http://schemas.openxmlformats.org/markup-compatibility/2006">
+                <mc:Choice xmlns:a14="http://schemas.microsoft.com/office/drawing/2010/main" Requires="a14">
+                  <p:sp>
+                    <p:nvSpPr>
+                      <p:cNvPr id="46" name="ZoneTexte 45"/>
+                      <p:cNvSpPr txBox="1"/>
+                      <p:nvPr/>
+                    </p:nvSpPr>
+                    <p:spPr>
+                      <a:xfrm>
+                        <a:off x="742950" y="4129918"/>
+                        <a:ext cx="3282950" cy="274947"/>
+                      </a:xfrm>
+                      <a:prstGeom prst="rect">
+                        <a:avLst/>
+                      </a:prstGeom>
+                    </p:spPr>
+                    <p:style>
+                      <a:lnRef idx="2">
+                        <a:schemeClr val="dk1"/>
+                      </a:lnRef>
+                      <a:fillRef idx="1">
+                        <a:schemeClr val="lt1"/>
+                      </a:fillRef>
+                      <a:effectRef idx="0">
+                        <a:schemeClr val="dk1"/>
+                      </a:effectRef>
+                      <a:fontRef idx="minor">
+                        <a:schemeClr val="dk1"/>
+                      </a:fontRef>
+                    </p:style>
+                    <p:txBody>
+                      <a:bodyPr wrap="square" rtlCol="0">
+                        <a:spAutoFit/>
+                      </a:bodyPr>
+                      <a:lstStyle/>
+                      <a:p>
+                        <a14:m>
+                          <m:oMath xmlns:m="http://schemas.openxmlformats.org/officeDocument/2006/math">
+                            <m:sSub>
+                              <m:sSubPr>
+                                <m:ctrlPr>
+                                  <a:rPr lang="en-US" sz="1100" i="1" dirty="0" smtClean="0">
+                                    <a:latin typeface="Cambria Math" panose="02040503050406030204" pitchFamily="18" charset="0"/>
+                                  </a:rPr>
+                                </m:ctrlPr>
+                              </m:sSubPr>
+                              <m:e>
+                                <m:r>
+                                  <a:rPr lang="en-US" sz="1100" i="1" dirty="0" smtClean="0">
+                                    <a:latin typeface="Cambria Math" panose="02040503050406030204" pitchFamily="18" charset="0"/>
+                                  </a:rPr>
+                                  <m:t>𝐹</m:t>
+                                </m:r>
+                              </m:e>
+                              <m:sub>
+                                <m:r>
+                                  <a:rPr lang="fr-FR" sz="1100" b="0" i="1" dirty="0" smtClean="0">
+                                    <a:latin typeface="Cambria Math" panose="02040503050406030204" pitchFamily="18" charset="0"/>
+                                  </a:rPr>
+                                  <m:t>𝑝𝑎𝑙𝑖𝑒𝑟</m:t>
+                                </m:r>
+                              </m:sub>
+                            </m:sSub>
+                          </m:oMath>
+                        </a14:m>
+                        <a:r>
+                          <a:rPr lang="en-US" sz="1100" dirty="0" smtClean="0"/>
+                          <a:t> = </a:t>
+                        </a:r>
+                        <a:r>
+                          <a:rPr lang="fr-FR" sz="1100" dirty="0"/>
+                          <a:t>é</a:t>
+                        </a:r>
+                        <a:r>
+                          <a:rPr lang="fr-FR" sz="1100" dirty="0" smtClean="0"/>
+                          <a:t>quation de Reynolds </a:t>
+                        </a:r>
+                        <a:r>
+                          <a:rPr lang="fr-FR" sz="1100" b="1" dirty="0" smtClean="0"/>
+                          <a:t>(</a:t>
+                        </a:r>
+                        <a14:m>
+                          <m:oMath xmlns:m="http://schemas.openxmlformats.org/officeDocument/2006/math">
+                            <m:r>
+                              <a:rPr lang="fr-FR" sz="1100" b="1" i="1" smtClean="0">
+                                <a:latin typeface="Cambria Math" panose="02040503050406030204" pitchFamily="18" charset="0"/>
+                              </a:rPr>
+                              <m:t>𝒒</m:t>
+                            </m:r>
+                            <m:r>
+                              <a:rPr lang="fr-FR" sz="1100" b="1" i="1" smtClean="0">
+                                <a:latin typeface="Cambria Math" panose="02040503050406030204" pitchFamily="18" charset="0"/>
+                              </a:rPr>
+                              <m:t>, </m:t>
+                            </m:r>
+                            <m:acc>
+                              <m:accPr>
+                                <m:chr m:val="̇"/>
+                                <m:ctrlPr>
+                                  <a:rPr lang="fr-FR" sz="1100" b="1" i="1" smtClean="0">
+                                    <a:latin typeface="Cambria Math" panose="02040503050406030204" pitchFamily="18" charset="0"/>
+                                  </a:rPr>
+                                </m:ctrlPr>
+                              </m:accPr>
+                              <m:e>
+                                <m:r>
+                                  <a:rPr lang="fr-FR" sz="1100" b="1" i="1" smtClean="0">
+                                    <a:latin typeface="Cambria Math" panose="02040503050406030204" pitchFamily="18" charset="0"/>
+                                  </a:rPr>
+                                  <m:t>𝒒</m:t>
+                                </m:r>
+                              </m:e>
+                            </m:acc>
+                            <m:r>
+                              <a:rPr lang="fr-FR" sz="1100" b="1" i="1" smtClean="0">
+                                <a:latin typeface="Cambria Math" panose="02040503050406030204" pitchFamily="18" charset="0"/>
+                              </a:rPr>
+                              <m:t>,</m:t>
+                            </m:r>
+                            <m:sSub>
+                              <m:sSubPr>
+                                <m:ctrlPr>
+                                  <a:rPr lang="fr-FR" sz="1100" b="1" i="1" smtClean="0">
+                                    <a:latin typeface="Cambria Math" panose="02040503050406030204" pitchFamily="18" charset="0"/>
+                                  </a:rPr>
+                                </m:ctrlPr>
+                              </m:sSubPr>
+                              <m:e>
+                                <m:r>
+                                  <a:rPr lang="fr-FR" sz="1100" b="0" i="1" smtClean="0">
+                                    <a:latin typeface="Cambria Math" panose="02040503050406030204" pitchFamily="18" charset="0"/>
+                                  </a:rPr>
+                                  <m:t>𝑡</m:t>
+                                </m:r>
+                              </m:e>
+                              <m:sub>
+                                <m:r>
+                                  <a:rPr lang="fr-FR" sz="1100" b="0" i="1" smtClean="0">
+                                    <a:latin typeface="Cambria Math" panose="02040503050406030204" pitchFamily="18" charset="0"/>
+                                  </a:rPr>
+                                  <m:t>𝑑𝑦𝑛𝑎𝑚𝑖𝑐</m:t>
+                                </m:r>
+                              </m:sub>
+                            </m:sSub>
+                          </m:oMath>
+                        </a14:m>
+                        <a:r>
+                          <a:rPr lang="fr-FR" sz="1100" b="1" dirty="0" smtClean="0"/>
+                          <a:t>)</a:t>
+                        </a:r>
+                        <a:endParaRPr lang="fr-FR" sz="1100" b="1" dirty="0"/>
+                      </a:p>
+                    </p:txBody>
+                  </p:sp>
+                </mc:Choice>
+                <mc:Fallback>
+                  <p:sp>
+                    <p:nvSpPr>
+                      <p:cNvPr id="46" name="ZoneTexte 45"/>
+                      <p:cNvSpPr txBox="1">
+                        <a:spLocks noRot="1" noChangeAspect="1" noMove="1" noResize="1" noEditPoints="1" noAdjustHandles="1" noChangeArrowheads="1" noChangeShapeType="1" noTextEdit="1"/>
+                      </p:cNvSpPr>
+                      <p:nvPr/>
+                    </p:nvSpPr>
+                    <p:spPr>
+                      <a:xfrm>
+                        <a:off x="742950" y="4129918"/>
+                        <a:ext cx="3282950" cy="274947"/>
+                      </a:xfrm>
+                      <a:prstGeom prst="rect">
+                        <a:avLst/>
+                      </a:prstGeom>
+                      <a:blipFill>
+                        <a:blip r:embed="rId3"/>
+                        <a:stretch>
+                          <a:fillRect b="-6383"/>
+                        </a:stretch>
+                      </a:blipFill>
+                    </p:spPr>
+                    <p:txBody>
+                      <a:bodyPr/>
+                      <a:lstStyle/>
+                      <a:p>
+                        <a:r>
+                          <a:rPr lang="en-US">
+                            <a:noFill/>
+                          </a:rPr>
+                          <a:t> </a:t>
+                        </a:r>
+                      </a:p>
+                    </p:txBody>
+                  </p:sp>
+                </mc:Fallback>
+              </mc:AlternateContent>
+              <mc:AlternateContent xmlns:mc="http://schemas.openxmlformats.org/markup-compatibility/2006">
+                <mc:Choice xmlns:a14="http://schemas.microsoft.com/office/drawing/2010/main" Requires="a14">
+                  <p:sp>
+                    <p:nvSpPr>
+                      <p:cNvPr id="47" name="ZoneTexte 46"/>
+                      <p:cNvSpPr txBox="1"/>
+                      <p:nvPr/>
+                    </p:nvSpPr>
+                    <p:spPr>
+                      <a:xfrm>
+                        <a:off x="742950" y="3576130"/>
+                        <a:ext cx="3417338" cy="274947"/>
+                      </a:xfrm>
+                      <a:prstGeom prst="rect">
+                        <a:avLst/>
+                      </a:prstGeom>
+                    </p:spPr>
+                    <p:style>
+                      <a:lnRef idx="2">
+                        <a:schemeClr val="dk1"/>
+                      </a:lnRef>
+                      <a:fillRef idx="1">
+                        <a:schemeClr val="lt1"/>
+                      </a:fillRef>
+                      <a:effectRef idx="0">
+                        <a:schemeClr val="dk1"/>
+                      </a:effectRef>
+                      <a:fontRef idx="minor">
+                        <a:schemeClr val="dk1"/>
+                      </a:fontRef>
+                    </p:style>
+                    <p:txBody>
+                      <a:bodyPr wrap="square" rtlCol="0">
+                        <a:spAutoFit/>
+                      </a:bodyPr>
+                      <a:lstStyle/>
+                      <a:p>
+                        <a14:m>
+                          <m:oMath xmlns:m="http://schemas.openxmlformats.org/officeDocument/2006/math">
+                            <m:sSub>
+                              <m:sSubPr>
+                                <m:ctrlPr>
+                                  <a:rPr lang="en-US" sz="1100" i="1" dirty="0" smtClean="0">
+                                    <a:latin typeface="Cambria Math" panose="02040503050406030204" pitchFamily="18" charset="0"/>
+                                  </a:rPr>
+                                </m:ctrlPr>
+                              </m:sSubPr>
+                              <m:e>
+                                <m:r>
+                                  <a:rPr lang="en-US" sz="1100" i="1" dirty="0" smtClean="0">
+                                    <a:latin typeface="Cambria Math" panose="02040503050406030204" pitchFamily="18" charset="0"/>
+                                  </a:rPr>
+                                  <m:t>𝐹</m:t>
+                                </m:r>
+                              </m:e>
+                              <m:sub>
+                                <m:r>
+                                  <a:rPr lang="fr-FR" sz="1100" b="0" i="1" dirty="0" smtClean="0">
+                                    <a:latin typeface="Cambria Math" panose="02040503050406030204" pitchFamily="18" charset="0"/>
+                                  </a:rPr>
+                                  <m:t>𝑏𝑎𝑙𝑜𝑢𝑟𝑑</m:t>
+                                </m:r>
+                              </m:sub>
+                            </m:sSub>
+                          </m:oMath>
+                        </a14:m>
+                        <a:r>
+                          <a:rPr lang="en-US" sz="1100" dirty="0" smtClean="0"/>
+                          <a:t> = </a:t>
+                        </a:r>
+                        <a:r>
+                          <a:rPr lang="fr-FR" sz="1100" dirty="0" smtClean="0"/>
+                          <a:t>force centrifuge</a:t>
+                        </a:r>
+                        <a:r>
+                          <a:rPr lang="fr-FR" sz="1100" dirty="0" smtClean="0"/>
+                          <a:t> </a:t>
+                        </a:r>
+                        <a:r>
+                          <a:rPr lang="fr-FR" sz="1100" b="1" dirty="0" smtClean="0"/>
+                          <a:t>(</a:t>
+                        </a:r>
+                        <a14:m>
+                          <m:oMath xmlns:m="http://schemas.openxmlformats.org/officeDocument/2006/math">
+                            <m:sSub>
+                              <m:sSubPr>
+                                <m:ctrlPr>
+                                  <a:rPr lang="fr-FR" sz="1100" i="1" dirty="0" smtClean="0">
+                                    <a:latin typeface="Cambria Math" panose="02040503050406030204" pitchFamily="18" charset="0"/>
+                                  </a:rPr>
+                                </m:ctrlPr>
+                              </m:sSubPr>
+                              <m:e>
+                                <m:r>
+                                  <a:rPr lang="fr-FR" sz="1100" b="0" i="1" dirty="0" smtClean="0">
+                                    <a:latin typeface="Cambria Math" panose="02040503050406030204" pitchFamily="18" charset="0"/>
+                                  </a:rPr>
+                                  <m:t>𝑈</m:t>
+                                </m:r>
+                              </m:e>
+                              <m:sub>
+                                <m:r>
+                                  <a:rPr lang="fr-FR" sz="1100" b="0" i="1" dirty="0" smtClean="0">
+                                    <a:latin typeface="Cambria Math" panose="02040503050406030204" pitchFamily="18" charset="0"/>
+                                  </a:rPr>
+                                  <m:t>𝑚</m:t>
+                                </m:r>
+                              </m:sub>
+                            </m:sSub>
+                            <m:r>
+                              <a:rPr lang="fr-FR" sz="1100" b="1" i="1" dirty="0" smtClean="0">
+                                <a:latin typeface="Cambria Math" panose="02040503050406030204" pitchFamily="18" charset="0"/>
+                              </a:rPr>
+                              <m:t>, </m:t>
+                            </m:r>
+                            <m:sSub>
+                              <m:sSubPr>
+                                <m:ctrlPr>
+                                  <a:rPr lang="fr-FR" sz="1100" i="1" dirty="0" smtClean="0">
+                                    <a:latin typeface="Cambria Math" panose="02040503050406030204" pitchFamily="18" charset="0"/>
+                                  </a:rPr>
+                                </m:ctrlPr>
+                              </m:sSubPr>
+                              <m:e>
+                                <m:r>
+                                  <a:rPr lang="fr-FR" sz="1100" b="0" i="1" dirty="0" smtClean="0">
+                                    <a:latin typeface="Cambria Math" panose="02040503050406030204" pitchFamily="18" charset="0"/>
+                                  </a:rPr>
+                                  <m:t>𝑈</m:t>
+                                </m:r>
+                              </m:e>
+                              <m:sub>
+                                <m:r>
+                                  <a:rPr lang="fr-FR" sz="1100" b="0" i="1" dirty="0" smtClean="0">
+                                    <a:latin typeface="Cambria Math" panose="02040503050406030204" pitchFamily="18" charset="0"/>
+                                  </a:rPr>
+                                  <m:t>𝑡h𝑒𝑟</m:t>
+                                </m:r>
+                              </m:sub>
+                            </m:sSub>
+                            <m:r>
+                              <a:rPr lang="fr-FR" sz="1100" b="1" i="1" dirty="0" smtClean="0">
+                                <a:latin typeface="Cambria Math" panose="02040503050406030204" pitchFamily="18" charset="0"/>
+                              </a:rPr>
+                              <m:t>, </m:t>
+                            </m:r>
+                            <m:sSub>
+                              <m:sSubPr>
+                                <m:ctrlPr>
+                                  <a:rPr lang="fr-FR" sz="1100" i="1" dirty="0" smtClean="0">
+                                    <a:latin typeface="Cambria Math" panose="02040503050406030204" pitchFamily="18" charset="0"/>
+                                  </a:rPr>
+                                </m:ctrlPr>
+                              </m:sSubPr>
+                              <m:e>
+                                <m:r>
+                                  <a:rPr lang="fr-FR" sz="1100" b="0" i="1" dirty="0" smtClean="0">
+                                    <a:latin typeface="Cambria Math" panose="02040503050406030204" pitchFamily="18" charset="0"/>
+                                  </a:rPr>
+                                  <m:t>𝑡</m:t>
+                                </m:r>
+                              </m:e>
+                              <m:sub>
+                                <m:r>
+                                  <a:rPr lang="fr-FR" sz="1100" b="0" i="1" dirty="0" smtClean="0">
+                                    <a:latin typeface="Cambria Math" panose="02040503050406030204" pitchFamily="18" charset="0"/>
+                                  </a:rPr>
+                                  <m:t>𝑑𝑦𝑛𝑎𝑚𝑖𝑞𝑢𝑒</m:t>
+                                </m:r>
+                              </m:sub>
+                            </m:sSub>
+                            <m:r>
+                              <a:rPr lang="fr-FR" sz="1100" b="1" i="1" dirty="0" smtClean="0">
+                                <a:latin typeface="Cambria Math" panose="02040503050406030204" pitchFamily="18" charset="0"/>
+                              </a:rPr>
+                              <m:t>)</m:t>
+                            </m:r>
+                          </m:oMath>
+                        </a14:m>
+                        <a:endParaRPr lang="fr-FR" sz="1100" b="1" dirty="0"/>
+                      </a:p>
+                    </p:txBody>
+                  </p:sp>
+                </mc:Choice>
+                <mc:Fallback>
+                  <p:sp>
+                    <p:nvSpPr>
+                      <p:cNvPr id="47" name="ZoneTexte 46"/>
+                      <p:cNvSpPr txBox="1">
+                        <a:spLocks noRot="1" noChangeAspect="1" noMove="1" noResize="1" noEditPoints="1" noAdjustHandles="1" noChangeArrowheads="1" noChangeShapeType="1" noTextEdit="1"/>
+                      </p:cNvSpPr>
+                      <p:nvPr/>
+                    </p:nvSpPr>
+                    <p:spPr>
+                      <a:xfrm>
+                        <a:off x="742950" y="3576130"/>
+                        <a:ext cx="3417338" cy="274947"/>
+                      </a:xfrm>
+                      <a:prstGeom prst="rect">
+                        <a:avLst/>
+                      </a:prstGeom>
+                      <a:blipFill>
+                        <a:blip r:embed="rId4"/>
+                        <a:stretch>
+                          <a:fillRect b="-8511"/>
+                        </a:stretch>
+                      </a:blipFill>
+                    </p:spPr>
+                    <p:txBody>
+                      <a:bodyPr/>
+                      <a:lstStyle/>
+                      <a:p>
+                        <a:r>
+                          <a:rPr lang="en-US">
+                            <a:noFill/>
+                          </a:rPr>
+                          <a:t> </a:t>
+                        </a:r>
+                      </a:p>
+                    </p:txBody>
+                  </p:sp>
+                </mc:Fallback>
+              </mc:AlternateContent>
+              <mc:AlternateContent xmlns:mc="http://schemas.openxmlformats.org/markup-compatibility/2006">
+                <mc:Choice xmlns:a14="http://schemas.microsoft.com/office/drawing/2010/main" Requires="a14">
+                  <p:sp>
+                    <p:nvSpPr>
+                      <p:cNvPr id="48" name="ZoneTexte 47"/>
+                      <p:cNvSpPr txBox="1"/>
+                      <p:nvPr/>
+                    </p:nvSpPr>
+                    <p:spPr>
+                      <a:xfrm>
+                        <a:off x="4378324" y="4121903"/>
+                        <a:ext cx="3478128" cy="298030"/>
+                      </a:xfrm>
+                      <a:prstGeom prst="rect">
+                        <a:avLst/>
+                      </a:prstGeom>
+                    </p:spPr>
+                    <p:style>
+                      <a:lnRef idx="2">
+                        <a:schemeClr val="dk1"/>
+                      </a:lnRef>
+                      <a:fillRef idx="1">
+                        <a:schemeClr val="lt1"/>
+                      </a:fillRef>
+                      <a:effectRef idx="0">
+                        <a:schemeClr val="dk1"/>
+                      </a:effectRef>
+                      <a:fontRef idx="minor">
+                        <a:schemeClr val="dk1"/>
+                      </a:fontRef>
+                    </p:style>
+                    <p:txBody>
+                      <a:bodyPr wrap="square" rtlCol="0">
+                        <a:spAutoFit/>
+                      </a:bodyPr>
+                      <a:lstStyle/>
+                      <a:p>
+                        <a14:m>
+                          <m:oMath xmlns:m="http://schemas.openxmlformats.org/officeDocument/2006/math">
+                            <m:sSubSup>
+                              <m:sSubSupPr>
+                                <m:ctrlPr>
+                                  <a:rPr lang="fr-FR" sz="1100" b="1" i="1" dirty="0" smtClean="0">
+                                    <a:latin typeface="Cambria Math" panose="02040503050406030204" pitchFamily="18" charset="0"/>
+                                  </a:rPr>
+                                </m:ctrlPr>
+                              </m:sSubSupPr>
+                              <m:e>
+                                <m:r>
+                                  <a:rPr lang="fr-FR" sz="1100" b="1" i="1" dirty="0" smtClean="0">
+                                    <a:latin typeface="Cambria Math" panose="02040503050406030204" pitchFamily="18" charset="0"/>
+                                  </a:rPr>
+                                  <m:t>𝑸</m:t>
+                                </m:r>
+                              </m:e>
+                              <m:sub>
+                                <m:r>
+                                  <a:rPr lang="fr-FR" sz="1100" b="1" i="1" dirty="0" smtClean="0">
+                                    <a:latin typeface="Cambria Math" panose="02040503050406030204" pitchFamily="18" charset="0"/>
+                                  </a:rPr>
+                                  <m:t>𝒓𝒐𝒕𝒐𝒓</m:t>
+                                </m:r>
+                              </m:sub>
+                              <m:sup>
+                                <m:r>
+                                  <a:rPr lang="fr-FR" sz="1100" b="1" i="1" dirty="0" smtClean="0">
+                                    <a:latin typeface="Cambria Math" panose="02040503050406030204" pitchFamily="18" charset="0"/>
+                                  </a:rPr>
+                                  <m:t>𝒊</m:t>
+                                </m:r>
+                              </m:sup>
+                            </m:sSubSup>
+                            <m:r>
+                              <a:rPr lang="fr-FR" sz="1100" b="1" i="1" dirty="0" smtClean="0">
+                                <a:latin typeface="Cambria Math" panose="02040503050406030204" pitchFamily="18" charset="0"/>
+                              </a:rPr>
+                              <m:t>(</m:t>
+                            </m:r>
+                            <m:sSub>
+                              <m:sSubPr>
+                                <m:ctrlPr>
+                                  <a:rPr lang="fr-FR" sz="1100" b="0" i="1" dirty="0" smtClean="0">
+                                    <a:latin typeface="Cambria Math" panose="02040503050406030204" pitchFamily="18" charset="0"/>
+                                  </a:rPr>
+                                </m:ctrlPr>
+                              </m:sSubPr>
+                              <m:e>
+                                <m:r>
+                                  <a:rPr lang="fr-FR" sz="1100" b="0" i="1" dirty="0" smtClean="0">
+                                    <a:latin typeface="Cambria Math" panose="02040503050406030204" pitchFamily="18" charset="0"/>
+                                  </a:rPr>
+                                  <m:t>𝜃</m:t>
+                                </m:r>
+                              </m:e>
+                              <m:sub>
+                                <m:r>
+                                  <a:rPr lang="fr-FR" sz="1100" b="0" i="1" dirty="0" smtClean="0">
+                                    <a:latin typeface="Cambria Math" panose="02040503050406030204" pitchFamily="18" charset="0"/>
+                                  </a:rPr>
+                                  <m:t>𝑟</m:t>
+                                </m:r>
+                              </m:sub>
+                            </m:sSub>
+                            <m:r>
+                              <a:rPr lang="fr-FR" sz="1100" b="0" i="1" dirty="0" smtClean="0">
+                                <a:latin typeface="Cambria Math" panose="02040503050406030204" pitchFamily="18" charset="0"/>
+                              </a:rPr>
+                              <m:t>)</m:t>
+                            </m:r>
+                          </m:oMath>
+                        </a14:m>
+                        <a:r>
+                          <a:rPr lang="en-US" sz="1100" dirty="0" smtClean="0"/>
+                          <a:t>,</a:t>
+                        </a:r>
+                        <a:r>
+                          <a:rPr lang="fr-FR" sz="1100" b="1" dirty="0"/>
+                          <a:t> </a:t>
+                        </a:r>
+                        <a14:m>
+                          <m:oMath xmlns:m="http://schemas.openxmlformats.org/officeDocument/2006/math">
+                            <m:sSubSup>
+                              <m:sSubSupPr>
+                                <m:ctrlPr>
+                                  <a:rPr lang="fr-FR" sz="1100" b="1" i="1" dirty="0">
+                                    <a:latin typeface="Cambria Math" panose="02040503050406030204" pitchFamily="18" charset="0"/>
+                                  </a:rPr>
+                                </m:ctrlPr>
+                              </m:sSubSupPr>
+                              <m:e>
+                                <m:r>
+                                  <a:rPr lang="fr-FR" sz="1100" b="1" i="1" dirty="0">
+                                    <a:latin typeface="Cambria Math" panose="02040503050406030204" pitchFamily="18" charset="0"/>
+                                  </a:rPr>
+                                  <m:t>𝑸</m:t>
+                                </m:r>
+                              </m:e>
+                              <m:sub>
+                                <m:r>
+                                  <a:rPr lang="fr-FR" sz="1100" b="1" i="1" dirty="0" smtClean="0">
+                                    <a:latin typeface="Cambria Math" panose="02040503050406030204" pitchFamily="18" charset="0"/>
+                                  </a:rPr>
+                                  <m:t>𝒑𝒂𝒅</m:t>
+                                </m:r>
+                              </m:sub>
+                              <m:sup>
+                                <m:r>
+                                  <a:rPr lang="fr-FR" sz="1100" b="1" i="1" dirty="0">
+                                    <a:latin typeface="Cambria Math" panose="02040503050406030204" pitchFamily="18" charset="0"/>
+                                  </a:rPr>
+                                  <m:t>𝒊</m:t>
+                                </m:r>
+                              </m:sup>
+                            </m:sSubSup>
+                          </m:oMath>
+                        </a14:m>
+                        <a:r>
+                          <a:rPr lang="en-US" sz="1100" dirty="0"/>
+                          <a:t>  = </a:t>
+                        </a:r>
+                        <a:r>
+                          <a:rPr lang="fr-FR" sz="1100" dirty="0" smtClean="0"/>
+                          <a:t>équation de l’énergie </a:t>
+                        </a:r>
+                        <a:r>
+                          <a:rPr lang="fr-FR" sz="1100" b="1" dirty="0" smtClean="0"/>
+                          <a:t>(</a:t>
+                        </a:r>
+                        <a14:m>
+                          <m:oMath xmlns:m="http://schemas.openxmlformats.org/officeDocument/2006/math">
+                            <m:sSubSup>
+                              <m:sSubSupPr>
+                                <m:ctrlPr>
+                                  <a:rPr lang="fr-FR" sz="1100" b="1" i="1" smtClean="0">
+                                    <a:latin typeface="Cambria Math" panose="02040503050406030204" pitchFamily="18" charset="0"/>
+                                  </a:rPr>
+                                </m:ctrlPr>
+                              </m:sSubSupPr>
+                              <m:e>
+                                <m:r>
+                                  <a:rPr lang="fr-FR" sz="1100" b="1" i="1" smtClean="0">
+                                    <a:latin typeface="Cambria Math" panose="02040503050406030204" pitchFamily="18" charset="0"/>
+                                  </a:rPr>
+                                  <m:t>𝑻</m:t>
+                                </m:r>
+                              </m:e>
+                              <m:sub>
+                                <m:r>
+                                  <a:rPr lang="fr-FR" sz="1100" b="1" i="1" smtClean="0">
+                                    <a:latin typeface="Cambria Math" panose="02040503050406030204" pitchFamily="18" charset="0"/>
+                                  </a:rPr>
+                                  <m:t>𝒓𝒐𝒕𝒐𝒓</m:t>
+                                </m:r>
+                              </m:sub>
+                              <m:sup>
+                                <m:r>
+                                  <a:rPr lang="fr-FR" sz="1100" b="1" i="1" smtClean="0">
+                                    <a:latin typeface="Cambria Math" panose="02040503050406030204" pitchFamily="18" charset="0"/>
+                                  </a:rPr>
+                                  <m:t>𝒊</m:t>
+                                </m:r>
+                              </m:sup>
+                            </m:sSubSup>
+                            <m:r>
+                              <a:rPr lang="fr-FR" sz="1100" b="1" i="1" smtClean="0">
+                                <a:latin typeface="Cambria Math" panose="02040503050406030204" pitchFamily="18" charset="0"/>
+                              </a:rPr>
+                              <m:t>,</m:t>
+                            </m:r>
+                            <m:sSubSup>
+                              <m:sSubSupPr>
+                                <m:ctrlPr>
+                                  <a:rPr lang="fr-FR" sz="1100" b="1" i="1" smtClean="0">
+                                    <a:latin typeface="Cambria Math" panose="02040503050406030204" pitchFamily="18" charset="0"/>
+                                  </a:rPr>
+                                </m:ctrlPr>
+                              </m:sSubSupPr>
+                              <m:e>
+                                <m:r>
+                                  <a:rPr lang="fr-FR" sz="1100" b="1" i="1" smtClean="0">
+                                    <a:latin typeface="Cambria Math" panose="02040503050406030204" pitchFamily="18" charset="0"/>
+                                  </a:rPr>
+                                  <m:t>𝑻</m:t>
+                                </m:r>
+                              </m:e>
+                              <m:sub>
+                                <m:r>
+                                  <a:rPr lang="fr-FR" sz="1100" b="1" i="1" smtClean="0">
+                                    <a:latin typeface="Cambria Math" panose="02040503050406030204" pitchFamily="18" charset="0"/>
+                                  </a:rPr>
+                                  <m:t>𝒑𝒂𝒅</m:t>
+                                </m:r>
+                              </m:sub>
+                              <m:sup>
+                                <m:r>
+                                  <a:rPr lang="fr-FR" sz="1100" b="1" i="1" smtClean="0">
+                                    <a:latin typeface="Cambria Math" panose="02040503050406030204" pitchFamily="18" charset="0"/>
+                                  </a:rPr>
+                                  <m:t>𝒏</m:t>
+                                </m:r>
+                              </m:sup>
+                            </m:sSubSup>
+                            <m:r>
+                              <a:rPr lang="fr-FR" sz="1100" b="1" i="1" smtClean="0">
+                                <a:latin typeface="Cambria Math" panose="02040503050406030204" pitchFamily="18" charset="0"/>
+                              </a:rPr>
+                              <m:t>)</m:t>
+                            </m:r>
+                          </m:oMath>
+                        </a14:m>
+                        <a:endParaRPr lang="fr-FR" sz="1100" b="1" dirty="0"/>
+                      </a:p>
+                    </p:txBody>
+                  </p:sp>
+                </mc:Choice>
+                <mc:Fallback>
+                  <p:sp>
+                    <p:nvSpPr>
+                      <p:cNvPr id="48" name="ZoneTexte 47"/>
+                      <p:cNvSpPr txBox="1">
+                        <a:spLocks noRot="1" noChangeAspect="1" noMove="1" noResize="1" noEditPoints="1" noAdjustHandles="1" noChangeArrowheads="1" noChangeShapeType="1" noTextEdit="1"/>
+                      </p:cNvSpPr>
+                      <p:nvPr/>
+                    </p:nvSpPr>
+                    <p:spPr>
+                      <a:xfrm>
+                        <a:off x="4378324" y="4121903"/>
+                        <a:ext cx="3478128" cy="298030"/>
+                      </a:xfrm>
+                      <a:prstGeom prst="rect">
+                        <a:avLst/>
+                      </a:prstGeom>
+                      <a:blipFill>
+                        <a:blip r:embed="rId5"/>
+                        <a:stretch>
+                          <a:fillRect b="-3922"/>
+                        </a:stretch>
+                      </a:blipFill>
+                    </p:spPr>
+                    <p:txBody>
+                      <a:bodyPr/>
+                      <a:lstStyle/>
+                      <a:p>
+                        <a:r>
+                          <a:rPr lang="en-US">
+                            <a:noFill/>
+                          </a:rPr>
+                          <a:t> </a:t>
+                        </a:r>
+                      </a:p>
+                    </p:txBody>
+                  </p:sp>
+                </mc:Fallback>
+              </mc:AlternateContent>
+              <p:cxnSp>
+                <p:nvCxnSpPr>
+                  <p:cNvPr id="49" name="Connecteur droit avec flèche 48"/>
+                  <p:cNvCxnSpPr/>
+                  <p:nvPr/>
+                </p:nvCxnSpPr>
+                <p:spPr>
+                  <a:xfrm>
+                    <a:off x="2401233" y="3845242"/>
+                    <a:ext cx="0" cy="276661"/>
+                  </a:xfrm>
+                  <a:prstGeom prst="straightConnector1">
+                    <a:avLst/>
+                  </a:prstGeom>
+                  <a:ln w="19050">
+                    <a:tailEnd type="triangle"/>
+                  </a:ln>
+                </p:spPr>
+                <p:style>
+                  <a:lnRef idx="1">
+                    <a:schemeClr val="dk1"/>
+                  </a:lnRef>
+                  <a:fillRef idx="0">
+                    <a:schemeClr val="dk1"/>
+                  </a:fillRef>
+                  <a:effectRef idx="0">
+                    <a:schemeClr val="dk1"/>
+                  </a:effectRef>
+                  <a:fontRef idx="minor">
+                    <a:schemeClr val="tx1"/>
+                  </a:fontRef>
+                </p:style>
+              </p:cxnSp>
+              <p:cxnSp>
+                <p:nvCxnSpPr>
+                  <p:cNvPr id="50" name="Connecteur droit avec flèche 49"/>
+                  <p:cNvCxnSpPr/>
+                  <p:nvPr/>
+                </p:nvCxnSpPr>
+                <p:spPr>
+                  <a:xfrm flipH="1">
+                    <a:off x="2424630" y="4416277"/>
+                    <a:ext cx="1" cy="226731"/>
+                  </a:xfrm>
+                  <a:prstGeom prst="straightConnector1">
+                    <a:avLst/>
+                  </a:prstGeom>
+                  <a:ln w="19050">
+                    <a:tailEnd type="triangle"/>
+                  </a:ln>
+                </p:spPr>
+                <p:style>
+                  <a:lnRef idx="1">
+                    <a:schemeClr val="dk1"/>
+                  </a:lnRef>
+                  <a:fillRef idx="0">
+                    <a:schemeClr val="dk1"/>
+                  </a:fillRef>
+                  <a:effectRef idx="0">
+                    <a:schemeClr val="dk1"/>
+                  </a:effectRef>
+                  <a:fontRef idx="minor">
+                    <a:schemeClr val="tx1"/>
+                  </a:fontRef>
+                </p:style>
+              </p:cxnSp>
+              <mc:AlternateContent xmlns:mc="http://schemas.openxmlformats.org/markup-compatibility/2006">
+                <mc:Choice xmlns:a14="http://schemas.microsoft.com/office/drawing/2010/main" Requires="a14">
+                  <p:sp>
+                    <p:nvSpPr>
+                      <p:cNvPr id="51" name="ZoneTexte 50"/>
+                      <p:cNvSpPr txBox="1"/>
+                      <p:nvPr/>
+                    </p:nvSpPr>
+                    <p:spPr>
+                      <a:xfrm>
+                        <a:off x="742948" y="4643009"/>
+                        <a:ext cx="4187192" cy="446917"/>
+                      </a:xfrm>
+                      <a:prstGeom prst="rect">
+                        <a:avLst/>
+                      </a:prstGeom>
+                    </p:spPr>
+                    <p:style>
+                      <a:lnRef idx="2">
+                        <a:schemeClr val="dk1"/>
+                      </a:lnRef>
+                      <a:fillRef idx="1">
+                        <a:schemeClr val="lt1"/>
+                      </a:fillRef>
+                      <a:effectRef idx="0">
+                        <a:schemeClr val="dk1"/>
+                      </a:effectRef>
+                      <a:fontRef idx="minor">
+                        <a:schemeClr val="dk1"/>
+                      </a:fontRef>
+                    </p:style>
+                    <p:txBody>
+                      <a:bodyPr wrap="square" rtlCol="0">
+                        <a:spAutoFit/>
+                      </a:bodyPr>
+                      <a:lstStyle/>
+                      <a:p>
+                        <a:pPr algn="ctr"/>
+                        <a14:m>
+                          <m:oMathPara xmlns:m="http://schemas.openxmlformats.org/officeDocument/2006/math">
+                            <m:oMathParaPr>
+                              <m:jc m:val="center"/>
+                            </m:oMathParaPr>
+                            <m:oMath xmlns:m="http://schemas.openxmlformats.org/officeDocument/2006/math">
+                              <m:r>
+                                <a:rPr lang="fr-FR" sz="1100" b="1" i="1" dirty="0" smtClean="0">
+                                  <a:latin typeface="Cambria Math" panose="02040503050406030204" pitchFamily="18" charset="0"/>
+                                </a:rPr>
+                                <m:t>𝑴</m:t>
+                              </m:r>
+                              <m:acc>
+                                <m:accPr>
+                                  <m:chr m:val="̈"/>
+                                  <m:ctrlPr>
+                                    <a:rPr lang="fr-FR" sz="1100" b="1" i="1" dirty="0" smtClean="0">
+                                      <a:latin typeface="Cambria Math" panose="02040503050406030204" pitchFamily="18" charset="0"/>
+                                    </a:rPr>
+                                  </m:ctrlPr>
+                                </m:accPr>
+                                <m:e>
+                                  <m:r>
+                                    <a:rPr lang="fr-FR" sz="1100" b="1" i="1" dirty="0" smtClean="0">
+                                      <a:latin typeface="Cambria Math" panose="02040503050406030204" pitchFamily="18" charset="0"/>
+                                    </a:rPr>
+                                    <m:t>𝒒</m:t>
+                                  </m:r>
+                                </m:e>
+                              </m:acc>
+                              <m:r>
+                                <a:rPr lang="fr-FR" sz="1100" b="1" i="1" dirty="0" smtClean="0">
+                                  <a:latin typeface="Cambria Math" panose="02040503050406030204" pitchFamily="18" charset="0"/>
+                                </a:rPr>
+                                <m:t>=</m:t>
+                              </m:r>
+                              <m:sSub>
+                                <m:sSubPr>
+                                  <m:ctrlPr>
+                                    <a:rPr lang="fr-FR" sz="1100" b="1" i="1" dirty="0" smtClean="0">
+                                      <a:latin typeface="Cambria Math" panose="02040503050406030204" pitchFamily="18" charset="0"/>
+                                    </a:rPr>
+                                  </m:ctrlPr>
+                                </m:sSubPr>
+                                <m:e>
+                                  <m:r>
+                                    <a:rPr lang="fr-FR" sz="1100" b="1" i="1" dirty="0" smtClean="0">
+                                      <a:latin typeface="Cambria Math" panose="02040503050406030204" pitchFamily="18" charset="0"/>
+                                    </a:rPr>
+                                    <m:t>𝑭</m:t>
+                                  </m:r>
+                                </m:e>
+                                <m:sub>
+                                  <m:r>
+                                    <a:rPr lang="fr-FR" sz="1100" b="1" i="1" dirty="0" smtClean="0">
+                                      <a:latin typeface="Cambria Math" panose="02040503050406030204" pitchFamily="18" charset="0"/>
+                                    </a:rPr>
+                                    <m:t>𝒑𝒂𝒍𝒊𝒆𝒓</m:t>
+                                  </m:r>
+                                </m:sub>
+                              </m:sSub>
+                              <m:r>
+                                <a:rPr lang="fr-FR" sz="1100" b="1" i="1" dirty="0" smtClean="0">
+                                  <a:latin typeface="Cambria Math" panose="02040503050406030204" pitchFamily="18" charset="0"/>
+                                </a:rPr>
+                                <m:t>+</m:t>
+                              </m:r>
+                              <m:sSub>
+                                <m:sSubPr>
+                                  <m:ctrlPr>
+                                    <a:rPr lang="fr-FR" sz="1100" b="1" i="1" dirty="0" smtClean="0">
+                                      <a:latin typeface="Cambria Math" panose="02040503050406030204" pitchFamily="18" charset="0"/>
+                                    </a:rPr>
+                                  </m:ctrlPr>
+                                </m:sSubPr>
+                                <m:e>
+                                  <m:r>
+                                    <a:rPr lang="fr-FR" sz="1100" b="1" i="1" dirty="0" smtClean="0">
+                                      <a:latin typeface="Cambria Math" panose="02040503050406030204" pitchFamily="18" charset="0"/>
+                                    </a:rPr>
+                                    <m:t>𝑭</m:t>
+                                  </m:r>
+                                </m:e>
+                                <m:sub>
+                                  <m:r>
+                                    <a:rPr lang="fr-FR" sz="1100" b="1" i="1" dirty="0" smtClean="0">
+                                      <a:latin typeface="Cambria Math" panose="02040503050406030204" pitchFamily="18" charset="0"/>
+                                    </a:rPr>
+                                    <m:t>𝒃𝒂𝒍𝒐𝒖𝒓𝒅</m:t>
+                                  </m:r>
+                                </m:sub>
+                              </m:sSub>
+                              <m:r>
+                                <a:rPr lang="fr-FR" sz="1100" b="1" i="1" dirty="0" smtClean="0">
+                                  <a:latin typeface="Cambria Math" panose="02040503050406030204" pitchFamily="18" charset="0"/>
+                                </a:rPr>
+                                <m:t>+</m:t>
+                              </m:r>
+                              <m:sSub>
+                                <m:sSubPr>
+                                  <m:ctrlPr>
+                                    <a:rPr lang="fr-FR" sz="1100" b="1" i="1" dirty="0" smtClean="0">
+                                      <a:latin typeface="Cambria Math" panose="02040503050406030204" pitchFamily="18" charset="0"/>
+                                    </a:rPr>
+                                  </m:ctrlPr>
+                                </m:sSubPr>
+                                <m:e>
+                                  <m:r>
+                                    <a:rPr lang="fr-FR" sz="1100" b="1" i="1" dirty="0" smtClean="0">
+                                      <a:latin typeface="Cambria Math" panose="02040503050406030204" pitchFamily="18" charset="0"/>
+                                    </a:rPr>
+                                    <m:t>𝑭</m:t>
+                                  </m:r>
+                                </m:e>
+                                <m:sub>
+                                  <m:r>
+                                    <a:rPr lang="fr-FR" sz="1100" b="1" i="1" dirty="0" smtClean="0">
+                                      <a:latin typeface="Cambria Math" panose="02040503050406030204" pitchFamily="18" charset="0"/>
+                                    </a:rPr>
+                                    <m:t>𝒈𝒓𝒂𝒗𝒊𝒕</m:t>
+                                  </m:r>
+                                  <m:r>
+                                    <a:rPr lang="fr-FR" sz="1100" b="1" i="1" dirty="0" smtClean="0">
+                                      <a:latin typeface="Cambria Math" panose="02040503050406030204" pitchFamily="18" charset="0"/>
+                                    </a:rPr>
+                                    <m:t>é</m:t>
+                                  </m:r>
+                                </m:sub>
+                              </m:sSub>
+                            </m:oMath>
+                          </m:oMathPara>
+                        </a14:m>
+                        <a:r>
+                          <a:rPr lang="fr-FR" sz="1100" b="1" dirty="0" smtClean="0"/>
+                          <a:t/>
+                        </a:r>
+                        <a:br>
+                          <a:rPr lang="fr-FR" sz="1100" b="1" dirty="0" smtClean="0"/>
+                        </a:br>
+                        <a:r>
+                          <a:rPr lang="fr-FR" sz="1100" dirty="0"/>
+                          <a:t>schéma </a:t>
+                        </a:r>
+                        <a:r>
+                          <a:rPr lang="fr-FR" sz="1100" dirty="0" smtClean="0"/>
+                          <a:t>de </a:t>
+                        </a:r>
+                        <a:r>
+                          <a:rPr lang="fr-FR" sz="1100" i="0" dirty="0" err="1" smtClean="0"/>
+                          <a:t>Newmark</a:t>
+                        </a:r>
+                        <a:r>
+                          <a:rPr lang="fr-FR" sz="1100" i="0" dirty="0" smtClean="0"/>
+                          <a:t> combiné avec la méthode de Newton-Raphson</a:t>
+                        </a:r>
+                        <a:endParaRPr lang="fr-FR" sz="1100" dirty="0"/>
+                      </a:p>
+                    </p:txBody>
+                  </p:sp>
+                </mc:Choice>
+                <mc:Fallback>
+                  <p:sp>
+                    <p:nvSpPr>
+                      <p:cNvPr id="51" name="ZoneTexte 50"/>
+                      <p:cNvSpPr txBox="1">
+                        <a:spLocks noRot="1" noChangeAspect="1" noMove="1" noResize="1" noEditPoints="1" noAdjustHandles="1" noChangeArrowheads="1" noChangeShapeType="1" noTextEdit="1"/>
+                      </p:cNvSpPr>
+                      <p:nvPr/>
+                    </p:nvSpPr>
+                    <p:spPr>
+                      <a:xfrm>
+                        <a:off x="742948" y="4643009"/>
+                        <a:ext cx="4187192" cy="446917"/>
+                      </a:xfrm>
+                      <a:prstGeom prst="rect">
+                        <a:avLst/>
+                      </a:prstGeom>
+                      <a:blipFill>
+                        <a:blip r:embed="rId6"/>
+                        <a:stretch>
+                          <a:fillRect b="-8000"/>
+                        </a:stretch>
+                      </a:blipFill>
+                    </p:spPr>
+                    <p:txBody>
+                      <a:bodyPr/>
+                      <a:lstStyle/>
+                      <a:p>
+                        <a:r>
+                          <a:rPr lang="en-US">
+                            <a:noFill/>
+                          </a:rPr>
+                          <a:t> </a:t>
+                        </a:r>
+                      </a:p>
+                    </p:txBody>
+                  </p:sp>
+                </mc:Fallback>
+              </mc:AlternateContent>
+            </p:grpSp>
+            <p:cxnSp>
+              <p:nvCxnSpPr>
+                <p:cNvPr id="15" name="Connecteur droit avec flèche 14"/>
+                <p:cNvCxnSpPr>
+                  <a:stCxn id="51" idx="2"/>
+                  <a:endCxn id="9" idx="0"/>
+                </p:cNvCxnSpPr>
+                <p:nvPr/>
+              </p:nvCxnSpPr>
+              <p:spPr>
+                <a:xfrm flipH="1">
+                  <a:off x="2381250" y="5099160"/>
+                  <a:ext cx="3174" cy="226730"/>
+                </a:xfrm>
+                <a:prstGeom prst="straightConnector1">
+                  <a:avLst/>
+                </a:prstGeom>
+                <a:ln w="19050">
+                  <a:tailEnd type="triangle"/>
+                </a:ln>
+              </p:spPr>
+              <p:style>
+                <a:lnRef idx="1">
+                  <a:schemeClr val="dk1"/>
+                </a:lnRef>
+                <a:fillRef idx="0">
+                  <a:schemeClr val="dk1"/>
+                </a:fillRef>
+                <a:effectRef idx="0">
+                  <a:schemeClr val="dk1"/>
+                </a:effectRef>
+                <a:fontRef idx="minor">
+                  <a:schemeClr val="tx1"/>
+                </a:fontRef>
+              </p:style>
+            </p:cxnSp>
+            <p:sp>
+              <p:nvSpPr>
+                <p:cNvPr id="16" name="ZoneTexte 15"/>
+                <p:cNvSpPr txBox="1"/>
+                <p:nvPr/>
+              </p:nvSpPr>
+              <p:spPr>
+                <a:xfrm>
+                  <a:off x="1978940" y="6064661"/>
+                  <a:ext cx="402674" cy="276999"/>
+                </a:xfrm>
+                <a:prstGeom prst="rect">
+                  <a:avLst/>
+                </a:prstGeom>
+                <a:noFill/>
+              </p:spPr>
+              <p:txBody>
+                <a:bodyPr wrap="none" rtlCol="0">
+                  <a:spAutoFit/>
+                </a:bodyPr>
+                <a:lstStyle/>
+                <a:p>
+                  <a:r>
+                    <a:rPr lang="fr-FR" sz="1200" dirty="0" smtClean="0"/>
+                    <a:t>Oui</a:t>
+                  </a:r>
+                  <a:endParaRPr lang="fr-FR" sz="1200" dirty="0"/>
+                </a:p>
+              </p:txBody>
+            </p:sp>
+            <p:grpSp>
+              <p:nvGrpSpPr>
+                <p:cNvPr id="17" name="Groupe 16"/>
+                <p:cNvGrpSpPr/>
+                <p:nvPr/>
+              </p:nvGrpSpPr>
+              <p:grpSpPr>
+                <a:xfrm>
+                  <a:off x="2388934" y="4405252"/>
+                  <a:ext cx="3531786" cy="2334762"/>
+                  <a:chOff x="2368951" y="4074573"/>
+                  <a:chExt cx="3531786" cy="2797329"/>
+                </a:xfrm>
+              </p:grpSpPr>
+              <p:cxnSp>
+                <p:nvCxnSpPr>
+                  <p:cNvPr id="42" name="Connecteur droit avec flèche 41"/>
+                  <p:cNvCxnSpPr/>
+                  <p:nvPr/>
+                </p:nvCxnSpPr>
+                <p:spPr>
+                  <a:xfrm>
+                    <a:off x="2368951" y="6164887"/>
+                    <a:ext cx="0" cy="403553"/>
+                  </a:xfrm>
+                  <a:prstGeom prst="straightConnector1">
+                    <a:avLst/>
+                  </a:prstGeom>
+                  <a:ln w="19050">
+                    <a:tailEnd type="none"/>
+                  </a:ln>
+                </p:spPr>
+                <p:style>
+                  <a:lnRef idx="1">
+                    <a:schemeClr val="dk1"/>
+                  </a:lnRef>
+                  <a:fillRef idx="0">
+                    <a:schemeClr val="dk1"/>
+                  </a:fillRef>
+                  <a:effectRef idx="0">
+                    <a:schemeClr val="dk1"/>
+                  </a:effectRef>
+                  <a:fontRef idx="minor">
+                    <a:schemeClr val="tx1"/>
+                  </a:fontRef>
+                </p:style>
+              </p:cxnSp>
+              <p:cxnSp>
+                <p:nvCxnSpPr>
+                  <p:cNvPr id="43" name="Connecteur droit 42"/>
+                  <p:cNvCxnSpPr>
+                    <a:stCxn id="48" idx="2"/>
+                  </p:cNvCxnSpPr>
+                  <p:nvPr/>
+                </p:nvCxnSpPr>
+                <p:spPr>
+                  <a:xfrm>
+                    <a:off x="5871230" y="4074573"/>
+                    <a:ext cx="29507" cy="2482839"/>
+                  </a:xfrm>
+                  <a:prstGeom prst="line">
+                    <a:avLst/>
+                  </a:prstGeom>
+                  <a:ln w="19050"/>
+                </p:spPr>
+                <p:style>
+                  <a:lnRef idx="1">
+                    <a:schemeClr val="dk1"/>
+                  </a:lnRef>
+                  <a:fillRef idx="0">
+                    <a:schemeClr val="dk1"/>
+                  </a:fillRef>
+                  <a:effectRef idx="0">
+                    <a:schemeClr val="dk1"/>
+                  </a:effectRef>
+                  <a:fontRef idx="minor">
+                    <a:schemeClr val="tx1"/>
+                  </a:fontRef>
+                </p:style>
+              </p:cxnSp>
+              <p:cxnSp>
+                <p:nvCxnSpPr>
+                  <p:cNvPr id="44" name="Connecteur droit avec flèche 43"/>
+                  <p:cNvCxnSpPr/>
+                  <p:nvPr/>
+                </p:nvCxnSpPr>
+                <p:spPr>
+                  <a:xfrm>
+                    <a:off x="2381250" y="6568440"/>
+                    <a:ext cx="3519487" cy="0"/>
+                  </a:xfrm>
+                  <a:prstGeom prst="straightConnector1">
+                    <a:avLst/>
+                  </a:prstGeom>
+                  <a:ln w="19050">
+                    <a:tailEnd type="none"/>
+                  </a:ln>
+                </p:spPr>
+                <p:style>
+                  <a:lnRef idx="1">
+                    <a:schemeClr val="dk1"/>
+                  </a:lnRef>
+                  <a:fillRef idx="0">
+                    <a:schemeClr val="dk1"/>
+                  </a:fillRef>
+                  <a:effectRef idx="0">
+                    <a:schemeClr val="dk1"/>
+                  </a:effectRef>
+                  <a:fontRef idx="minor">
+                    <a:schemeClr val="tx1"/>
+                  </a:fontRef>
+                </p:style>
+              </p:cxnSp>
+              <p:cxnSp>
+                <p:nvCxnSpPr>
+                  <p:cNvPr id="45" name="Connecteur droit avec flèche 44"/>
+                  <p:cNvCxnSpPr>
+                    <a:endCxn id="36" idx="0"/>
+                  </p:cNvCxnSpPr>
+                  <p:nvPr/>
+                </p:nvCxnSpPr>
+                <p:spPr>
+                  <a:xfrm flipH="1">
+                    <a:off x="4272834" y="6568439"/>
+                    <a:ext cx="1052" cy="303463"/>
+                  </a:xfrm>
+                  <a:prstGeom prst="straightConnector1">
+                    <a:avLst/>
+                  </a:prstGeom>
+                  <a:ln w="19050">
+                    <a:tailEnd type="triangle"/>
+                  </a:ln>
+                </p:spPr>
+                <p:style>
+                  <a:lnRef idx="1">
+                    <a:schemeClr val="dk1"/>
+                  </a:lnRef>
+                  <a:fillRef idx="0">
+                    <a:schemeClr val="dk1"/>
+                  </a:fillRef>
+                  <a:effectRef idx="0">
+                    <a:schemeClr val="dk1"/>
+                  </a:effectRef>
+                  <a:fontRef idx="minor">
+                    <a:schemeClr val="tx1"/>
+                  </a:fontRef>
+                </p:style>
+              </p:cxnSp>
+            </p:grpSp>
+            <p:grpSp>
+              <p:nvGrpSpPr>
+                <p:cNvPr id="18" name="Groupe 17"/>
+                <p:cNvGrpSpPr/>
+                <p:nvPr/>
+              </p:nvGrpSpPr>
+              <p:grpSpPr>
+                <a:xfrm>
+                  <a:off x="1855274" y="6740012"/>
+                  <a:ext cx="4875086" cy="2203922"/>
+                  <a:chOff x="1855274" y="6740012"/>
+                  <a:chExt cx="4875086" cy="2203922"/>
+                </a:xfrm>
+              </p:grpSpPr>
+              <mc:AlternateContent xmlns:mc="http://schemas.openxmlformats.org/markup-compatibility/2006">
+                <mc:Choice xmlns:a14="http://schemas.microsoft.com/office/drawing/2010/main" Requires="a14">
+                  <p:sp>
+                    <p:nvSpPr>
+                      <p:cNvPr id="36" name="ZoneTexte 35"/>
+                      <p:cNvSpPr txBox="1"/>
+                      <p:nvPr/>
+                    </p:nvSpPr>
+                    <p:spPr>
+                      <a:xfrm>
+                        <a:off x="3167818" y="6740012"/>
+                        <a:ext cx="2249998" cy="308290"/>
+                      </a:xfrm>
+                      <a:prstGeom prst="rect">
+                        <a:avLst/>
+                      </a:prstGeom>
+                    </p:spPr>
+                    <p:style>
+                      <a:lnRef idx="2">
+                        <a:schemeClr val="dk1"/>
+                      </a:lnRef>
+                      <a:fillRef idx="1">
+                        <a:schemeClr val="lt1"/>
+                      </a:fillRef>
+                      <a:effectRef idx="0">
+                        <a:schemeClr val="dk1"/>
+                      </a:effectRef>
+                      <a:fontRef idx="minor">
+                        <a:schemeClr val="dk1"/>
+                      </a:fontRef>
+                    </p:style>
+                    <p:txBody>
+                      <a:bodyPr wrap="square" rtlCol="0">
+                        <a:spAutoFit/>
+                      </a:bodyPr>
+                      <a:lstStyle/>
+                      <a:p>
+                        <a14:m>
+                          <m:oMath xmlns:m="http://schemas.openxmlformats.org/officeDocument/2006/math">
+                            <m:sSub>
+                              <m:sSubPr>
+                                <m:ctrlPr>
+                                  <a:rPr lang="fr-FR" sz="1100" b="1" i="1" dirty="0" smtClean="0">
+                                    <a:latin typeface="Cambria Math" panose="02040503050406030204" pitchFamily="18" charset="0"/>
+                                  </a:rPr>
+                                </m:ctrlPr>
+                              </m:sSubPr>
+                              <m:e>
+                                <m:sSubSup>
+                                  <m:sSubSupPr>
+                                    <m:ctrlPr>
+                                      <a:rPr lang="fr-FR" sz="1100" b="1" i="1" dirty="0" smtClean="0">
+                                        <a:latin typeface="Cambria Math" panose="02040503050406030204" pitchFamily="18" charset="0"/>
+                                      </a:rPr>
+                                    </m:ctrlPr>
+                                  </m:sSubSupPr>
+                                  <m:e>
+                                    <m:r>
+                                      <a:rPr lang="fr-FR" sz="1100" b="1" i="1" dirty="0" smtClean="0">
+                                        <a:latin typeface="Cambria Math" panose="02040503050406030204" pitchFamily="18" charset="0"/>
+                                      </a:rPr>
+                                      <m:t>𝑸</m:t>
+                                    </m:r>
+                                  </m:e>
+                                  <m:sub>
+                                    <m:r>
+                                      <a:rPr lang="fr-FR" sz="1100" b="1" i="1" dirty="0" smtClean="0">
+                                        <a:latin typeface="Cambria Math" panose="02040503050406030204" pitchFamily="18" charset="0"/>
+                                      </a:rPr>
+                                      <m:t>𝒎𝒐𝒚</m:t>
+                                    </m:r>
+                                  </m:sub>
+                                  <m:sup>
+                                    <m:r>
+                                      <a:rPr lang="fr-FR" sz="1100" b="1" i="1" dirty="0" smtClean="0">
+                                        <a:latin typeface="Cambria Math" panose="02040503050406030204" pitchFamily="18" charset="0"/>
+                                      </a:rPr>
+                                      <m:t>𝒊</m:t>
+                                    </m:r>
+                                  </m:sup>
+                                </m:sSubSup>
+                              </m:e>
+                              <m:sub>
+                                <m:r>
+                                  <a:rPr lang="fr-FR" sz="1100" b="1" i="1" dirty="0" smtClean="0">
+                                    <a:latin typeface="Cambria Math" panose="02040503050406030204" pitchFamily="18" charset="0"/>
+                                  </a:rPr>
+                                  <m:t>𝒓𝒐𝒕𝒐𝒓</m:t>
+                                </m:r>
+                              </m:sub>
+                            </m:sSub>
+                          </m:oMath>
+                        </a14:m>
+                        <a:r>
+                          <a:rPr lang="fr-FR" sz="1100" dirty="0"/>
+                          <a:t>=  flux thermique </a:t>
+                        </a:r>
+                        <a:r>
+                          <a:rPr lang="fr-FR" sz="1100" dirty="0" smtClean="0"/>
+                          <a:t>moyen</a:t>
+                        </a:r>
+                        <a:endParaRPr lang="fr-FR" sz="1100" dirty="0"/>
+                      </a:p>
+                    </p:txBody>
+                  </p:sp>
+                </mc:Choice>
+                <mc:Fallback>
+                  <p:sp>
+                    <p:nvSpPr>
+                      <p:cNvPr id="36" name="ZoneTexte 35"/>
+                      <p:cNvSpPr txBox="1">
+                        <a:spLocks noRot="1" noChangeAspect="1" noMove="1" noResize="1" noEditPoints="1" noAdjustHandles="1" noChangeArrowheads="1" noChangeShapeType="1" noTextEdit="1"/>
+                      </p:cNvSpPr>
+                      <p:nvPr/>
+                    </p:nvSpPr>
+                    <p:spPr>
+                      <a:xfrm>
+                        <a:off x="3167818" y="6740012"/>
+                        <a:ext cx="2249998" cy="308290"/>
+                      </a:xfrm>
+                      <a:prstGeom prst="rect">
+                        <a:avLst/>
+                      </a:prstGeom>
+                      <a:blipFill>
+                        <a:blip r:embed="rId7"/>
+                        <a:stretch>
+                          <a:fillRect/>
+                        </a:stretch>
+                      </a:blipFill>
+                    </p:spPr>
+                    <p:txBody>
+                      <a:bodyPr/>
+                      <a:lstStyle/>
+                      <a:p>
+                        <a:r>
+                          <a:rPr lang="en-US">
+                            <a:noFill/>
+                          </a:rPr>
+                          <a:t> </a:t>
+                        </a:r>
+                      </a:p>
+                    </p:txBody>
+                  </p:sp>
+                </mc:Fallback>
+              </mc:AlternateContent>
+              <p:cxnSp>
+                <p:nvCxnSpPr>
+                  <p:cNvPr id="37" name="Connecteur droit avec flèche 36"/>
+                  <p:cNvCxnSpPr>
+                    <a:stCxn id="36" idx="2"/>
+                    <a:endCxn id="38" idx="0"/>
+                  </p:cNvCxnSpPr>
+                  <p:nvPr/>
+                </p:nvCxnSpPr>
+                <p:spPr>
+                  <a:xfrm>
+                    <a:off x="4292817" y="7048302"/>
+                    <a:ext cx="0" cy="121515"/>
+                  </a:xfrm>
+                  <a:prstGeom prst="straightConnector1">
+                    <a:avLst/>
+                  </a:prstGeom>
+                  <a:ln w="19050">
+                    <a:tailEnd type="triangle"/>
+                  </a:ln>
+                </p:spPr>
+                <p:style>
+                  <a:lnRef idx="1">
+                    <a:schemeClr val="dk1"/>
+                  </a:lnRef>
+                  <a:fillRef idx="0">
+                    <a:schemeClr val="dk1"/>
+                  </a:fillRef>
+                  <a:effectRef idx="0">
+                    <a:schemeClr val="dk1"/>
+                  </a:effectRef>
+                  <a:fontRef idx="minor">
+                    <a:schemeClr val="tx1"/>
+                  </a:fontRef>
+                </p:style>
+              </p:cxnSp>
+              <mc:AlternateContent xmlns:mc="http://schemas.openxmlformats.org/markup-compatibility/2006">
+                <mc:Choice xmlns:a14="http://schemas.microsoft.com/office/drawing/2010/main" Requires="a14">
+                  <p:sp>
+                    <p:nvSpPr>
+                      <p:cNvPr id="38" name="ZoneTexte 37"/>
+                      <p:cNvSpPr txBox="1"/>
+                      <p:nvPr/>
+                    </p:nvSpPr>
+                    <p:spPr>
+                      <a:xfrm>
+                        <a:off x="1855274" y="7169817"/>
+                        <a:ext cx="4875086" cy="580865"/>
+                      </a:xfrm>
+                      <a:prstGeom prst="rect">
+                        <a:avLst/>
+                      </a:prstGeom>
+                    </p:spPr>
+                    <p:style>
+                      <a:lnRef idx="2">
+                        <a:schemeClr val="dk1"/>
+                      </a:lnRef>
+                      <a:fillRef idx="1">
+                        <a:schemeClr val="lt1"/>
+                      </a:fillRef>
+                      <a:effectRef idx="0">
+                        <a:schemeClr val="dk1"/>
+                      </a:effectRef>
+                      <a:fontRef idx="minor">
+                        <a:schemeClr val="dk1"/>
+                      </a:fontRef>
+                    </p:style>
+                    <p:txBody>
+                      <a:bodyPr wrap="square" rtlCol="0">
+                        <a:spAutoFit/>
+                      </a:bodyPr>
+                      <a:lstStyle/>
+                      <a:p>
+                        <a:pPr>
+                          <a:spcAft>
+                            <a:spcPts val="600"/>
+                          </a:spcAft>
+                        </a:pPr>
+                        <a14:m>
+                          <m:oMathPara xmlns:m="http://schemas.openxmlformats.org/officeDocument/2006/math">
+                            <m:oMathParaPr>
+                              <m:jc m:val="center"/>
+                            </m:oMathParaPr>
+                            <m:oMath xmlns:m="http://schemas.openxmlformats.org/officeDocument/2006/math">
+                              <m:sSup>
+                                <m:sSupPr>
+                                  <m:ctrlPr>
+                                    <a:rPr lang="fr-FR" sz="1100" b="0" i="1" smtClean="0">
+                                      <a:latin typeface="Cambria Math" panose="02040503050406030204" pitchFamily="18" charset="0"/>
+                                    </a:rPr>
+                                  </m:ctrlPr>
+                                </m:sSupPr>
+                                <m:e>
+                                  <m:r>
+                                    <a:rPr lang="fr-FR" sz="1100" b="0" i="1" smtClean="0">
+                                      <a:latin typeface="Cambria Math" panose="02040503050406030204" pitchFamily="18" charset="0"/>
+                                    </a:rPr>
+                                    <m:t>𝑡</m:t>
+                                  </m:r>
+                                </m:e>
+                                <m:sup>
+                                  <m:r>
+                                    <a:rPr lang="fr-FR" sz="1100" b="0" i="1" smtClean="0">
+                                      <a:latin typeface="Cambria Math" panose="02040503050406030204" pitchFamily="18" charset="0"/>
+                                    </a:rPr>
+                                    <m:t>𝑖</m:t>
+                                  </m:r>
+                                  <m:r>
+                                    <a:rPr lang="fr-FR" sz="1100" b="0" i="1" smtClean="0">
+                                      <a:latin typeface="Cambria Math" panose="02040503050406030204" pitchFamily="18" charset="0"/>
+                                    </a:rPr>
+                                    <m:t>+1</m:t>
+                                  </m:r>
+                                </m:sup>
+                              </m:sSup>
+                              <m:r>
+                                <a:rPr lang="fr-FR" sz="1100" b="0" i="1" smtClean="0">
+                                  <a:latin typeface="Cambria Math" panose="02040503050406030204" pitchFamily="18" charset="0"/>
+                                </a:rPr>
+                                <m:t>=</m:t>
+                              </m:r>
+                              <m:sSup>
+                                <m:sSupPr>
+                                  <m:ctrlPr>
+                                    <a:rPr lang="fr-FR" sz="1100" b="0" i="1" smtClean="0">
+                                      <a:latin typeface="Cambria Math" panose="02040503050406030204" pitchFamily="18" charset="0"/>
+                                    </a:rPr>
+                                  </m:ctrlPr>
+                                </m:sSupPr>
+                                <m:e>
+                                  <m:r>
+                                    <a:rPr lang="fr-FR" sz="1100" b="0" i="1" smtClean="0">
+                                      <a:latin typeface="Cambria Math" panose="02040503050406030204" pitchFamily="18" charset="0"/>
+                                    </a:rPr>
+                                    <m:t>𝑡</m:t>
+                                  </m:r>
+                                </m:e>
+                                <m:sup>
+                                  <m:r>
+                                    <a:rPr lang="fr-FR" sz="1100" b="0" i="1" smtClean="0">
+                                      <a:latin typeface="Cambria Math" panose="02040503050406030204" pitchFamily="18" charset="0"/>
+                                    </a:rPr>
+                                    <m:t>𝑖</m:t>
+                                  </m:r>
+                                </m:sup>
+                              </m:sSup>
+                              <m:r>
+                                <a:rPr lang="fr-FR" sz="1100" b="1" i="1" smtClean="0">
+                                  <a:latin typeface="Cambria Math" panose="02040503050406030204" pitchFamily="18" charset="0"/>
+                                </a:rPr>
+                                <m:t>+</m:t>
+                              </m:r>
+                              <m:r>
+                                <a:rPr lang="fr-FR" sz="1100" b="0" i="1" smtClean="0">
+                                  <a:latin typeface="Cambria Math" panose="02040503050406030204" pitchFamily="18" charset="0"/>
+                                </a:rPr>
+                                <m:t>𝑑</m:t>
+                              </m:r>
+                              <m:sSub>
+                                <m:sSubPr>
+                                  <m:ctrlPr>
+                                    <a:rPr lang="fr-FR" sz="1100" i="1" smtClean="0">
+                                      <a:latin typeface="Cambria Math" panose="02040503050406030204" pitchFamily="18" charset="0"/>
+                                      <a:ea typeface="Cambria Math" panose="02040503050406030204" pitchFamily="18" charset="0"/>
+                                    </a:rPr>
+                                  </m:ctrlPr>
+                                </m:sSubPr>
+                                <m:e>
+                                  <m:r>
+                                    <a:rPr lang="fr-FR" sz="1100" b="0" i="1" smtClean="0">
+                                      <a:latin typeface="Cambria Math" panose="02040503050406030204" pitchFamily="18" charset="0"/>
+                                      <a:ea typeface="Cambria Math" panose="02040503050406030204" pitchFamily="18" charset="0"/>
+                                    </a:rPr>
+                                    <m:t>𝑡</m:t>
+                                  </m:r>
+                                </m:e>
+                                <m:sub>
+                                  <m:r>
+                                    <a:rPr lang="fr-FR" sz="1100" b="0" i="1" smtClean="0">
+                                      <a:latin typeface="Cambria Math" panose="02040503050406030204" pitchFamily="18" charset="0"/>
+                                      <a:ea typeface="Cambria Math" panose="02040503050406030204" pitchFamily="18" charset="0"/>
+                                    </a:rPr>
+                                    <m:t>𝐸𝑀</m:t>
+                                  </m:r>
+                                </m:sub>
+                              </m:sSub>
+                              <m:r>
+                                <a:rPr lang="fr-FR" sz="1100" b="1" i="1" smtClean="0">
+                                  <a:latin typeface="Cambria Math" panose="02040503050406030204" pitchFamily="18" charset="0"/>
+                                  <a:ea typeface="Cambria Math" panose="02040503050406030204" pitchFamily="18" charset="0"/>
+                                </a:rPr>
+                                <m:t>  </m:t>
+                              </m:r>
+                              <m:d>
+                                <m:dPr>
+                                  <m:ctrlPr>
+                                    <a:rPr lang="fr-FR" sz="1100" b="1" i="1" smtClean="0">
+                                      <a:latin typeface="Cambria Math" panose="02040503050406030204" pitchFamily="18" charset="0"/>
+                                      <a:ea typeface="Cambria Math" panose="02040503050406030204" pitchFamily="18" charset="0"/>
+                                    </a:rPr>
+                                  </m:ctrlPr>
+                                </m:dPr>
+                                <m:e>
+                                  <m:r>
+                                    <a:rPr lang="fr-FR" sz="1100" b="0" i="1" smtClean="0">
+                                      <a:latin typeface="Cambria Math" panose="02040503050406030204" pitchFamily="18" charset="0"/>
+                                      <a:ea typeface="Cambria Math" panose="02040503050406030204" pitchFamily="18" charset="0"/>
+                                    </a:rPr>
+                                    <m:t>𝑑</m:t>
+                                  </m:r>
+                                  <m:sSub>
+                                    <m:sSubPr>
+                                      <m:ctrlPr>
+                                        <a:rPr lang="fr-FR" sz="1100" i="1" smtClean="0">
+                                          <a:latin typeface="Cambria Math" panose="02040503050406030204" pitchFamily="18" charset="0"/>
+                                          <a:ea typeface="Cambria Math" panose="02040503050406030204" pitchFamily="18" charset="0"/>
+                                        </a:rPr>
+                                      </m:ctrlPr>
+                                    </m:sSubPr>
+                                    <m:e>
+                                      <m:r>
+                                        <a:rPr lang="fr-FR" sz="1100" b="0" i="1" smtClean="0">
+                                          <a:latin typeface="Cambria Math" panose="02040503050406030204" pitchFamily="18" charset="0"/>
+                                          <a:ea typeface="Cambria Math" panose="02040503050406030204" pitchFamily="18" charset="0"/>
+                                        </a:rPr>
+                                        <m:t>𝑡</m:t>
+                                      </m:r>
+                                    </m:e>
+                                    <m:sub>
+                                      <m:r>
+                                        <a:rPr lang="fr-FR" sz="1100" b="0" i="1" smtClean="0">
+                                          <a:latin typeface="Cambria Math" panose="02040503050406030204" pitchFamily="18" charset="0"/>
+                                          <a:ea typeface="Cambria Math" panose="02040503050406030204" pitchFamily="18" charset="0"/>
+                                        </a:rPr>
+                                        <m:t>𝐸𝑀</m:t>
+                                      </m:r>
+                                    </m:sub>
+                                  </m:sSub>
+                                  <m:r>
+                                    <a:rPr lang="fr-FR" sz="1100" b="1" i="1" smtClean="0">
+                                      <a:latin typeface="Cambria Math" panose="02040503050406030204" pitchFamily="18" charset="0"/>
+                                      <a:ea typeface="Cambria Math" panose="02040503050406030204" pitchFamily="18" charset="0"/>
+                                    </a:rPr>
+                                    <m:t>=</m:t>
+                                  </m:r>
+                                  <m:r>
+                                    <a:rPr lang="fr-FR" sz="1100" b="0" i="1" smtClean="0">
+                                      <a:latin typeface="Cambria Math" panose="02040503050406030204" pitchFamily="18" charset="0"/>
+                                      <a:ea typeface="Cambria Math" panose="02040503050406030204" pitchFamily="18" charset="0"/>
+                                    </a:rPr>
+                                    <m:t>100</m:t>
+                                  </m:r>
+                                  <m:sSub>
+                                    <m:sSubPr>
+                                      <m:ctrlPr>
+                                        <a:rPr lang="fr-FR" sz="1100" i="1" smtClean="0">
+                                          <a:latin typeface="Cambria Math" panose="02040503050406030204" pitchFamily="18" charset="0"/>
+                                          <a:ea typeface="Cambria Math" panose="02040503050406030204" pitchFamily="18" charset="0"/>
+                                        </a:rPr>
+                                      </m:ctrlPr>
+                                    </m:sSubPr>
+                                    <m:e>
+                                      <m:r>
+                                        <a:rPr lang="fr-FR" sz="1100" b="0" i="1" smtClean="0">
+                                          <a:latin typeface="Cambria Math" panose="02040503050406030204" pitchFamily="18" charset="0"/>
+                                          <a:ea typeface="Cambria Math" panose="02040503050406030204" pitchFamily="18" charset="0"/>
+                                        </a:rPr>
+                                        <m:t>𝑇</m:t>
+                                      </m:r>
+                                    </m:e>
+                                    <m:sub>
+                                      <m:r>
+                                        <a:rPr lang="fr-FR" sz="1100" b="0" i="1" smtClean="0">
+                                          <a:latin typeface="Cambria Math" panose="02040503050406030204" pitchFamily="18" charset="0"/>
+                                          <a:ea typeface="Cambria Math" panose="02040503050406030204" pitchFamily="18" charset="0"/>
+                                        </a:rPr>
+                                        <m:t>𝑟𝑜𝑡𝑎𝑡𝑖𝑜𝑛</m:t>
+                                      </m:r>
+                                    </m:sub>
+                                  </m:sSub>
+                                </m:e>
+                              </m:d>
+                            </m:oMath>
+                          </m:oMathPara>
+                        </a14:m>
+                        <a:endParaRPr lang="fr-FR" sz="1100" b="1" i="1" dirty="0" smtClean="0">
+                          <a:latin typeface="Cambria Math" panose="02040503050406030204" pitchFamily="18" charset="0"/>
+                        </a:endParaRPr>
+                      </a:p>
+                      <a:p>
+                        <a:pPr algn="ctr"/>
+                        <a14:m>
+                          <m:oMath xmlns:m="http://schemas.openxmlformats.org/officeDocument/2006/math">
+                            <m:sSubSup>
+                              <m:sSubSupPr>
+                                <m:ctrlPr>
+                                  <a:rPr lang="fr-FR" sz="1100" b="1" i="1" smtClean="0">
+                                    <a:latin typeface="Cambria Math" panose="02040503050406030204" pitchFamily="18" charset="0"/>
+                                  </a:rPr>
+                                </m:ctrlPr>
+                              </m:sSubSupPr>
+                              <m:e>
+                                <m:r>
+                                  <a:rPr lang="fr-FR" sz="1100" b="1" i="1" smtClean="0">
+                                    <a:latin typeface="Cambria Math" panose="02040503050406030204" pitchFamily="18" charset="0"/>
+                                  </a:rPr>
+                                  <m:t>𝑻</m:t>
+                                </m:r>
+                              </m:e>
+                              <m:sub>
+                                <m:r>
+                                  <a:rPr lang="fr-FR" sz="1100" b="1" i="1" smtClean="0">
+                                    <a:latin typeface="Cambria Math" panose="02040503050406030204" pitchFamily="18" charset="0"/>
+                                  </a:rPr>
+                                  <m:t>𝒓𝒐𝒕𝒐𝒓</m:t>
+                                </m:r>
+                              </m:sub>
+                              <m:sup>
+                                <m:r>
+                                  <a:rPr lang="fr-FR" sz="1100" b="1" i="1" smtClean="0">
+                                    <a:latin typeface="Cambria Math" panose="02040503050406030204" pitchFamily="18" charset="0"/>
+                                  </a:rPr>
+                                  <m:t>𝒊</m:t>
+                                </m:r>
+                                <m:r>
+                                  <a:rPr lang="fr-FR" sz="1100" b="1" i="1" smtClean="0">
+                                    <a:latin typeface="Cambria Math" panose="02040503050406030204" pitchFamily="18" charset="0"/>
+                                  </a:rPr>
+                                  <m:t>+</m:t>
+                                </m:r>
+                                <m:r>
+                                  <a:rPr lang="fr-FR" sz="1100" b="1" i="1" smtClean="0">
+                                    <a:latin typeface="Cambria Math" panose="02040503050406030204" pitchFamily="18" charset="0"/>
+                                  </a:rPr>
+                                  <m:t>𝟏</m:t>
+                                </m:r>
+                              </m:sup>
+                            </m:sSubSup>
+                            <m:r>
+                              <a:rPr lang="fr-FR" sz="1100" b="1" i="1" smtClean="0">
+                                <a:latin typeface="Cambria Math" panose="02040503050406030204" pitchFamily="18" charset="0"/>
+                              </a:rPr>
+                              <m:t>, </m:t>
+                            </m:r>
+                            <m:sSubSup>
+                              <m:sSubSupPr>
+                                <m:ctrlPr>
+                                  <a:rPr lang="fr-FR" sz="1100" b="1" i="1" smtClean="0">
+                                    <a:latin typeface="Cambria Math" panose="02040503050406030204" pitchFamily="18" charset="0"/>
+                                  </a:rPr>
+                                </m:ctrlPr>
+                              </m:sSubSupPr>
+                              <m:e>
+                                <m:r>
+                                  <a:rPr lang="fr-FR" sz="1100" b="1" i="1" smtClean="0">
+                                    <a:latin typeface="Cambria Math" panose="02040503050406030204" pitchFamily="18" charset="0"/>
+                                  </a:rPr>
+                                  <m:t>𝑻</m:t>
+                                </m:r>
+                              </m:e>
+                              <m:sub>
+                                <m:r>
+                                  <a:rPr lang="fr-FR" sz="1100" b="1" i="1" smtClean="0">
+                                    <a:latin typeface="Cambria Math" panose="02040503050406030204" pitchFamily="18" charset="0"/>
+                                  </a:rPr>
+                                  <m:t>𝒑𝒂𝒅</m:t>
+                                </m:r>
+                              </m:sub>
+                              <m:sup>
+                                <m:r>
+                                  <a:rPr lang="fr-FR" sz="1100" b="1" i="1" smtClean="0">
+                                    <a:latin typeface="Cambria Math" panose="02040503050406030204" pitchFamily="18" charset="0"/>
+                                  </a:rPr>
+                                  <m:t>𝒊</m:t>
+                                </m:r>
+                                <m:r>
+                                  <a:rPr lang="fr-FR" sz="1100" b="1" i="1" smtClean="0">
+                                    <a:latin typeface="Cambria Math" panose="02040503050406030204" pitchFamily="18" charset="0"/>
+                                  </a:rPr>
+                                  <m:t>+</m:t>
+                                </m:r>
+                                <m:r>
+                                  <a:rPr lang="fr-FR" sz="1100" b="1" i="1" smtClean="0">
+                                    <a:latin typeface="Cambria Math" panose="02040503050406030204" pitchFamily="18" charset="0"/>
+                                  </a:rPr>
+                                  <m:t>𝟏</m:t>
+                                </m:r>
+                              </m:sup>
+                            </m:sSubSup>
+                          </m:oMath>
+                        </a14:m>
+                        <a:r>
+                          <a:rPr lang="fr-FR" sz="1100" dirty="0" smtClean="0"/>
+                          <a:t> = </a:t>
+                        </a:r>
+                        <a:r>
+                          <a:rPr lang="fr-FR" sz="1100" dirty="0" smtClean="0"/>
+                          <a:t>modèles thermiques  (</a:t>
+                        </a:r>
+                        <a14:m>
+                          <m:oMath xmlns:m="http://schemas.openxmlformats.org/officeDocument/2006/math">
+                            <m:sSub>
+                              <m:sSubPr>
+                                <m:ctrlPr>
+                                  <a:rPr lang="fr-FR" sz="1100" b="1" i="1" dirty="0">
+                                    <a:latin typeface="Cambria Math" panose="02040503050406030204" pitchFamily="18" charset="0"/>
+                                  </a:rPr>
+                                </m:ctrlPr>
+                              </m:sSubPr>
+                              <m:e>
+                                <m:sSubSup>
+                                  <m:sSubSupPr>
+                                    <m:ctrlPr>
+                                      <a:rPr lang="fr-FR" sz="1100" b="1" i="1" dirty="0">
+                                        <a:latin typeface="Cambria Math" panose="02040503050406030204" pitchFamily="18" charset="0"/>
+                                      </a:rPr>
+                                    </m:ctrlPr>
+                                  </m:sSubSupPr>
+                                  <m:e>
+                                    <m:r>
+                                      <a:rPr lang="fr-FR" sz="1100" b="1" i="1" dirty="0">
+                                        <a:latin typeface="Cambria Math" panose="02040503050406030204" pitchFamily="18" charset="0"/>
+                                      </a:rPr>
+                                      <m:t>𝑸</m:t>
+                                    </m:r>
+                                  </m:e>
+                                  <m:sub>
+                                    <m:r>
+                                      <a:rPr lang="fr-FR" sz="1100" b="1" i="1" dirty="0">
+                                        <a:latin typeface="Cambria Math" panose="02040503050406030204" pitchFamily="18" charset="0"/>
+                                      </a:rPr>
+                                      <m:t>𝒎𝒐𝒚</m:t>
+                                    </m:r>
+                                  </m:sub>
+                                  <m:sup>
+                                    <m:r>
+                                      <a:rPr lang="fr-FR" sz="1100" b="1" i="1" dirty="0">
+                                        <a:latin typeface="Cambria Math" panose="02040503050406030204" pitchFamily="18" charset="0"/>
+                                      </a:rPr>
+                                      <m:t>𝒊</m:t>
+                                    </m:r>
+                                  </m:sup>
+                                </m:sSubSup>
+                              </m:e>
+                              <m:sub>
+                                <m:r>
+                                  <a:rPr lang="fr-FR" sz="1100" b="1" i="1" dirty="0">
+                                    <a:latin typeface="Cambria Math" panose="02040503050406030204" pitchFamily="18" charset="0"/>
+                                  </a:rPr>
+                                  <m:t>𝒓𝒐𝒕𝒐𝒓</m:t>
+                                </m:r>
+                              </m:sub>
+                            </m:sSub>
+                          </m:oMath>
+                        </a14:m>
+                        <a:r>
+                          <a:rPr lang="fr-FR" sz="1100" dirty="0" smtClean="0"/>
+                          <a:t>,</a:t>
+                        </a:r>
+                        <a14:m>
+                          <m:oMath xmlns:m="http://schemas.openxmlformats.org/officeDocument/2006/math">
+                            <m:sSub>
+                              <m:sSubPr>
+                                <m:ctrlPr>
+                                  <a:rPr lang="fr-FR" sz="1100" b="1" i="1" dirty="0">
+                                    <a:latin typeface="Cambria Math" panose="02040503050406030204" pitchFamily="18" charset="0"/>
+                                  </a:rPr>
+                                </m:ctrlPr>
+                              </m:sSubPr>
+                              <m:e>
+                                <m:sSubSup>
+                                  <m:sSubSupPr>
+                                    <m:ctrlPr>
+                                      <a:rPr lang="fr-FR" sz="1100" b="1" i="1" dirty="0">
+                                        <a:latin typeface="Cambria Math" panose="02040503050406030204" pitchFamily="18" charset="0"/>
+                                      </a:rPr>
+                                    </m:ctrlPr>
+                                  </m:sSubSupPr>
+                                  <m:e>
+                                    <m:r>
+                                      <a:rPr lang="fr-FR" sz="1100" b="1" i="1" dirty="0">
+                                        <a:latin typeface="Cambria Math" panose="02040503050406030204" pitchFamily="18" charset="0"/>
+                                      </a:rPr>
+                                      <m:t>𝑸</m:t>
+                                    </m:r>
+                                  </m:e>
+                                  <m:sub>
+                                    <m:r>
+                                      <a:rPr lang="fr-FR" sz="1100" b="1" i="1" dirty="0">
+                                        <a:latin typeface="Cambria Math" panose="02040503050406030204" pitchFamily="18" charset="0"/>
+                                      </a:rPr>
+                                      <m:t>𝒎𝒐𝒚</m:t>
+                                    </m:r>
+                                  </m:sub>
+                                  <m:sup>
+                                    <m:r>
+                                      <a:rPr lang="fr-FR" sz="1100" b="1" i="1" dirty="0">
+                                        <a:latin typeface="Cambria Math" panose="02040503050406030204" pitchFamily="18" charset="0"/>
+                                      </a:rPr>
+                                      <m:t>𝒊</m:t>
+                                    </m:r>
+                                  </m:sup>
+                                </m:sSubSup>
+                              </m:e>
+                              <m:sub>
+                                <m:r>
+                                  <a:rPr lang="fr-FR" sz="1100" b="1" i="1" dirty="0" smtClean="0">
+                                    <a:latin typeface="Cambria Math" panose="02040503050406030204" pitchFamily="18" charset="0"/>
+                                  </a:rPr>
+                                  <m:t>𝒑𝒂𝒅</m:t>
+                                </m:r>
+                              </m:sub>
+                            </m:sSub>
+                          </m:oMath>
+                        </a14:m>
+                        <a:r>
+                          <a:rPr lang="fr-FR" sz="1100" dirty="0" smtClean="0"/>
+                          <a:t>, </a:t>
+                        </a:r>
+                        <a14:m>
+                          <m:oMath xmlns:m="http://schemas.openxmlformats.org/officeDocument/2006/math">
+                            <m:sSup>
+                              <m:sSupPr>
+                                <m:ctrlPr>
+                                  <a:rPr lang="fr-FR" sz="1100" i="1">
+                                    <a:latin typeface="Cambria Math" panose="02040503050406030204" pitchFamily="18" charset="0"/>
+                                  </a:rPr>
+                                </m:ctrlPr>
+                              </m:sSupPr>
+                              <m:e>
+                                <m:r>
+                                  <a:rPr lang="fr-FR" sz="1100" i="1">
+                                    <a:latin typeface="Cambria Math" panose="02040503050406030204" pitchFamily="18" charset="0"/>
+                                  </a:rPr>
+                                  <m:t>𝑡</m:t>
+                                </m:r>
+                              </m:e>
+                              <m:sup>
+                                <m:r>
+                                  <a:rPr lang="fr-FR" sz="1100" i="1">
+                                    <a:latin typeface="Cambria Math" panose="02040503050406030204" pitchFamily="18" charset="0"/>
+                                  </a:rPr>
+                                  <m:t>𝑖</m:t>
+                                </m:r>
+                              </m:sup>
+                            </m:sSup>
+                          </m:oMath>
+                        </a14:m>
+                        <a:r>
+                          <a:rPr lang="fr-FR" sz="1100" dirty="0" smtClean="0"/>
+                          <a:t>) </a:t>
+                        </a:r>
+                        <a:endParaRPr lang="fr-FR" sz="1100" dirty="0" smtClean="0"/>
+                      </a:p>
+                    </p:txBody>
+                  </p:sp>
+                </mc:Choice>
+                <mc:Fallback>
+                  <p:sp>
+                    <p:nvSpPr>
+                      <p:cNvPr id="38" name="ZoneTexte 37"/>
+                      <p:cNvSpPr txBox="1">
+                        <a:spLocks noRot="1" noChangeAspect="1" noMove="1" noResize="1" noEditPoints="1" noAdjustHandles="1" noChangeArrowheads="1" noChangeShapeType="1" noTextEdit="1"/>
+                      </p:cNvSpPr>
+                      <p:nvPr/>
+                    </p:nvSpPr>
+                    <p:spPr>
+                      <a:xfrm>
+                        <a:off x="1855274" y="7169817"/>
+                        <a:ext cx="4875086" cy="580865"/>
+                      </a:xfrm>
+                      <a:prstGeom prst="rect">
+                        <a:avLst/>
+                      </a:prstGeom>
+                      <a:blipFill>
+                        <a:blip r:embed="rId8"/>
+                        <a:stretch>
+                          <a:fillRect b="-2062"/>
+                        </a:stretch>
+                      </a:blipFill>
+                    </p:spPr>
+                    <p:txBody>
+                      <a:bodyPr/>
+                      <a:lstStyle/>
+                      <a:p>
+                        <a:r>
+                          <a:rPr lang="en-US">
+                            <a:noFill/>
+                          </a:rPr>
+                          <a:t> </a:t>
+                        </a:r>
+                      </a:p>
+                    </p:txBody>
+                  </p:sp>
+                </mc:Fallback>
+              </mc:AlternateContent>
+              <mc:AlternateContent xmlns:mc="http://schemas.openxmlformats.org/markup-compatibility/2006">
+                <mc:Choice xmlns:a14="http://schemas.microsoft.com/office/drawing/2010/main" Requires="a14">
+                  <p:sp>
+                    <p:nvSpPr>
+                      <p:cNvPr id="39" name="ZoneTexte 38"/>
+                      <p:cNvSpPr txBox="1"/>
+                      <p:nvPr/>
+                    </p:nvSpPr>
+                    <p:spPr>
+                      <a:xfrm>
+                        <a:off x="2089544" y="7911774"/>
+                        <a:ext cx="4408648" cy="275204"/>
+                      </a:xfrm>
+                      <a:prstGeom prst="rect">
+                        <a:avLst/>
+                      </a:prstGeom>
+                    </p:spPr>
+                    <p:style>
+                      <a:lnRef idx="2">
+                        <a:schemeClr val="dk1"/>
+                      </a:lnRef>
+                      <a:fillRef idx="1">
+                        <a:schemeClr val="lt1"/>
+                      </a:fillRef>
+                      <a:effectRef idx="0">
+                        <a:schemeClr val="dk1"/>
+                      </a:effectRef>
+                      <a:fontRef idx="minor">
+                        <a:schemeClr val="dk1"/>
+                      </a:fontRef>
+                    </p:style>
+                    <p:txBody>
+                      <a:bodyPr wrap="square" rtlCol="0">
+                        <a:spAutoFit/>
+                      </a:bodyPr>
+                      <a:lstStyle/>
+                      <a:p>
+                        <a:pPr algn="ctr"/>
+                        <a14:m>
+                          <m:oMath xmlns:m="http://schemas.openxmlformats.org/officeDocument/2006/math">
+                            <m:sSubSup>
+                              <m:sSubSupPr>
+                                <m:ctrlPr>
+                                  <a:rPr lang="fr-FR" sz="1100" b="1" i="1" smtClean="0">
+                                    <a:latin typeface="Cambria Math" panose="02040503050406030204" pitchFamily="18" charset="0"/>
+                                  </a:rPr>
+                                </m:ctrlPr>
+                              </m:sSubSupPr>
+                              <m:e>
+                                <m:r>
+                                  <a:rPr lang="fr-FR" sz="1100" b="1" i="1" smtClean="0">
+                                    <a:latin typeface="Cambria Math" panose="02040503050406030204" pitchFamily="18" charset="0"/>
+                                  </a:rPr>
+                                  <m:t>𝒒</m:t>
+                                </m:r>
+                              </m:e>
+                              <m:sub>
+                                <m:r>
+                                  <a:rPr lang="fr-FR" sz="1100" b="1" i="1" smtClean="0">
+                                    <a:latin typeface="Cambria Math" panose="02040503050406030204" pitchFamily="18" charset="0"/>
+                                  </a:rPr>
+                                  <m:t>𝒕𝒉</m:t>
+                                </m:r>
+                              </m:sub>
+                              <m:sup>
+                                <m:r>
+                                  <a:rPr lang="fr-FR" sz="1100" b="1" i="1" smtClean="0">
+                                    <a:latin typeface="Cambria Math" panose="02040503050406030204" pitchFamily="18" charset="0"/>
+                                  </a:rPr>
+                                  <m:t>𝒊</m:t>
+                                </m:r>
+                                <m:r>
+                                  <a:rPr lang="fr-FR" sz="1100" b="1" i="1" smtClean="0">
+                                    <a:latin typeface="Cambria Math" panose="02040503050406030204" pitchFamily="18" charset="0"/>
+                                  </a:rPr>
+                                  <m:t>+</m:t>
+                                </m:r>
+                                <m:r>
+                                  <a:rPr lang="fr-FR" sz="1100" b="1" i="1" smtClean="0">
+                                    <a:latin typeface="Cambria Math" panose="02040503050406030204" pitchFamily="18" charset="0"/>
+                                  </a:rPr>
+                                  <m:t>𝟏</m:t>
+                                </m:r>
+                              </m:sup>
+                            </m:sSubSup>
+                          </m:oMath>
+                        </a14:m>
+                        <a:r>
+                          <a:rPr lang="fr-FR" sz="1100" dirty="0" smtClean="0"/>
+                          <a:t> = </a:t>
+                        </a:r>
+                        <a:r>
+                          <a:rPr lang="fr-FR" sz="1100" dirty="0" smtClean="0"/>
+                          <a:t>modèle mécanique (</a:t>
+                        </a:r>
+                        <a14:m>
+                          <m:oMath xmlns:m="http://schemas.openxmlformats.org/officeDocument/2006/math">
+                            <m:sSubSup>
+                              <m:sSubSupPr>
+                                <m:ctrlPr>
+                                  <a:rPr lang="fr-FR" sz="1100" b="1" i="1">
+                                    <a:latin typeface="Cambria Math" panose="02040503050406030204" pitchFamily="18" charset="0"/>
+                                  </a:rPr>
+                                </m:ctrlPr>
+                              </m:sSubSupPr>
+                              <m:e>
+                                <m:r>
+                                  <a:rPr lang="fr-FR" sz="1100" b="1" i="1">
+                                    <a:latin typeface="Cambria Math" panose="02040503050406030204" pitchFamily="18" charset="0"/>
+                                  </a:rPr>
+                                  <m:t>𝑻</m:t>
+                                </m:r>
+                              </m:e>
+                              <m:sub>
+                                <m:r>
+                                  <a:rPr lang="fr-FR" sz="1100" b="1" i="1">
+                                    <a:latin typeface="Cambria Math" panose="02040503050406030204" pitchFamily="18" charset="0"/>
+                                  </a:rPr>
+                                  <m:t>𝒓𝒐𝒕𝒐𝒓</m:t>
+                                </m:r>
+                              </m:sub>
+                              <m:sup>
+                                <m:r>
+                                  <a:rPr lang="fr-FR" sz="1100" b="1" i="1">
+                                    <a:latin typeface="Cambria Math" panose="02040503050406030204" pitchFamily="18" charset="0"/>
+                                  </a:rPr>
+                                  <m:t>𝒊</m:t>
+                                </m:r>
+                                <m:r>
+                                  <a:rPr lang="fr-FR" sz="1100" b="1" i="1">
+                                    <a:latin typeface="Cambria Math" panose="02040503050406030204" pitchFamily="18" charset="0"/>
+                                  </a:rPr>
+                                  <m:t>+</m:t>
+                                </m:r>
+                                <m:r>
+                                  <a:rPr lang="fr-FR" sz="1100" b="1" i="1">
+                                    <a:latin typeface="Cambria Math" panose="02040503050406030204" pitchFamily="18" charset="0"/>
+                                  </a:rPr>
+                                  <m:t>𝟏</m:t>
+                                </m:r>
+                              </m:sup>
+                            </m:sSubSup>
+                          </m:oMath>
+                        </a14:m>
+                        <a:r>
+                          <a:rPr lang="fr-FR" sz="1100" dirty="0" smtClean="0"/>
+                          <a:t>)</a:t>
+                        </a:r>
+                        <a:endParaRPr lang="fr-FR" sz="1100" dirty="0" smtClean="0"/>
+                      </a:p>
+                    </p:txBody>
+                  </p:sp>
+                </mc:Choice>
+                <mc:Fallback>
+                  <p:sp>
+                    <p:nvSpPr>
+                      <p:cNvPr id="39" name="ZoneTexte 38"/>
+                      <p:cNvSpPr txBox="1">
+                        <a:spLocks noRot="1" noChangeAspect="1" noMove="1" noResize="1" noEditPoints="1" noAdjustHandles="1" noChangeArrowheads="1" noChangeShapeType="1" noTextEdit="1"/>
+                      </p:cNvSpPr>
+                      <p:nvPr/>
+                    </p:nvSpPr>
+                    <p:spPr>
+                      <a:xfrm>
+                        <a:off x="2089544" y="7911774"/>
+                        <a:ext cx="4408648" cy="275204"/>
+                      </a:xfrm>
+                      <a:prstGeom prst="rect">
+                        <a:avLst/>
+                      </a:prstGeom>
+                      <a:blipFill>
+                        <a:blip r:embed="rId9"/>
+                        <a:stretch>
+                          <a:fillRect b="-12766"/>
+                        </a:stretch>
+                      </a:blipFill>
+                    </p:spPr>
+                    <p:txBody>
+                      <a:bodyPr/>
+                      <a:lstStyle/>
+                      <a:p>
+                        <a:r>
+                          <a:rPr lang="en-US">
+                            <a:noFill/>
+                          </a:rPr>
+                          <a:t> </a:t>
+                        </a:r>
+                      </a:p>
+                    </p:txBody>
+                  </p:sp>
+                </mc:Fallback>
+              </mc:AlternateContent>
+              <p:cxnSp>
+                <p:nvCxnSpPr>
+                  <p:cNvPr id="40" name="Connecteur droit avec flèche 39"/>
+                  <p:cNvCxnSpPr>
+                    <a:stCxn id="38" idx="2"/>
+                    <a:endCxn id="39" idx="0"/>
+                  </p:cNvCxnSpPr>
+                  <p:nvPr/>
+                </p:nvCxnSpPr>
+                <p:spPr>
+                  <a:xfrm>
+                    <a:off x="4292817" y="7750682"/>
+                    <a:ext cx="1051" cy="161092"/>
+                  </a:xfrm>
+                  <a:prstGeom prst="straightConnector1">
+                    <a:avLst/>
+                  </a:prstGeom>
+                  <a:ln w="19050">
+                    <a:tailEnd type="triangle"/>
+                  </a:ln>
+                </p:spPr>
+                <p:style>
+                  <a:lnRef idx="1">
+                    <a:schemeClr val="dk1"/>
+                  </a:lnRef>
+                  <a:fillRef idx="0">
+                    <a:schemeClr val="dk1"/>
+                  </a:fillRef>
+                  <a:effectRef idx="0">
+                    <a:schemeClr val="dk1"/>
+                  </a:effectRef>
+                  <a:fontRef idx="minor">
+                    <a:schemeClr val="tx1"/>
+                  </a:fontRef>
+                </p:style>
+              </p:cxnSp>
+              <p:cxnSp>
+                <p:nvCxnSpPr>
+                  <p:cNvPr id="41" name="Connecteur droit avec flèche 40"/>
+                  <p:cNvCxnSpPr/>
+                  <p:nvPr/>
+                </p:nvCxnSpPr>
+                <p:spPr>
+                  <a:xfrm>
+                    <a:off x="4293868" y="8729635"/>
+                    <a:ext cx="0" cy="214299"/>
+                  </a:xfrm>
+                  <a:prstGeom prst="straightConnector1">
+                    <a:avLst/>
+                  </a:prstGeom>
+                  <a:ln w="19050">
+                    <a:tailEnd type="triangle"/>
+                  </a:ln>
+                </p:spPr>
+                <p:style>
+                  <a:lnRef idx="1">
+                    <a:schemeClr val="dk1"/>
+                  </a:lnRef>
+                  <a:fillRef idx="0">
+                    <a:schemeClr val="dk1"/>
+                  </a:fillRef>
+                  <a:effectRef idx="0">
+                    <a:schemeClr val="dk1"/>
+                  </a:effectRef>
+                  <a:fontRef idx="minor">
+                    <a:schemeClr val="tx1"/>
+                  </a:fontRef>
+                </p:style>
+              </p:cxnSp>
+            </p:grpSp>
+            <p:grpSp>
+              <p:nvGrpSpPr>
+                <p:cNvPr id="19" name="Groupe 18"/>
+                <p:cNvGrpSpPr/>
+                <p:nvPr/>
+              </p:nvGrpSpPr>
+              <p:grpSpPr>
+                <a:xfrm>
+                  <a:off x="2401233" y="2949249"/>
+                  <a:ext cx="3489980" cy="1172654"/>
+                  <a:chOff x="2401233" y="2949249"/>
+                  <a:chExt cx="3489980" cy="1172654"/>
+                </a:xfrm>
+              </p:grpSpPr>
+              <p:cxnSp>
+                <p:nvCxnSpPr>
+                  <p:cNvPr id="32" name="Connecteur droit avec flèche 31"/>
+                  <p:cNvCxnSpPr>
+                    <a:stCxn id="11" idx="2"/>
+                  </p:cNvCxnSpPr>
+                  <p:nvPr/>
+                </p:nvCxnSpPr>
+                <p:spPr>
+                  <a:xfrm>
+                    <a:off x="3883493" y="2949249"/>
+                    <a:ext cx="0" cy="269678"/>
+                  </a:xfrm>
+                  <a:prstGeom prst="straightConnector1">
+                    <a:avLst/>
+                  </a:prstGeom>
+                  <a:ln w="19050">
+                    <a:tailEnd type="none"/>
+                  </a:ln>
+                </p:spPr>
+                <p:style>
+                  <a:lnRef idx="1">
+                    <a:schemeClr val="dk1"/>
+                  </a:lnRef>
+                  <a:fillRef idx="0">
+                    <a:schemeClr val="dk1"/>
+                  </a:fillRef>
+                  <a:effectRef idx="0">
+                    <a:schemeClr val="dk1"/>
+                  </a:effectRef>
+                  <a:fontRef idx="minor">
+                    <a:schemeClr val="tx1"/>
+                  </a:fontRef>
+                </p:style>
+              </p:cxnSp>
+              <p:cxnSp>
+                <p:nvCxnSpPr>
+                  <p:cNvPr id="33" name="Connecteur droit 32"/>
+                  <p:cNvCxnSpPr/>
+                  <p:nvPr/>
+                </p:nvCxnSpPr>
+                <p:spPr>
+                  <a:xfrm>
+                    <a:off x="2401233" y="3218927"/>
+                    <a:ext cx="3489980" cy="0"/>
+                  </a:xfrm>
+                  <a:prstGeom prst="line">
+                    <a:avLst/>
+                  </a:prstGeom>
+                  <a:ln w="19050"/>
+                </p:spPr>
+                <p:style>
+                  <a:lnRef idx="1">
+                    <a:schemeClr val="dk1"/>
+                  </a:lnRef>
+                  <a:fillRef idx="0">
+                    <a:schemeClr val="dk1"/>
+                  </a:fillRef>
+                  <a:effectRef idx="0">
+                    <a:schemeClr val="dk1"/>
+                  </a:effectRef>
+                  <a:fontRef idx="minor">
+                    <a:schemeClr val="tx1"/>
+                  </a:fontRef>
+                </p:style>
+              </p:cxnSp>
+              <p:cxnSp>
+                <p:nvCxnSpPr>
+                  <p:cNvPr id="34" name="Connecteur droit avec flèche 33"/>
+                  <p:cNvCxnSpPr/>
+                  <p:nvPr/>
+                </p:nvCxnSpPr>
+                <p:spPr>
+                  <a:xfrm>
+                    <a:off x="2401233" y="3218927"/>
+                    <a:ext cx="0" cy="357203"/>
+                  </a:xfrm>
+                  <a:prstGeom prst="straightConnector1">
+                    <a:avLst/>
+                  </a:prstGeom>
+                  <a:ln w="19050">
+                    <a:tailEnd type="triangle"/>
+                  </a:ln>
+                </p:spPr>
+                <p:style>
+                  <a:lnRef idx="1">
+                    <a:schemeClr val="dk1"/>
+                  </a:lnRef>
+                  <a:fillRef idx="0">
+                    <a:schemeClr val="dk1"/>
+                  </a:fillRef>
+                  <a:effectRef idx="0">
+                    <a:schemeClr val="dk1"/>
+                  </a:effectRef>
+                  <a:fontRef idx="minor">
+                    <a:schemeClr val="tx1"/>
+                  </a:fontRef>
+                </p:style>
+              </p:cxnSp>
+              <p:cxnSp>
+                <p:nvCxnSpPr>
+                  <p:cNvPr id="35" name="Connecteur droit avec flèche 34"/>
+                  <p:cNvCxnSpPr/>
+                  <p:nvPr/>
+                </p:nvCxnSpPr>
+                <p:spPr>
+                  <a:xfrm>
+                    <a:off x="5891213" y="3218927"/>
+                    <a:ext cx="0" cy="902976"/>
+                  </a:xfrm>
+                  <a:prstGeom prst="straightConnector1">
+                    <a:avLst/>
+                  </a:prstGeom>
+                  <a:ln w="19050">
+                    <a:tailEnd type="triangle"/>
+                  </a:ln>
+                </p:spPr>
+                <p:style>
+                  <a:lnRef idx="1">
+                    <a:schemeClr val="dk1"/>
+                  </a:lnRef>
+                  <a:fillRef idx="0">
+                    <a:schemeClr val="dk1"/>
+                  </a:fillRef>
+                  <a:effectRef idx="0">
+                    <a:schemeClr val="dk1"/>
+                  </a:effectRef>
+                  <a:fontRef idx="minor">
+                    <a:schemeClr val="tx1"/>
+                  </a:fontRef>
+                </p:style>
+              </p:cxnSp>
+            </p:grpSp>
+            <p:grpSp>
+              <p:nvGrpSpPr>
+                <p:cNvPr id="20" name="Groupe 19"/>
+                <p:cNvGrpSpPr/>
+                <p:nvPr/>
+              </p:nvGrpSpPr>
+              <p:grpSpPr>
+                <a:xfrm flipH="1">
+                  <a:off x="3883492" y="3105983"/>
+                  <a:ext cx="4325385" cy="6083736"/>
+                  <a:chOff x="158541" y="3485207"/>
+                  <a:chExt cx="1429296" cy="2317440"/>
+                </a:xfrm>
+              </p:grpSpPr>
+              <p:cxnSp>
+                <p:nvCxnSpPr>
+                  <p:cNvPr id="29" name="Connecteur droit 28"/>
+                  <p:cNvCxnSpPr/>
+                  <p:nvPr/>
+                </p:nvCxnSpPr>
+                <p:spPr>
+                  <a:xfrm flipH="1">
+                    <a:off x="158541" y="5802647"/>
+                    <a:ext cx="992791" cy="0"/>
+                  </a:xfrm>
+                  <a:prstGeom prst="line">
+                    <a:avLst/>
+                  </a:prstGeom>
+                  <a:ln w="19050"/>
+                </p:spPr>
+                <p:style>
+                  <a:lnRef idx="1">
+                    <a:schemeClr val="dk1"/>
+                  </a:lnRef>
+                  <a:fillRef idx="0">
+                    <a:schemeClr val="dk1"/>
+                  </a:fillRef>
+                  <a:effectRef idx="0">
+                    <a:schemeClr val="dk1"/>
+                  </a:effectRef>
+                  <a:fontRef idx="minor">
+                    <a:schemeClr val="tx1"/>
+                  </a:fontRef>
+                </p:style>
+              </p:cxnSp>
+              <p:cxnSp>
+                <p:nvCxnSpPr>
+                  <p:cNvPr id="30" name="Connecteur droit 29"/>
+                  <p:cNvCxnSpPr/>
+                  <p:nvPr/>
+                </p:nvCxnSpPr>
+                <p:spPr>
+                  <a:xfrm flipH="1">
+                    <a:off x="158541" y="3485207"/>
+                    <a:ext cx="0" cy="2317440"/>
+                  </a:xfrm>
+                  <a:prstGeom prst="line">
+                    <a:avLst/>
+                  </a:prstGeom>
+                  <a:ln w="19050"/>
+                </p:spPr>
+                <p:style>
+                  <a:lnRef idx="1">
+                    <a:schemeClr val="dk1"/>
+                  </a:lnRef>
+                  <a:fillRef idx="0">
+                    <a:schemeClr val="dk1"/>
+                  </a:fillRef>
+                  <a:effectRef idx="0">
+                    <a:schemeClr val="dk1"/>
+                  </a:effectRef>
+                  <a:fontRef idx="minor">
+                    <a:schemeClr val="tx1"/>
+                  </a:fontRef>
+                </p:style>
+              </p:cxnSp>
+              <p:cxnSp>
+                <p:nvCxnSpPr>
+                  <p:cNvPr id="31" name="Connecteur droit avec flèche 30"/>
+                  <p:cNvCxnSpPr/>
+                  <p:nvPr/>
+                </p:nvCxnSpPr>
+                <p:spPr>
+                  <a:xfrm>
+                    <a:off x="158541" y="3488518"/>
+                    <a:ext cx="1429296" cy="0"/>
+                  </a:xfrm>
+                  <a:prstGeom prst="straightConnector1">
+                    <a:avLst/>
+                  </a:prstGeom>
+                  <a:ln w="19050">
+                    <a:tailEnd type="triangle"/>
+                  </a:ln>
+                </p:spPr>
+                <p:style>
+                  <a:lnRef idx="1">
+                    <a:schemeClr val="dk1"/>
+                  </a:lnRef>
+                  <a:fillRef idx="0">
+                    <a:schemeClr val="dk1"/>
+                  </a:fillRef>
+                  <a:effectRef idx="0">
+                    <a:schemeClr val="dk1"/>
+                  </a:effectRef>
+                  <a:fontRef idx="minor">
+                    <a:schemeClr val="tx1"/>
+                  </a:fontRef>
+                </p:style>
+              </p:cxnSp>
+            </p:grpSp>
+            <p:grpSp>
+              <p:nvGrpSpPr>
+                <p:cNvPr id="21" name="Groupe 20"/>
+                <p:cNvGrpSpPr/>
+                <p:nvPr/>
+              </p:nvGrpSpPr>
+              <p:grpSpPr>
+                <a:xfrm>
+                  <a:off x="3383277" y="8813722"/>
+                  <a:ext cx="2022518" cy="1028874"/>
+                  <a:chOff x="3383277" y="8813722"/>
+                  <a:chExt cx="2022518" cy="1028874"/>
+                </a:xfrm>
+              </p:grpSpPr>
+              <p:grpSp>
+                <p:nvGrpSpPr>
+                  <p:cNvPr id="22" name="Groupe 21"/>
+                  <p:cNvGrpSpPr/>
+                  <p:nvPr/>
+                </p:nvGrpSpPr>
+                <p:grpSpPr>
+                  <a:xfrm>
+                    <a:off x="3383277" y="8952222"/>
+                    <a:ext cx="1821182" cy="466839"/>
+                    <a:chOff x="3383277" y="9284955"/>
+                    <a:chExt cx="1821182" cy="466839"/>
+                  </a:xfrm>
+                </p:grpSpPr>
+                <p:sp>
+                  <p:nvSpPr>
+                    <p:cNvPr id="27" name="Losange 26"/>
+                    <p:cNvSpPr/>
+                    <p:nvPr/>
+                  </p:nvSpPr>
+                  <p:spPr>
+                    <a:xfrm>
+                      <a:off x="3383277" y="9284955"/>
+                      <a:ext cx="1821182" cy="466839"/>
+                    </a:xfrm>
+                    <a:prstGeom prst="diamond">
+                      <a:avLst/>
+                    </a:prstGeom>
+                    <a:solidFill>
+                      <a:schemeClr val="bg1"/>
+                    </a:solidFill>
+                    <a:ln>
+                      <a:solidFill>
+                        <a:schemeClr val="tx1"/>
+                      </a:solidFill>
+                    </a:ln>
+                  </p:spPr>
+                  <p:style>
+                    <a:lnRef idx="2">
+                      <a:schemeClr val="accent1">
+                        <a:shade val="50000"/>
+                      </a:schemeClr>
+                    </a:lnRef>
+                    <a:fillRef idx="1">
+                      <a:schemeClr val="accent1"/>
+                    </a:fillRef>
+                    <a:effectRef idx="0">
+                      <a:schemeClr val="accent1"/>
+                    </a:effectRef>
+                    <a:fontRef idx="minor">
+                      <a:schemeClr val="lt1"/>
+                    </a:fontRef>
+                  </p:style>
+                  <p:txBody>
+                    <a:bodyPr rtlCol="0" anchor="ctr"/>
+                    <a:lstStyle/>
+                    <a:p>
+                      <a:pPr algn="ctr"/>
+                      <a:endParaRPr lang="fr-FR" sz="1100" dirty="0">
+                        <a:solidFill>
+                          <a:schemeClr val="tx1"/>
+                        </a:solidFill>
+                      </a:endParaRPr>
+                    </a:p>
+                  </p:txBody>
+                </p:sp>
+                <mc:AlternateContent xmlns:mc="http://schemas.openxmlformats.org/markup-compatibility/2006">
+                  <mc:Choice xmlns:a14="http://schemas.microsoft.com/office/drawing/2010/main" Requires="a14">
+                    <p:sp>
+                      <p:nvSpPr>
+                        <p:cNvPr id="28" name="Rectangle 27"/>
+                        <p:cNvSpPr/>
+                        <p:nvPr/>
+                      </p:nvSpPr>
+                      <p:spPr>
+                        <a:xfrm>
+                          <a:off x="3821206" y="9365130"/>
+                          <a:ext cx="945323" cy="283026"/>
+                        </a:xfrm>
+                        <a:prstGeom prst="rect">
+                          <a:avLst/>
+                        </a:prstGeom>
+                      </p:spPr>
+                      <p:txBody>
+                        <a:bodyPr wrap="none">
+                          <a:spAutoFit/>
+                        </a:bodyPr>
+                        <a:lstStyle/>
+                        <a:p>
+                          <a:pPr algn="ctr"/>
+                          <a14:m>
+                            <m:oMathPara xmlns:m="http://schemas.openxmlformats.org/officeDocument/2006/math">
+                              <m:oMathParaPr>
+                                <m:jc m:val="centerGroup"/>
+                              </m:oMathParaPr>
+                              <m:oMath xmlns:m="http://schemas.openxmlformats.org/officeDocument/2006/math">
+                                <m:sSup>
+                                  <m:sSupPr>
+                                    <m:ctrlPr>
+                                      <a:rPr lang="fr-FR" sz="1200" i="1" smtClean="0">
+                                        <a:latin typeface="Cambria Math" panose="02040503050406030204" pitchFamily="18" charset="0"/>
+                                      </a:rPr>
+                                    </m:ctrlPr>
+                                  </m:sSupPr>
+                                  <m:e>
+                                    <m:r>
+                                      <a:rPr lang="fr-FR" sz="1200" i="1">
+                                        <a:latin typeface="Cambria Math" panose="02040503050406030204" pitchFamily="18" charset="0"/>
+                                      </a:rPr>
+                                      <m:t>𝑡</m:t>
+                                    </m:r>
+                                  </m:e>
+                                  <m:sup>
+                                    <m:r>
+                                      <a:rPr lang="fr-FR" sz="1200" i="1">
+                                        <a:latin typeface="Cambria Math" panose="02040503050406030204" pitchFamily="18" charset="0"/>
+                                      </a:rPr>
+                                      <m:t>𝑖</m:t>
+                                    </m:r>
+                                    <m:r>
+                                      <a:rPr lang="fr-FR" sz="1200" i="1">
+                                        <a:latin typeface="Cambria Math" panose="02040503050406030204" pitchFamily="18" charset="0"/>
+                                      </a:rPr>
+                                      <m:t>+1</m:t>
+                                    </m:r>
+                                  </m:sup>
+                                </m:sSup>
+                                <m:r>
+                                  <a:rPr lang="fr-FR" sz="1200" b="1" i="1" smtClean="0">
+                                    <a:solidFill>
+                                      <a:schemeClr val="tx1"/>
+                                    </a:solidFill>
+                                    <a:latin typeface="Cambria Math" panose="02040503050406030204" pitchFamily="18" charset="0"/>
+                                    <a:ea typeface="Cambria Math" panose="02040503050406030204" pitchFamily="18" charset="0"/>
+                                  </a:rPr>
+                                  <m:t>≤</m:t>
+                                </m:r>
+                                <m:sSup>
+                                  <m:sSupPr>
+                                    <m:ctrlPr>
+                                      <a:rPr lang="fr-FR" sz="1200" i="1">
+                                        <a:latin typeface="Cambria Math" panose="02040503050406030204" pitchFamily="18" charset="0"/>
+                                      </a:rPr>
+                                    </m:ctrlPr>
+                                  </m:sSupPr>
+                                  <m:e>
+                                    <m:r>
+                                      <a:rPr lang="fr-FR" sz="1200" i="1">
+                                        <a:latin typeface="Cambria Math" panose="02040503050406030204" pitchFamily="18" charset="0"/>
+                                      </a:rPr>
+                                      <m:t>𝑡</m:t>
+                                    </m:r>
+                                  </m:e>
+                                  <m:sup>
+                                    <m:r>
+                                      <a:rPr lang="fr-FR" sz="1200" b="0" i="1" smtClean="0">
+                                        <a:latin typeface="Cambria Math" panose="02040503050406030204" pitchFamily="18" charset="0"/>
+                                      </a:rPr>
+                                      <m:t>𝑓𝑖𝑛</m:t>
+                                    </m:r>
+                                  </m:sup>
+                                </m:sSup>
+                              </m:oMath>
+                            </m:oMathPara>
+                          </a14:m>
+                          <a:endParaRPr lang="fr-FR" sz="1200" b="1" dirty="0">
+                            <a:solidFill>
+                              <a:schemeClr val="tx1"/>
+                            </a:solidFill>
+                          </a:endParaRPr>
+                        </a:p>
+                      </p:txBody>
+                    </p:sp>
+                  </mc:Choice>
+                  <mc:Fallback>
+                    <p:sp>
+                      <p:nvSpPr>
+                        <p:cNvPr id="28" name="Rectangle 27"/>
+                        <p:cNvSpPr>
+                          <a:spLocks noRot="1" noChangeAspect="1" noMove="1" noResize="1" noEditPoints="1" noAdjustHandles="1" noChangeArrowheads="1" noChangeShapeType="1" noTextEdit="1"/>
+                        </p:cNvSpPr>
+                        <p:nvPr/>
+                      </p:nvSpPr>
+                      <p:spPr>
+                        <a:xfrm>
+                          <a:off x="3821206" y="9365130"/>
+                          <a:ext cx="945323" cy="283026"/>
+                        </a:xfrm>
+                        <a:prstGeom prst="rect">
+                          <a:avLst/>
+                        </a:prstGeom>
+                        <a:blipFill>
+                          <a:blip r:embed="rId10"/>
+                          <a:stretch>
+                            <a:fillRect/>
+                          </a:stretch>
+                        </a:blipFill>
+                      </p:spPr>
+                      <p:txBody>
+                        <a:bodyPr/>
+                        <a:lstStyle/>
+                        <a:p>
+                          <a:r>
+                            <a:rPr lang="en-US">
+                              <a:noFill/>
+                            </a:rPr>
+                            <a:t> </a:t>
+                          </a:r>
+                        </a:p>
+                      </p:txBody>
+                    </p:sp>
+                  </mc:Fallback>
+                </mc:AlternateContent>
+              </p:grpSp>
+              <p:sp>
+                <p:nvSpPr>
+                  <p:cNvPr id="23" name="ZoneTexte 22"/>
+                  <p:cNvSpPr txBox="1"/>
+                  <p:nvPr/>
+                </p:nvSpPr>
+                <p:spPr>
+                  <a:xfrm>
+                    <a:off x="5003121" y="8813722"/>
+                    <a:ext cx="402674" cy="276999"/>
+                  </a:xfrm>
+                  <a:prstGeom prst="rect">
+                    <a:avLst/>
+                  </a:prstGeom>
+                  <a:noFill/>
+                </p:spPr>
+                <p:txBody>
+                  <a:bodyPr wrap="none" rtlCol="0">
+                    <a:spAutoFit/>
+                  </a:bodyPr>
+                  <a:lstStyle/>
+                  <a:p>
+                    <a:r>
+                      <a:rPr lang="fr-FR" sz="1200" dirty="0" smtClean="0"/>
+                      <a:t>Oui</a:t>
+                    </a:r>
+                    <a:endParaRPr lang="fr-FR" sz="1200" dirty="0"/>
+                  </a:p>
+                </p:txBody>
+              </p:sp>
+              <p:cxnSp>
+                <p:nvCxnSpPr>
+                  <p:cNvPr id="24" name="Connecteur droit avec flèche 23"/>
+                  <p:cNvCxnSpPr/>
+                  <p:nvPr/>
+                </p:nvCxnSpPr>
+                <p:spPr>
+                  <a:xfrm>
+                    <a:off x="4311010" y="9419061"/>
+                    <a:ext cx="0" cy="161925"/>
+                  </a:xfrm>
+                  <a:prstGeom prst="straightConnector1">
+                    <a:avLst/>
+                  </a:prstGeom>
+                  <a:ln w="19050">
+                    <a:tailEnd type="triangle"/>
+                  </a:ln>
+                </p:spPr>
+                <p:style>
+                  <a:lnRef idx="1">
+                    <a:schemeClr val="dk1"/>
+                  </a:lnRef>
+                  <a:fillRef idx="0">
+                    <a:schemeClr val="dk1"/>
+                  </a:fillRef>
+                  <a:effectRef idx="0">
+                    <a:schemeClr val="dk1"/>
+                  </a:effectRef>
+                  <a:fontRef idx="minor">
+                    <a:schemeClr val="tx1"/>
+                  </a:fontRef>
+                </p:style>
+              </p:cxnSp>
+              <p:sp>
+                <p:nvSpPr>
+                  <p:cNvPr id="25" name="ZoneTexte 24"/>
+                  <p:cNvSpPr txBox="1"/>
+                  <p:nvPr/>
+                </p:nvSpPr>
+                <p:spPr>
+                  <a:xfrm>
+                    <a:off x="4443776" y="9389571"/>
+                    <a:ext cx="445956" cy="276999"/>
+                  </a:xfrm>
+                  <a:prstGeom prst="rect">
+                    <a:avLst/>
+                  </a:prstGeom>
+                  <a:noFill/>
+                </p:spPr>
+                <p:txBody>
+                  <a:bodyPr wrap="none" rtlCol="0">
+                    <a:spAutoFit/>
+                  </a:bodyPr>
+                  <a:lstStyle/>
+                  <a:p>
+                    <a:r>
+                      <a:rPr lang="fr-FR" sz="1200" dirty="0" smtClean="0"/>
+                      <a:t>Non</a:t>
+                    </a:r>
+                    <a:endParaRPr lang="fr-FR" sz="1200" dirty="0"/>
+                  </a:p>
+                </p:txBody>
+              </p:sp>
+              <mc:AlternateContent xmlns:mc="http://schemas.openxmlformats.org/markup-compatibility/2006">
+                <mc:Choice xmlns:a14="http://schemas.microsoft.com/office/drawing/2010/main" Requires="a14">
+                  <p:sp>
+                    <p:nvSpPr>
+                      <p:cNvPr id="26" name="ZoneTexte 25"/>
+                      <p:cNvSpPr txBox="1"/>
+                      <p:nvPr/>
+                    </p:nvSpPr>
+                    <p:spPr>
+                      <a:xfrm>
+                        <a:off x="4101313" y="9580986"/>
+                        <a:ext cx="419394" cy="261610"/>
+                      </a:xfrm>
+                      <a:prstGeom prst="rect">
+                        <a:avLst/>
+                      </a:prstGeom>
+                    </p:spPr>
+                    <p:style>
+                      <a:lnRef idx="2">
+                        <a:schemeClr val="dk1"/>
+                      </a:lnRef>
+                      <a:fillRef idx="1">
+                        <a:schemeClr val="lt1"/>
+                      </a:fillRef>
+                      <a:effectRef idx="0">
+                        <a:schemeClr val="dk1"/>
+                      </a:effectRef>
+                      <a:fontRef idx="minor">
+                        <a:schemeClr val="dk1"/>
+                      </a:fontRef>
+                    </p:style>
+                    <p:txBody>
+                      <a:bodyPr wrap="square" rtlCol="0">
+                        <a:spAutoFit/>
+                      </a:bodyPr>
+                      <a:lstStyle/>
+                      <a:p>
+                        <a:pPr/>
+                        <a14:m>
+                          <m:oMathPara xmlns:m="http://schemas.openxmlformats.org/officeDocument/2006/math">
+                            <m:oMathParaPr>
+                              <m:jc m:val="centerGroup"/>
+                            </m:oMathParaPr>
+                            <m:oMath xmlns:m="http://schemas.openxmlformats.org/officeDocument/2006/math">
+                              <m:r>
+                                <a:rPr lang="fr-FR" sz="1100" b="1" i="1" dirty="0" smtClean="0">
+                                  <a:latin typeface="Cambria Math" panose="02040503050406030204" pitchFamily="18" charset="0"/>
+                                </a:rPr>
+                                <m:t>𝑭𝒊𝒏</m:t>
+                              </m:r>
+                            </m:oMath>
+                          </m:oMathPara>
+                        </a14:m>
+                        <a:endParaRPr lang="fr-FR" sz="1100" b="1" dirty="0"/>
+                      </a:p>
+                    </p:txBody>
+                  </p:sp>
+                </mc:Choice>
+                <mc:Fallback>
+                  <p:sp>
+                    <p:nvSpPr>
+                      <p:cNvPr id="26" name="ZoneTexte 25"/>
+                      <p:cNvSpPr txBox="1">
+                        <a:spLocks noRot="1" noChangeAspect="1" noMove="1" noResize="1" noEditPoints="1" noAdjustHandles="1" noChangeArrowheads="1" noChangeShapeType="1" noTextEdit="1"/>
+                      </p:cNvSpPr>
+                      <p:nvPr/>
+                    </p:nvSpPr>
+                    <p:spPr>
+                      <a:xfrm>
+                        <a:off x="4101313" y="9580986"/>
+                        <a:ext cx="419394" cy="261610"/>
+                      </a:xfrm>
+                      <a:prstGeom prst="rect">
+                        <a:avLst/>
+                      </a:prstGeom>
+                      <a:blipFill>
+                        <a:blip r:embed="rId11"/>
+                        <a:stretch>
+                          <a:fillRect/>
+                        </a:stretch>
+                      </a:blipFill>
+                    </p:spPr>
+                    <p:txBody>
+                      <a:bodyPr/>
+                      <a:lstStyle/>
+                      <a:p>
+                        <a:r>
+                          <a:rPr lang="en-US">
+                            <a:noFill/>
+                          </a:rPr>
+                          <a:t> </a:t>
+                        </a:r>
+                      </a:p>
+                    </p:txBody>
+                  </p:sp>
+                </mc:Fallback>
+              </mc:AlternateContent>
+            </p:grpSp>
+          </p:grpSp>
+          <mc:AlternateContent xmlns:mc="http://schemas.openxmlformats.org/markup-compatibility/2006">
+            <mc:Choice xmlns:a14="http://schemas.microsoft.com/office/drawing/2010/main" Requires="a14">
+              <p:sp>
+                <p:nvSpPr>
+                  <p:cNvPr id="6" name="ZoneTexte 5"/>
+                  <p:cNvSpPr txBox="1"/>
+                  <p:nvPr/>
+                </p:nvSpPr>
+                <p:spPr>
+                  <a:xfrm>
+                    <a:off x="2583793" y="8628971"/>
+                    <a:ext cx="4408648" cy="277192"/>
+                  </a:xfrm>
+                  <a:prstGeom prst="rect">
+                    <a:avLst/>
+                  </a:prstGeom>
+                </p:spPr>
+                <p:style>
+                  <a:lnRef idx="2">
+                    <a:schemeClr val="dk1"/>
+                  </a:lnRef>
+                  <a:fillRef idx="1">
+                    <a:schemeClr val="lt1"/>
+                  </a:fillRef>
+                  <a:effectRef idx="0">
+                    <a:schemeClr val="dk1"/>
+                  </a:effectRef>
+                  <a:fontRef idx="minor">
+                    <a:schemeClr val="dk1"/>
+                  </a:fontRef>
+                </p:style>
+                <p:txBody>
+                  <a:bodyPr wrap="square" rtlCol="0">
+                    <a:spAutoFit/>
+                  </a:bodyPr>
+                  <a:lstStyle/>
+                  <a:p>
+                    <a:pPr algn="ctr"/>
+                    <a14:m>
+                      <m:oMath xmlns:m="http://schemas.openxmlformats.org/officeDocument/2006/math">
+                        <m:sSubSup>
+                          <m:sSubSupPr>
+                            <m:ctrlPr>
+                              <a:rPr lang="fr-FR" sz="1100" b="1" i="1" smtClean="0">
+                                <a:latin typeface="Cambria Math" panose="02040503050406030204" pitchFamily="18" charset="0"/>
+                              </a:rPr>
+                            </m:ctrlPr>
+                          </m:sSubSupPr>
+                          <m:e>
+                            <m:r>
+                              <a:rPr lang="fr-FR" sz="1100" b="1" i="1" smtClean="0">
+                                <a:latin typeface="Cambria Math" panose="02040503050406030204" pitchFamily="18" charset="0"/>
+                              </a:rPr>
+                              <m:t>𝑼</m:t>
+                            </m:r>
+                          </m:e>
+                          <m:sub>
+                            <m:r>
+                              <a:rPr lang="fr-FR" sz="1100" b="1" i="1" smtClean="0">
+                                <a:latin typeface="Cambria Math" panose="02040503050406030204" pitchFamily="18" charset="0"/>
+                              </a:rPr>
+                              <m:t>𝒕𝒉</m:t>
+                            </m:r>
+                            <m:r>
+                              <a:rPr lang="fr-FR" sz="1100" b="1" i="1" smtClean="0">
+                                <a:latin typeface="Cambria Math" panose="02040503050406030204" pitchFamily="18" charset="0"/>
+                              </a:rPr>
+                              <m:t>𝒆𝒓</m:t>
+                            </m:r>
+                          </m:sub>
+                          <m:sup>
+                            <m:r>
+                              <a:rPr lang="fr-FR" sz="1100" b="1" i="1" smtClean="0">
+                                <a:latin typeface="Cambria Math" panose="02040503050406030204" pitchFamily="18" charset="0"/>
+                              </a:rPr>
+                              <m:t>𝒊</m:t>
+                            </m:r>
+                            <m:r>
+                              <a:rPr lang="fr-FR" sz="1100" b="1" i="1" smtClean="0">
+                                <a:latin typeface="Cambria Math" panose="02040503050406030204" pitchFamily="18" charset="0"/>
+                              </a:rPr>
+                              <m:t>+</m:t>
+                            </m:r>
+                            <m:r>
+                              <a:rPr lang="fr-FR" sz="1100" b="1" i="1" smtClean="0">
+                                <a:latin typeface="Cambria Math" panose="02040503050406030204" pitchFamily="18" charset="0"/>
+                              </a:rPr>
+                              <m:t>𝟏</m:t>
+                            </m:r>
+                          </m:sup>
+                        </m:sSubSup>
+                      </m:oMath>
+                    </a14:m>
+                    <a:r>
+                      <a:rPr lang="fr-FR" sz="1100" dirty="0" smtClean="0"/>
+                      <a:t> = </a:t>
+                    </a:r>
+                    <a:r>
+                      <a:rPr lang="fr-FR" sz="1100" dirty="0" smtClean="0"/>
+                      <a:t>modèle du balourd thermique (</a:t>
+                    </a:r>
+                    <a14:m>
+                      <m:oMath xmlns:m="http://schemas.openxmlformats.org/officeDocument/2006/math">
+                        <m:sSubSup>
+                          <m:sSubSupPr>
+                            <m:ctrlPr>
+                              <a:rPr lang="fr-FR" sz="1100" b="1" i="1">
+                                <a:latin typeface="Cambria Math" panose="02040503050406030204" pitchFamily="18" charset="0"/>
+                              </a:rPr>
+                            </m:ctrlPr>
+                          </m:sSubSupPr>
+                          <m:e>
+                            <m:r>
+                              <a:rPr lang="fr-FR" sz="1100" b="1" i="1">
+                                <a:latin typeface="Cambria Math" panose="02040503050406030204" pitchFamily="18" charset="0"/>
+                              </a:rPr>
+                              <m:t>𝒒</m:t>
+                            </m:r>
+                          </m:e>
+                          <m:sub>
+                            <m:r>
+                              <a:rPr lang="fr-FR" sz="1100" b="1" i="1">
+                                <a:latin typeface="Cambria Math" panose="02040503050406030204" pitchFamily="18" charset="0"/>
+                              </a:rPr>
+                              <m:t>𝒕𝒉</m:t>
+                            </m:r>
+                          </m:sub>
+                          <m:sup>
+                            <m:r>
+                              <a:rPr lang="fr-FR" sz="1100" b="1" i="1">
+                                <a:latin typeface="Cambria Math" panose="02040503050406030204" pitchFamily="18" charset="0"/>
+                              </a:rPr>
+                              <m:t>𝒊</m:t>
+                            </m:r>
+                            <m:r>
+                              <a:rPr lang="fr-FR" sz="1100" b="1" i="1">
+                                <a:latin typeface="Cambria Math" panose="02040503050406030204" pitchFamily="18" charset="0"/>
+                              </a:rPr>
+                              <m:t>+</m:t>
+                            </m:r>
+                            <m:r>
+                              <a:rPr lang="fr-FR" sz="1100" b="1" i="1">
+                                <a:latin typeface="Cambria Math" panose="02040503050406030204" pitchFamily="18" charset="0"/>
+                              </a:rPr>
+                              <m:t>𝟏</m:t>
+                            </m:r>
+                          </m:sup>
+                        </m:sSubSup>
+                      </m:oMath>
+                    </a14:m>
+                    <a:r>
+                      <a:rPr lang="fr-FR" sz="1100" dirty="0" smtClean="0"/>
+                      <a:t>)</a:t>
+                    </a:r>
+                    <a:endParaRPr lang="fr-FR" sz="1100" dirty="0" smtClean="0"/>
+                  </a:p>
+                </p:txBody>
+              </p:sp>
+            </mc:Choice>
+            <mc:Fallback>
+              <p:sp>
+                <p:nvSpPr>
+                  <p:cNvPr id="6" name="ZoneTexte 5"/>
+                  <p:cNvSpPr txBox="1">
+                    <a:spLocks noRot="1" noChangeAspect="1" noMove="1" noResize="1" noEditPoints="1" noAdjustHandles="1" noChangeArrowheads="1" noChangeShapeType="1" noTextEdit="1"/>
+                  </p:cNvSpPr>
+                  <p:nvPr/>
+                </p:nvSpPr>
+                <p:spPr>
+                  <a:xfrm>
+                    <a:off x="2583793" y="8628971"/>
+                    <a:ext cx="4408648" cy="277192"/>
+                  </a:xfrm>
+                  <a:prstGeom prst="rect">
+                    <a:avLst/>
+                  </a:prstGeom>
+                  <a:blipFill>
+                    <a:blip r:embed="rId12"/>
+                    <a:stretch>
+                      <a:fillRect b="-12766"/>
+                    </a:stretch>
+                  </a:blipFill>
+                </p:spPr>
+                <p:txBody>
+                  <a:bodyPr/>
+                  <a:lstStyle/>
+                  <a:p>
+                    <a:r>
+                      <a:rPr lang="en-US">
+                        <a:noFill/>
+                      </a:rPr>
+                      <a:t> </a:t>
+                    </a:r>
+                  </a:p>
+                </p:txBody>
+              </p:sp>
+            </mc:Fallback>
+          </mc:AlternateContent>
+          <p:cxnSp>
+            <p:nvCxnSpPr>
+              <p:cNvPr id="7" name="Connecteur droit avec flèche 6"/>
+              <p:cNvCxnSpPr>
+                <a:stCxn id="39" idx="2"/>
+                <a:endCxn id="6" idx="0"/>
+              </p:cNvCxnSpPr>
+              <p:nvPr/>
+            </p:nvCxnSpPr>
+            <p:spPr>
+              <a:xfrm flipH="1">
+                <a:off x="4788117" y="8367953"/>
+                <a:ext cx="1051" cy="261018"/>
+              </a:xfrm>
+              <a:prstGeom prst="straightConnector1">
+                <a:avLst/>
+              </a:prstGeom>
+              <a:ln w="19050">
+                <a:tailEnd type="triangle"/>
+              </a:ln>
+            </p:spPr>
+            <p:style>
+              <a:lnRef idx="1">
+                <a:schemeClr val="dk1"/>
+              </a:lnRef>
+              <a:fillRef idx="0">
+                <a:schemeClr val="dk1"/>
+              </a:fillRef>
+              <a:effectRef idx="0">
+                <a:schemeClr val="dk1"/>
+              </a:effectRef>
+              <a:fontRef idx="minor">
+                <a:schemeClr val="tx1"/>
+              </a:fontRef>
+            </p:style>
+          </p:cxnSp>
+        </p:grpSp>
+        <p:sp>
+          <p:nvSpPr>
+            <p:cNvPr id="55" name="ZoneTexte 54"/>
+            <p:cNvSpPr txBox="1"/>
+            <p:nvPr/>
+          </p:nvSpPr>
+          <p:spPr>
+            <a:xfrm>
+              <a:off x="957943" y="3325305"/>
+              <a:ext cx="7953828" cy="3369290"/>
+            </a:xfrm>
+            <a:prstGeom prst="rect">
+              <a:avLst/>
+            </a:prstGeom>
+            <a:noFill/>
+            <a:ln w="38100">
+              <a:prstDash val="dashDot"/>
+            </a:ln>
+          </p:spPr>
+          <p:style>
+            <a:lnRef idx="2">
+              <a:schemeClr val="accent1"/>
+            </a:lnRef>
+            <a:fillRef idx="1">
+              <a:schemeClr val="lt1"/>
+            </a:fillRef>
+            <a:effectRef idx="0">
+              <a:schemeClr val="accent1"/>
+            </a:effectRef>
+            <a:fontRef idx="minor">
+              <a:schemeClr val="dk1"/>
+            </a:fontRef>
+          </p:style>
+          <p:txBody>
+            <a:bodyPr wrap="square" rtlCol="0">
+              <a:spAutoFit/>
+            </a:bodyPr>
+            <a:lstStyle/>
+            <a:p>
+              <a:endParaRPr lang="fr-FR" dirty="0"/>
+            </a:p>
+          </p:txBody>
+        </p:sp>
+        <mc:AlternateContent xmlns:mc="http://schemas.openxmlformats.org/markup-compatibility/2006">
+          <mc:Choice xmlns:a14="http://schemas.microsoft.com/office/drawing/2010/main" Requires="a14">
+            <p:sp>
+              <p:nvSpPr>
+                <p:cNvPr id="56" name="Rectangle 55"/>
+                <p:cNvSpPr/>
+                <p:nvPr/>
+              </p:nvSpPr>
+              <p:spPr>
+                <a:xfrm>
+                  <a:off x="7019627" y="5856269"/>
+                  <a:ext cx="1578187" cy="759375"/>
+                </a:xfrm>
+                <a:prstGeom prst="rect">
+                  <a:avLst/>
+                </a:prstGeom>
+                <a:solidFill>
+                  <a:schemeClr val="accent1">
+                    <a:lumMod val="40000"/>
+                    <a:lumOff val="60000"/>
+                  </a:schemeClr>
+                </a:solidFill>
+                <a:ln/>
+              </p:spPr>
+              <p:style>
+                <a:lnRef idx="2">
+                  <a:schemeClr val="accent1"/>
+                </a:lnRef>
+                <a:fillRef idx="1">
+                  <a:schemeClr val="lt1"/>
+                </a:fillRef>
+                <a:effectRef idx="0">
+                  <a:schemeClr val="accent1"/>
+                </a:effectRef>
+                <a:fontRef idx="minor">
+                  <a:schemeClr val="dk1"/>
+                </a:fontRef>
+              </p:style>
+              <p:txBody>
+                <a:bodyPr wrap="square">
+                  <a:spAutoFit/>
+                </a:bodyPr>
+                <a:lstStyle/>
+                <a:p>
+                  <a:pPr algn="ctr"/>
+                  <a:r>
+                    <a:rPr lang="en-US" sz="1400" dirty="0" smtClean="0"/>
+                    <a:t>Vibrations </a:t>
+                  </a:r>
+                  <a:r>
+                    <a:rPr lang="en-US" sz="1400" dirty="0" err="1" smtClean="0"/>
+                    <a:t>synchrones</a:t>
+                  </a:r>
+                  <a:endParaRPr lang="en-US" sz="1400" dirty="0" smtClean="0"/>
+                </a:p>
+                <a:p>
+                  <a:pPr algn="ctr"/>
+                  <a14:m>
+                    <m:oMathPara xmlns:m="http://schemas.openxmlformats.org/officeDocument/2006/math">
+                      <m:oMathParaPr>
+                        <m:jc m:val="centerGroup"/>
+                      </m:oMathParaPr>
+                      <m:oMath xmlns:m="http://schemas.openxmlformats.org/officeDocument/2006/math">
+                        <m:sSub>
+                          <m:sSubPr>
+                            <m:ctrlPr>
+                              <a:rPr lang="en-US" sz="1400" b="1" i="1">
+                                <a:latin typeface="Cambria Math" panose="02040503050406030204" pitchFamily="18" charset="0"/>
+                              </a:rPr>
+                            </m:ctrlPr>
+                          </m:sSubPr>
+                          <m:e>
+                            <m:r>
+                              <a:rPr lang="en-US" sz="1400" b="1" i="1">
+                                <a:latin typeface="Cambria Math" panose="02040503050406030204" pitchFamily="18" charset="0"/>
+                              </a:rPr>
+                              <m:t>𝑨</m:t>
+                            </m:r>
+                          </m:e>
+                          <m:sub>
+                            <m:d>
+                              <m:dPr>
+                                <m:begChr m:val="["/>
+                                <m:endChr m:val="]"/>
+                                <m:ctrlPr>
+                                  <a:rPr lang="en-US" sz="1400" b="1" i="1">
+                                    <a:latin typeface="Cambria Math" panose="02040503050406030204" pitchFamily="18" charset="0"/>
+                                  </a:rPr>
+                                </m:ctrlPr>
+                              </m:dPr>
+                              <m:e>
+                                <m:r>
+                                  <a:rPr lang="en-US" sz="1400" b="1" i="1">
+                                    <a:latin typeface="Cambria Math" panose="02040503050406030204" pitchFamily="18" charset="0"/>
+                                  </a:rPr>
+                                  <m:t>µ</m:t>
+                                </m:r>
+                                <m:r>
+                                  <a:rPr lang="en-US" sz="1400" b="1" i="1">
+                                    <a:latin typeface="Cambria Math" panose="02040503050406030204" pitchFamily="18" charset="0"/>
+                                  </a:rPr>
+                                  <m:t>𝒎</m:t>
+                                </m:r>
+                                <m:r>
+                                  <a:rPr lang="en-US" sz="1400" b="1" i="1">
+                                    <a:latin typeface="Cambria Math" panose="02040503050406030204" pitchFamily="18" charset="0"/>
+                                  </a:rPr>
+                                  <m:t>/(</m:t>
+                                </m:r>
+                                <m:r>
+                                  <a:rPr lang="en-US" sz="1400" b="1" i="1">
+                                    <a:latin typeface="Cambria Math" panose="02040503050406030204" pitchFamily="18" charset="0"/>
+                                  </a:rPr>
+                                  <m:t>𝒈𝒎𝒎</m:t>
+                                </m:r>
+                                <m:r>
+                                  <a:rPr lang="en-US" sz="1400" b="1" i="1">
+                                    <a:latin typeface="Cambria Math" panose="02040503050406030204" pitchFamily="18" charset="0"/>
+                                  </a:rPr>
+                                  <m:t>)</m:t>
+                                </m:r>
+                              </m:e>
+                            </m:d>
+                          </m:sub>
+                        </m:sSub>
+                      </m:oMath>
+                    </m:oMathPara>
+                  </a14:m>
+                  <a:endParaRPr lang="en-US" sz="1400" b="1" dirty="0"/>
+                </a:p>
+              </p:txBody>
+            </p:sp>
+          </mc:Choice>
+          <mc:Fallback>
+            <p:sp>
+              <p:nvSpPr>
+                <p:cNvPr id="56" name="Rectangle 55"/>
+                <p:cNvSpPr>
+                  <a:spLocks noRot="1" noChangeAspect="1" noMove="1" noResize="1" noEditPoints="1" noAdjustHandles="1" noChangeArrowheads="1" noChangeShapeType="1" noTextEdit="1"/>
+                </p:cNvSpPr>
+                <p:nvPr/>
+              </p:nvSpPr>
+              <p:spPr>
+                <a:xfrm>
+                  <a:off x="7019627" y="5856269"/>
+                  <a:ext cx="1578187" cy="759375"/>
+                </a:xfrm>
+                <a:prstGeom prst="rect">
+                  <a:avLst/>
+                </a:prstGeom>
+                <a:blipFill>
+                  <a:blip r:embed="rId13"/>
+                  <a:stretch>
+                    <a:fillRect t="-794" b="-1587"/>
+                  </a:stretch>
+                </a:blipFill>
+                <a:ln/>
+              </p:spPr>
+              <p:txBody>
+                <a:bodyPr/>
+                <a:lstStyle/>
+                <a:p>
+                  <a:r>
+                    <a:rPr lang="en-US">
+                      <a:noFill/>
+                    </a:rPr>
+                    <a:t> </a:t>
+                  </a:r>
+                </a:p>
+              </p:txBody>
+            </p:sp>
+          </mc:Fallback>
+        </mc:AlternateContent>
+        <p:sp>
+          <p:nvSpPr>
+            <p:cNvPr id="57" name="ZoneTexte 56"/>
+            <p:cNvSpPr txBox="1"/>
+            <p:nvPr/>
+          </p:nvSpPr>
+          <p:spPr>
+            <a:xfrm>
+              <a:off x="957943" y="6839249"/>
+              <a:ext cx="7953828" cy="1204895"/>
+            </a:xfrm>
+            <a:prstGeom prst="rect">
+              <a:avLst/>
+            </a:prstGeom>
+            <a:noFill/>
+            <a:ln w="28575">
+              <a:solidFill>
+                <a:schemeClr val="accent2">
+                  <a:lumMod val="60000"/>
+                  <a:lumOff val="40000"/>
+                </a:schemeClr>
+              </a:solidFill>
+              <a:prstDash val="dashDot"/>
+            </a:ln>
+          </p:spPr>
+          <p:style>
+            <a:lnRef idx="2">
+              <a:schemeClr val="accent2"/>
+            </a:lnRef>
+            <a:fillRef idx="1">
+              <a:schemeClr val="lt1"/>
+            </a:fillRef>
+            <a:effectRef idx="0">
+              <a:schemeClr val="accent2"/>
+            </a:effectRef>
+            <a:fontRef idx="minor">
+              <a:schemeClr val="dk1"/>
+            </a:fontRef>
+          </p:style>
+          <p:txBody>
+            <a:bodyPr wrap="square" rtlCol="0">
+              <a:spAutoFit/>
+            </a:bodyPr>
+            <a:lstStyle/>
+            <a:p>
+              <a:endParaRPr lang="fr-FR" dirty="0"/>
+            </a:p>
+          </p:txBody>
+        </p:sp>
+        <mc:AlternateContent xmlns:mc="http://schemas.openxmlformats.org/markup-compatibility/2006">
+          <mc:Choice xmlns:a14="http://schemas.microsoft.com/office/drawing/2010/main" Requires="a14">
+            <p:sp>
+              <p:nvSpPr>
+                <p:cNvPr id="58" name="ZoneTexte 57"/>
+                <p:cNvSpPr txBox="1"/>
+                <p:nvPr/>
+              </p:nvSpPr>
+              <p:spPr>
+                <a:xfrm>
+                  <a:off x="957943" y="6932379"/>
+                  <a:ext cx="1247019" cy="973408"/>
+                </a:xfrm>
+                <a:prstGeom prst="rect">
+                  <a:avLst/>
+                </a:prstGeom>
+                <a:solidFill>
+                  <a:schemeClr val="accent2">
+                    <a:lumMod val="40000"/>
+                    <a:lumOff val="60000"/>
+                  </a:schemeClr>
+                </a:solidFill>
+                <a:ln>
+                  <a:solidFill>
+                    <a:schemeClr val="accent2">
+                      <a:lumMod val="60000"/>
+                      <a:lumOff val="40000"/>
+                    </a:schemeClr>
+                  </a:solidFill>
+                </a:ln>
+              </p:spPr>
+              <p:txBody>
+                <a:bodyPr wrap="square" rtlCol="0">
+                  <a:spAutoFit/>
+                </a:bodyPr>
+                <a:lstStyle/>
+                <a:p>
+                  <a:pPr algn="ctr"/>
+                  <a:r>
+                    <a:rPr lang="en-US" sz="1400" dirty="0" err="1" smtClean="0"/>
+                    <a:t>Différence</a:t>
+                  </a:r>
+                  <a:r>
+                    <a:rPr lang="en-US" sz="1400" dirty="0" smtClean="0"/>
+                    <a:t> de temperature (</a:t>
+                  </a:r>
+                  <a14:m>
+                    <m:oMath xmlns:m="http://schemas.openxmlformats.org/officeDocument/2006/math">
+                      <m:r>
+                        <a:rPr lang="en-US" sz="1400" i="1" smtClean="0">
+                          <a:latin typeface="Cambria Math" panose="02040503050406030204" pitchFamily="18" charset="0"/>
+                          <a:ea typeface="Cambria Math" panose="02040503050406030204" pitchFamily="18" charset="0"/>
+                        </a:rPr>
+                        <m:t>∆</m:t>
+                      </m:r>
+                      <m:r>
+                        <a:rPr lang="en-US" sz="1400" b="0" i="1" smtClean="0">
+                          <a:latin typeface="Cambria Math" panose="02040503050406030204" pitchFamily="18" charset="0"/>
+                          <a:ea typeface="Cambria Math" panose="02040503050406030204" pitchFamily="18" charset="0"/>
+                        </a:rPr>
+                        <m:t>𝑇</m:t>
+                      </m:r>
+                    </m:oMath>
+                  </a14:m>
+                  <a:r>
+                    <a:rPr lang="en-US" sz="1400" dirty="0" smtClean="0"/>
+                    <a:t>)</a:t>
+                  </a:r>
+                </a:p>
+                <a:p>
+                  <a:pPr algn="ctr"/>
+                  <a14:m>
+                    <m:oMathPara xmlns:m="http://schemas.openxmlformats.org/officeDocument/2006/math">
+                      <m:oMathParaPr>
+                        <m:jc m:val="centerGroup"/>
+                      </m:oMathParaPr>
+                      <m:oMath xmlns:m="http://schemas.openxmlformats.org/officeDocument/2006/math">
+                        <m:sSub>
+                          <m:sSubPr>
+                            <m:ctrlPr>
+                              <a:rPr lang="en-US" sz="1400" b="1" i="1">
+                                <a:latin typeface="Cambria Math" panose="02040503050406030204" pitchFamily="18" charset="0"/>
+                              </a:rPr>
+                            </m:ctrlPr>
+                          </m:sSubPr>
+                          <m:e>
+                            <m:r>
+                              <a:rPr lang="en-US" sz="1400" b="1" i="1">
+                                <a:latin typeface="Cambria Math" panose="02040503050406030204" pitchFamily="18" charset="0"/>
+                              </a:rPr>
+                              <m:t>𝑩</m:t>
+                            </m:r>
+                          </m:e>
+                          <m:sub>
+                            <m:d>
+                              <m:dPr>
+                                <m:begChr m:val="["/>
+                                <m:endChr m:val="]"/>
+                                <m:ctrlPr>
+                                  <a:rPr lang="en-US" sz="1400" b="1" i="1">
+                                    <a:latin typeface="Cambria Math" panose="02040503050406030204" pitchFamily="18" charset="0"/>
+                                  </a:rPr>
+                                </m:ctrlPr>
+                              </m:dPr>
+                              <m:e>
+                                <m:r>
+                                  <a:rPr lang="en-US" sz="1400" b="1" i="1">
+                                    <a:latin typeface="Cambria Math" panose="02040503050406030204" pitchFamily="18" charset="0"/>
+                                  </a:rPr>
+                                  <m:t>°</m:t>
+                                </m:r>
+                                <m:r>
+                                  <a:rPr lang="en-US" sz="1400" b="1" i="1">
+                                    <a:latin typeface="Cambria Math" panose="02040503050406030204" pitchFamily="18" charset="0"/>
+                                  </a:rPr>
+                                  <m:t>𝑪</m:t>
+                                </m:r>
+                                <m:r>
+                                  <a:rPr lang="en-US" sz="1400" b="1" i="1">
+                                    <a:latin typeface="Cambria Math" panose="02040503050406030204" pitchFamily="18" charset="0"/>
+                                  </a:rPr>
+                                  <m:t>/µ</m:t>
+                                </m:r>
+                                <m:r>
+                                  <a:rPr lang="en-US" sz="1400" b="1" i="1">
+                                    <a:latin typeface="Cambria Math" panose="02040503050406030204" pitchFamily="18" charset="0"/>
+                                  </a:rPr>
+                                  <m:t>𝒎</m:t>
+                                </m:r>
+                              </m:e>
+                            </m:d>
+                          </m:sub>
+                        </m:sSub>
+                      </m:oMath>
+                    </m:oMathPara>
+                  </a14:m>
+                  <a:endParaRPr lang="en-US" sz="1400" b="1" dirty="0"/>
+                </a:p>
+              </p:txBody>
+            </p:sp>
+          </mc:Choice>
+          <mc:Fallback>
+            <p:sp>
+              <p:nvSpPr>
+                <p:cNvPr id="58" name="ZoneTexte 57"/>
+                <p:cNvSpPr txBox="1">
+                  <a:spLocks noRot="1" noChangeAspect="1" noMove="1" noResize="1" noEditPoints="1" noAdjustHandles="1" noChangeArrowheads="1" noChangeShapeType="1" noTextEdit="1"/>
+                </p:cNvSpPr>
+                <p:nvPr/>
+              </p:nvSpPr>
+              <p:spPr>
+                <a:xfrm>
+                  <a:off x="957943" y="6932379"/>
+                  <a:ext cx="1247019" cy="973408"/>
+                </a:xfrm>
+                <a:prstGeom prst="rect">
+                  <a:avLst/>
+                </a:prstGeom>
+                <a:blipFill>
+                  <a:blip r:embed="rId14"/>
+                  <a:stretch>
+                    <a:fillRect t="-617" r="-483"/>
+                  </a:stretch>
+                </a:blipFill>
+                <a:ln>
+                  <a:solidFill>
+                    <a:schemeClr val="accent2">
+                      <a:lumMod val="60000"/>
+                      <a:lumOff val="40000"/>
+                    </a:schemeClr>
+                  </a:solidFill>
+                </a:ln>
+              </p:spPr>
+              <p:txBody>
+                <a:bodyPr/>
+                <a:lstStyle/>
+                <a:p>
+                  <a:r>
+                    <a:rPr lang="en-US">
+                      <a:noFill/>
+                    </a:rPr>
+                    <a:t> </a:t>
+                  </a:r>
+                </a:p>
+              </p:txBody>
+            </p:sp>
+          </mc:Fallback>
+        </mc:AlternateContent>
+        <p:sp>
+          <p:nvSpPr>
+            <p:cNvPr id="59" name="ZoneTexte 58"/>
+            <p:cNvSpPr txBox="1"/>
+            <p:nvPr/>
+          </p:nvSpPr>
+          <p:spPr>
+            <a:xfrm>
+              <a:off x="957943" y="8067211"/>
+              <a:ext cx="7953828" cy="1042400"/>
+            </a:xfrm>
+            <a:prstGeom prst="rect">
+              <a:avLst/>
+            </a:prstGeom>
+            <a:noFill/>
+            <a:ln w="28575">
+              <a:solidFill>
+                <a:schemeClr val="accent6">
+                  <a:lumMod val="60000"/>
+                  <a:lumOff val="40000"/>
+                </a:schemeClr>
+              </a:solidFill>
+              <a:prstDash val="dashDot"/>
+            </a:ln>
+          </p:spPr>
+          <p:style>
+            <a:lnRef idx="2">
+              <a:schemeClr val="accent2"/>
+            </a:lnRef>
+            <a:fillRef idx="1">
+              <a:schemeClr val="lt1"/>
+            </a:fillRef>
+            <a:effectRef idx="0">
+              <a:schemeClr val="accent2"/>
+            </a:effectRef>
+            <a:fontRef idx="minor">
+              <a:schemeClr val="dk1"/>
+            </a:fontRef>
+          </p:style>
+          <p:txBody>
+            <a:bodyPr wrap="square" rtlCol="0">
+              <a:spAutoFit/>
+            </a:bodyPr>
+            <a:lstStyle/>
+            <a:p>
+              <a:endParaRPr lang="fr-FR" dirty="0"/>
+            </a:p>
+          </p:txBody>
+        </p:sp>
+        <mc:AlternateContent xmlns:mc="http://schemas.openxmlformats.org/markup-compatibility/2006">
+          <mc:Choice xmlns:a14="http://schemas.microsoft.com/office/drawing/2010/main" Requires="a14">
+            <p:sp>
+              <p:nvSpPr>
+                <p:cNvPr id="60" name="ZoneTexte 59"/>
+                <p:cNvSpPr txBox="1"/>
+                <p:nvPr/>
+              </p:nvSpPr>
+              <p:spPr>
+                <a:xfrm>
+                  <a:off x="957943" y="8243576"/>
+                  <a:ext cx="1247019" cy="759375"/>
+                </a:xfrm>
+                <a:prstGeom prst="rect">
+                  <a:avLst/>
+                </a:prstGeom>
+                <a:solidFill>
+                  <a:schemeClr val="accent6">
+                    <a:lumMod val="60000"/>
+                    <a:lumOff val="40000"/>
+                  </a:schemeClr>
+                </a:solidFill>
+                <a:ln>
+                  <a:solidFill>
+                    <a:schemeClr val="accent6">
+                      <a:lumMod val="60000"/>
+                      <a:lumOff val="40000"/>
+                    </a:schemeClr>
+                  </a:solidFill>
+                </a:ln>
+              </p:spPr>
+              <p:txBody>
+                <a:bodyPr wrap="square" rtlCol="0">
+                  <a:spAutoFit/>
+                </a:bodyPr>
+                <a:lstStyle/>
+                <a:p>
+                  <a:pPr algn="ctr"/>
+                  <a:r>
+                    <a:rPr lang="en-US" sz="1400" dirty="0" err="1" smtClean="0"/>
+                    <a:t>Balourd</a:t>
+                  </a:r>
+                  <a:r>
+                    <a:rPr lang="en-US" sz="1400" dirty="0" smtClean="0"/>
+                    <a:t> </a:t>
+                  </a:r>
+                  <a:r>
+                    <a:rPr lang="en-US" sz="1400" dirty="0" err="1" smtClean="0"/>
+                    <a:t>thermique</a:t>
+                  </a:r>
+                  <a:endParaRPr lang="en-US" sz="1400" dirty="0" smtClean="0"/>
+                </a:p>
+                <a:p>
+                  <a:pPr algn="ctr"/>
+                  <a14:m>
+                    <m:oMathPara xmlns:m="http://schemas.openxmlformats.org/officeDocument/2006/math">
+                      <m:oMathParaPr>
+                        <m:jc m:val="centerGroup"/>
+                      </m:oMathParaPr>
+                      <m:oMath xmlns:m="http://schemas.openxmlformats.org/officeDocument/2006/math">
+                        <m:sSub>
+                          <m:sSubPr>
+                            <m:ctrlPr>
+                              <a:rPr lang="fr-FR" sz="1400" b="1" i="1" dirty="0">
+                                <a:latin typeface="Cambria Math" panose="02040503050406030204" pitchFamily="18" charset="0"/>
+                              </a:rPr>
+                            </m:ctrlPr>
+                          </m:sSubPr>
+                          <m:e>
+                            <m:r>
+                              <a:rPr lang="fr-FR" sz="1400" b="1" i="1" dirty="0">
+                                <a:latin typeface="Cambria Math" panose="02040503050406030204" pitchFamily="18" charset="0"/>
+                              </a:rPr>
+                              <m:t>𝑪</m:t>
+                            </m:r>
+                          </m:e>
+                          <m:sub>
+                            <m:d>
+                              <m:dPr>
+                                <m:begChr m:val="["/>
+                                <m:endChr m:val="]"/>
+                                <m:ctrlPr>
+                                  <a:rPr lang="fr-FR" sz="1400" b="1" i="1" dirty="0">
+                                    <a:latin typeface="Cambria Math" panose="02040503050406030204" pitchFamily="18" charset="0"/>
+                                  </a:rPr>
+                                </m:ctrlPr>
+                              </m:dPr>
+                              <m:e>
+                                <m:r>
+                                  <a:rPr lang="fr-FR" sz="1400" b="1" i="1" dirty="0">
+                                    <a:latin typeface="Cambria Math" panose="02040503050406030204" pitchFamily="18" charset="0"/>
+                                  </a:rPr>
+                                  <m:t>(</m:t>
+                                </m:r>
+                                <m:r>
+                                  <a:rPr lang="fr-FR" sz="1400" b="1" i="1" dirty="0">
+                                    <a:latin typeface="Cambria Math" panose="02040503050406030204" pitchFamily="18" charset="0"/>
+                                  </a:rPr>
+                                  <m:t>𝒈𝒎𝒎</m:t>
+                                </m:r>
+                                <m:r>
+                                  <a:rPr lang="fr-FR" sz="1400" b="1" i="1" dirty="0">
+                                    <a:latin typeface="Cambria Math" panose="02040503050406030204" pitchFamily="18" charset="0"/>
+                                  </a:rPr>
+                                  <m:t>)/°</m:t>
+                                </m:r>
+                                <m:r>
+                                  <a:rPr lang="fr-FR" sz="1400" b="1" i="1" dirty="0">
+                                    <a:latin typeface="Cambria Math" panose="02040503050406030204" pitchFamily="18" charset="0"/>
+                                  </a:rPr>
+                                  <m:t>𝑪</m:t>
+                                </m:r>
+                              </m:e>
+                            </m:d>
+                          </m:sub>
+                        </m:sSub>
+                      </m:oMath>
+                    </m:oMathPara>
+                  </a14:m>
+                  <a:endParaRPr lang="en-US" sz="1400" b="1" dirty="0"/>
+                </a:p>
+              </p:txBody>
+            </p:sp>
+          </mc:Choice>
+          <mc:Fallback>
+            <p:sp>
+              <p:nvSpPr>
+                <p:cNvPr id="60" name="ZoneTexte 59"/>
+                <p:cNvSpPr txBox="1">
+                  <a:spLocks noRot="1" noChangeAspect="1" noMove="1" noResize="1" noEditPoints="1" noAdjustHandles="1" noChangeArrowheads="1" noChangeShapeType="1" noTextEdit="1"/>
+                </p:cNvSpPr>
+                <p:nvPr/>
+              </p:nvSpPr>
+              <p:spPr>
+                <a:xfrm>
+                  <a:off x="957943" y="8243576"/>
+                  <a:ext cx="1247019" cy="759375"/>
+                </a:xfrm>
+                <a:prstGeom prst="rect">
+                  <a:avLst/>
+                </a:prstGeom>
+                <a:blipFill>
+                  <a:blip r:embed="rId15"/>
+                  <a:stretch>
+                    <a:fillRect b="-787"/>
+                  </a:stretch>
+                </a:blipFill>
+                <a:ln>
+                  <a:solidFill>
+                    <a:schemeClr val="accent6">
+                      <a:lumMod val="60000"/>
+                      <a:lumOff val="40000"/>
+                    </a:schemeClr>
+                  </a:solidFill>
+                </a:ln>
+              </p:spPr>
+              <p:txBody>
+                <a:bodyPr/>
+                <a:lstStyle/>
+                <a:p>
+                  <a:r>
+                    <a:rPr lang="en-US">
+                      <a:noFill/>
+                    </a:rPr>
+                    <a:t> </a:t>
+                  </a:r>
+                </a:p>
+              </p:txBody>
+            </p:sp>
+          </mc:Fallback>
+        </mc:AlternateContent>
+      </p:grpSp>
+    </p:spTree>
+    <p:extLst>
+      <p:ext uri="{BB962C8B-B14F-4D97-AF65-F5344CB8AC3E}">
+        <p14:creationId xmlns:p14="http://schemas.microsoft.com/office/powerpoint/2010/main" val="4006951127"/>
+      </p:ext>
+    </p:extLst>
+  </p:cSld>
+  <p:clrMapOvr>
+    <a:masterClrMapping/>
+  </p:clrMapOvr>
+</p:sld>
+</file>
+
+<file path=ppt/slides/slide6.xml><?xml version="1.0" encoding="utf-8"?>
+<p:sld xmlns:a="http://schemas.openxmlformats.org/drawingml/2006/main" xmlns:r="http://schemas.openxmlformats.org/officeDocument/2006/relationships" xmlns:p="http://schemas.openxmlformats.org/presentationml/2006/main">
+  <p:cSld>
+    <p:spTree>
+      <p:nvGrpSpPr>
+        <p:cNvPr id="1" name=""/>
+        <p:cNvGrpSpPr/>
+        <p:nvPr/>
+      </p:nvGrpSpPr>
+      <p:grpSpPr>
+        <a:xfrm>
+          <a:off x="0" y="0"/>
+          <a:ext cx="0" cy="0"/>
+          <a:chOff x="0" y="0"/>
+          <a:chExt cx="0" cy="0"/>
+        </a:xfrm>
+      </p:grpSpPr>
+      <p:pic>
+        <p:nvPicPr>
+          <p:cNvPr id="63" name="Image 62"/>
+          <p:cNvPicPr>
+            <a:picLocks noChangeAspect="1"/>
+          </p:cNvPicPr>
+          <p:nvPr/>
+        </p:nvPicPr>
+        <p:blipFill>
+          <a:blip r:embed="rId2"/>
+          <a:stretch>
+            <a:fillRect/>
+          </a:stretch>
+        </p:blipFill>
+        <p:spPr>
+          <a:xfrm>
+            <a:off x="804325" y="2803848"/>
+            <a:ext cx="7992549" cy="7193903"/>
+          </a:xfrm>
+          <a:prstGeom prst="rect">
+            <a:avLst/>
+          </a:prstGeom>
+        </p:spPr>
+      </p:pic>
+    </p:spTree>
+    <p:extLst>
+      <p:ext uri="{BB962C8B-B14F-4D97-AF65-F5344CB8AC3E}">
+        <p14:creationId xmlns:p14="http://schemas.microsoft.com/office/powerpoint/2010/main" val="3003733662"/>
+      </p:ext>
+    </p:extLst>
+  </p:cSld>
+  <p:clrMapOvr>
+    <a:masterClrMapping/>
+  </p:clrMapOvr>
+</p:sld>
+</file>
+
 <file path=ppt/theme/theme1.xml><?xml version="1.0" encoding="utf-8"?>
 <a:theme xmlns:a="http://schemas.openxmlformats.org/drawingml/2006/main" name="Thème Office">
   <a:themeElements>
